--- a/05- MIcroservices/05.pptx
+++ b/05- MIcroservices/05.pptx
@@ -6,6 +6,7 @@
   </p:sldMasterIdLst>
   <p:sldIdLst>
     <p:sldId id="256" r:id="rId2"/>
+    <p:sldId id="257" r:id="rId3"/>
   </p:sldIdLst>
   <p:sldSz cx="12192000" cy="6858000"/>
   <p:notesSz cx="6858000" cy="9144000"/>
@@ -512,7 +513,7 @@
           <a:p>
             <a:fld id="{9FB82A46-B665-407F-96FD-F111779DA63B}" type="datetimeFigureOut">
               <a:rPr lang="es-419" smtClean="0"/>
-              <a:t>10/8/2024</a:t>
+              <a:t>24/8/2024</a:t>
             </a:fld>
             <a:endParaRPr lang="es-419"/>
           </a:p>
@@ -712,7 +713,7 @@
           <a:p>
             <a:fld id="{9FB82A46-B665-407F-96FD-F111779DA63B}" type="datetimeFigureOut">
               <a:rPr lang="es-419" smtClean="0"/>
-              <a:t>10/8/2024</a:t>
+              <a:t>24/8/2024</a:t>
             </a:fld>
             <a:endParaRPr lang="es-419"/>
           </a:p>
@@ -922,7 +923,7 @@
           <a:p>
             <a:fld id="{9FB82A46-B665-407F-96FD-F111779DA63B}" type="datetimeFigureOut">
               <a:rPr lang="es-419" smtClean="0"/>
-              <a:t>10/8/2024</a:t>
+              <a:t>24/8/2024</a:t>
             </a:fld>
             <a:endParaRPr lang="es-419"/>
           </a:p>
@@ -1122,7 +1123,7 @@
           <a:p>
             <a:fld id="{9FB82A46-B665-407F-96FD-F111779DA63B}" type="datetimeFigureOut">
               <a:rPr lang="es-419" smtClean="0"/>
-              <a:t>10/8/2024</a:t>
+              <a:t>24/8/2024</a:t>
             </a:fld>
             <a:endParaRPr lang="es-419"/>
           </a:p>
@@ -1398,7 +1399,7 @@
           <a:p>
             <a:fld id="{9FB82A46-B665-407F-96FD-F111779DA63B}" type="datetimeFigureOut">
               <a:rPr lang="es-419" smtClean="0"/>
-              <a:t>10/8/2024</a:t>
+              <a:t>24/8/2024</a:t>
             </a:fld>
             <a:endParaRPr lang="es-419"/>
           </a:p>
@@ -1666,7 +1667,7 @@
           <a:p>
             <a:fld id="{9FB82A46-B665-407F-96FD-F111779DA63B}" type="datetimeFigureOut">
               <a:rPr lang="es-419" smtClean="0"/>
-              <a:t>10/8/2024</a:t>
+              <a:t>24/8/2024</a:t>
             </a:fld>
             <a:endParaRPr lang="es-419"/>
           </a:p>
@@ -2081,7 +2082,7 @@
           <a:p>
             <a:fld id="{9FB82A46-B665-407F-96FD-F111779DA63B}" type="datetimeFigureOut">
               <a:rPr lang="es-419" smtClean="0"/>
-              <a:t>10/8/2024</a:t>
+              <a:t>24/8/2024</a:t>
             </a:fld>
             <a:endParaRPr lang="es-419"/>
           </a:p>
@@ -2223,7 +2224,7 @@
           <a:p>
             <a:fld id="{9FB82A46-B665-407F-96FD-F111779DA63B}" type="datetimeFigureOut">
               <a:rPr lang="es-419" smtClean="0"/>
-              <a:t>10/8/2024</a:t>
+              <a:t>24/8/2024</a:t>
             </a:fld>
             <a:endParaRPr lang="es-419"/>
           </a:p>
@@ -2336,7 +2337,7 @@
           <a:p>
             <a:fld id="{9FB82A46-B665-407F-96FD-F111779DA63B}" type="datetimeFigureOut">
               <a:rPr lang="es-419" smtClean="0"/>
-              <a:t>10/8/2024</a:t>
+              <a:t>24/8/2024</a:t>
             </a:fld>
             <a:endParaRPr lang="es-419"/>
           </a:p>
@@ -2649,7 +2650,7 @@
           <a:p>
             <a:fld id="{9FB82A46-B665-407F-96FD-F111779DA63B}" type="datetimeFigureOut">
               <a:rPr lang="es-419" smtClean="0"/>
-              <a:t>10/8/2024</a:t>
+              <a:t>24/8/2024</a:t>
             </a:fld>
             <a:endParaRPr lang="es-419"/>
           </a:p>
@@ -2938,7 +2939,7 @@
           <a:p>
             <a:fld id="{9FB82A46-B665-407F-96FD-F111779DA63B}" type="datetimeFigureOut">
               <a:rPr lang="es-419" smtClean="0"/>
-              <a:t>10/8/2024</a:t>
+              <a:t>24/8/2024</a:t>
             </a:fld>
             <a:endParaRPr lang="es-419"/>
           </a:p>
@@ -3181,7 +3182,7 @@
           <a:p>
             <a:fld id="{9FB82A46-B665-407F-96FD-F111779DA63B}" type="datetimeFigureOut">
               <a:rPr lang="es-419" smtClean="0"/>
-              <a:t>10/8/2024</a:t>
+              <a:t>24/8/2024</a:t>
             </a:fld>
             <a:endParaRPr lang="es-419"/>
           </a:p>
@@ -3598,10 +3599,9383 @@
           <a:chExt cx="0" cy="0"/>
         </a:xfrm>
       </p:grpSpPr>
+      <p:sp>
+        <p:nvSpPr>
+          <p:cNvPr id="2" name="Hexagon 1">
+            <a:extLst>
+              <a:ext uri="{FF2B5EF4-FFF2-40B4-BE49-F238E27FC236}">
+                <a16:creationId xmlns:a16="http://schemas.microsoft.com/office/drawing/2014/main" id="{1EC4563B-A7CE-1094-D112-FBDC6E7FE185}"/>
+              </a:ext>
+            </a:extLst>
+          </p:cNvPr>
+          <p:cNvSpPr/>
+          <p:nvPr/>
+        </p:nvSpPr>
+        <p:spPr>
+          <a:xfrm>
+            <a:off x="716646" y="1623523"/>
+            <a:ext cx="744921" cy="642173"/>
+          </a:xfrm>
+          <a:prstGeom prst="hexagon">
+            <a:avLst/>
+          </a:prstGeom>
+          <a:noFill/>
+        </p:spPr>
+        <p:style>
+          <a:lnRef idx="2">
+            <a:schemeClr val="accent1">
+              <a:shade val="50000"/>
+            </a:schemeClr>
+          </a:lnRef>
+          <a:fillRef idx="1">
+            <a:schemeClr val="accent1"/>
+          </a:fillRef>
+          <a:effectRef idx="0">
+            <a:schemeClr val="accent1"/>
+          </a:effectRef>
+          <a:fontRef idx="minor">
+            <a:schemeClr val="lt1"/>
+          </a:fontRef>
+        </p:style>
+        <p:txBody>
+          <a:bodyPr lIns="0" tIns="0" rIns="0" bIns="0" rtlCol="0" anchor="ctr"/>
+          <a:lstStyle/>
+          <a:p>
+            <a:pPr algn="ctr"/>
+            <a:r>
+              <a:rPr lang="es-419" sz="1100" dirty="0">
+                <a:solidFill>
+                  <a:sysClr val="windowText" lastClr="000000"/>
+                </a:solidFill>
+              </a:rPr>
+              <a:t>MS A</a:t>
+            </a:r>
+          </a:p>
+        </p:txBody>
+      </p:sp>
+      <p:sp>
+        <p:nvSpPr>
+          <p:cNvPr id="3" name="Hexagon 2">
+            <a:extLst>
+              <a:ext uri="{FF2B5EF4-FFF2-40B4-BE49-F238E27FC236}">
+                <a16:creationId xmlns:a16="http://schemas.microsoft.com/office/drawing/2014/main" id="{5B228304-B53F-A585-F6F6-27D52EB6D9EA}"/>
+              </a:ext>
+            </a:extLst>
+          </p:cNvPr>
+          <p:cNvSpPr/>
+          <p:nvPr/>
+        </p:nvSpPr>
+        <p:spPr>
+          <a:xfrm>
+            <a:off x="1796299" y="1623523"/>
+            <a:ext cx="744921" cy="642173"/>
+          </a:xfrm>
+          <a:prstGeom prst="hexagon">
+            <a:avLst/>
+          </a:prstGeom>
+          <a:noFill/>
+        </p:spPr>
+        <p:style>
+          <a:lnRef idx="2">
+            <a:schemeClr val="accent1">
+              <a:shade val="50000"/>
+            </a:schemeClr>
+          </a:lnRef>
+          <a:fillRef idx="1">
+            <a:schemeClr val="accent1"/>
+          </a:fillRef>
+          <a:effectRef idx="0">
+            <a:schemeClr val="accent1"/>
+          </a:effectRef>
+          <a:fontRef idx="minor">
+            <a:schemeClr val="lt1"/>
+          </a:fontRef>
+        </p:style>
+        <p:txBody>
+          <a:bodyPr lIns="0" tIns="0" rIns="0" bIns="0" rtlCol="0" anchor="ctr"/>
+          <a:lstStyle/>
+          <a:p>
+            <a:pPr algn="ctr"/>
+            <a:r>
+              <a:rPr lang="es-419" sz="1100" dirty="0" err="1">
+                <a:solidFill>
+                  <a:sysClr val="windowText" lastClr="000000"/>
+                </a:solidFill>
+              </a:rPr>
+              <a:t>Service</a:t>
+            </a:r>
+            <a:r>
+              <a:rPr lang="es-419" sz="1100" dirty="0">
+                <a:solidFill>
+                  <a:sysClr val="windowText" lastClr="000000"/>
+                </a:solidFill>
+              </a:rPr>
+              <a:t> B</a:t>
+            </a:r>
+          </a:p>
+        </p:txBody>
+      </p:sp>
+      <p:sp>
+        <p:nvSpPr>
+          <p:cNvPr id="4" name="Hexagon 3">
+            <a:extLst>
+              <a:ext uri="{FF2B5EF4-FFF2-40B4-BE49-F238E27FC236}">
+                <a16:creationId xmlns:a16="http://schemas.microsoft.com/office/drawing/2014/main" id="{3B6D704E-0013-EE6B-27DB-CF724147AC5F}"/>
+              </a:ext>
+            </a:extLst>
+          </p:cNvPr>
+          <p:cNvSpPr/>
+          <p:nvPr/>
+        </p:nvSpPr>
+        <p:spPr>
+          <a:xfrm>
+            <a:off x="2875952" y="1623523"/>
+            <a:ext cx="744921" cy="642173"/>
+          </a:xfrm>
+          <a:prstGeom prst="hexagon">
+            <a:avLst/>
+          </a:prstGeom>
+          <a:noFill/>
+        </p:spPr>
+        <p:style>
+          <a:lnRef idx="2">
+            <a:schemeClr val="accent1">
+              <a:shade val="50000"/>
+            </a:schemeClr>
+          </a:lnRef>
+          <a:fillRef idx="1">
+            <a:schemeClr val="accent1"/>
+          </a:fillRef>
+          <a:effectRef idx="0">
+            <a:schemeClr val="accent1"/>
+          </a:effectRef>
+          <a:fontRef idx="minor">
+            <a:schemeClr val="lt1"/>
+          </a:fontRef>
+        </p:style>
+        <p:txBody>
+          <a:bodyPr lIns="0" tIns="0" rIns="0" bIns="0" rtlCol="0" anchor="ctr"/>
+          <a:lstStyle/>
+          <a:p>
+            <a:pPr algn="ctr"/>
+            <a:r>
+              <a:rPr lang="es-419" sz="1100" dirty="0" err="1">
+                <a:solidFill>
+                  <a:sysClr val="windowText" lastClr="000000"/>
+                </a:solidFill>
+              </a:rPr>
+              <a:t>Service</a:t>
+            </a:r>
+            <a:r>
+              <a:rPr lang="es-419" sz="1100" dirty="0">
+                <a:solidFill>
+                  <a:sysClr val="windowText" lastClr="000000"/>
+                </a:solidFill>
+              </a:rPr>
+              <a:t>  C</a:t>
+            </a:r>
+          </a:p>
+        </p:txBody>
+      </p:sp>
+      <p:sp>
+        <p:nvSpPr>
+          <p:cNvPr id="5" name="Hexagon 4">
+            <a:extLst>
+              <a:ext uri="{FF2B5EF4-FFF2-40B4-BE49-F238E27FC236}">
+                <a16:creationId xmlns:a16="http://schemas.microsoft.com/office/drawing/2014/main" id="{3388FFC0-DEE4-45BE-A889-791CCB2F643D}"/>
+              </a:ext>
+            </a:extLst>
+          </p:cNvPr>
+          <p:cNvSpPr/>
+          <p:nvPr/>
+        </p:nvSpPr>
+        <p:spPr>
+          <a:xfrm>
+            <a:off x="3955605" y="1623523"/>
+            <a:ext cx="744921" cy="642173"/>
+          </a:xfrm>
+          <a:prstGeom prst="hexagon">
+            <a:avLst/>
+          </a:prstGeom>
+          <a:noFill/>
+        </p:spPr>
+        <p:style>
+          <a:lnRef idx="2">
+            <a:schemeClr val="accent1">
+              <a:shade val="50000"/>
+            </a:schemeClr>
+          </a:lnRef>
+          <a:fillRef idx="1">
+            <a:schemeClr val="accent1"/>
+          </a:fillRef>
+          <a:effectRef idx="0">
+            <a:schemeClr val="accent1"/>
+          </a:effectRef>
+          <a:fontRef idx="minor">
+            <a:schemeClr val="lt1"/>
+          </a:fontRef>
+        </p:style>
+        <p:txBody>
+          <a:bodyPr lIns="0" tIns="0" rIns="0" bIns="0" rtlCol="0" anchor="ctr"/>
+          <a:lstStyle/>
+          <a:p>
+            <a:pPr algn="ctr"/>
+            <a:r>
+              <a:rPr lang="es-419" sz="1100" dirty="0" err="1">
+                <a:solidFill>
+                  <a:sysClr val="windowText" lastClr="000000"/>
+                </a:solidFill>
+              </a:rPr>
+              <a:t>Service</a:t>
+            </a:r>
+            <a:r>
+              <a:rPr lang="es-419" sz="1100" dirty="0">
+                <a:solidFill>
+                  <a:sysClr val="windowText" lastClr="000000"/>
+                </a:solidFill>
+              </a:rPr>
+              <a:t> D</a:t>
+            </a:r>
+          </a:p>
+        </p:txBody>
+      </p:sp>
+      <p:sp>
+        <p:nvSpPr>
+          <p:cNvPr id="6" name="Hexagon 5">
+            <a:extLst>
+              <a:ext uri="{FF2B5EF4-FFF2-40B4-BE49-F238E27FC236}">
+                <a16:creationId xmlns:a16="http://schemas.microsoft.com/office/drawing/2014/main" id="{F0E71581-9592-2534-453B-EBC4EDBDE548}"/>
+              </a:ext>
+            </a:extLst>
+          </p:cNvPr>
+          <p:cNvSpPr/>
+          <p:nvPr/>
+        </p:nvSpPr>
+        <p:spPr>
+          <a:xfrm>
+            <a:off x="716646" y="2581991"/>
+            <a:ext cx="744921" cy="642173"/>
+          </a:xfrm>
+          <a:prstGeom prst="hexagon">
+            <a:avLst/>
+          </a:prstGeom>
+          <a:noFill/>
+        </p:spPr>
+        <p:style>
+          <a:lnRef idx="2">
+            <a:schemeClr val="accent1">
+              <a:shade val="50000"/>
+            </a:schemeClr>
+          </a:lnRef>
+          <a:fillRef idx="1">
+            <a:schemeClr val="accent1"/>
+          </a:fillRef>
+          <a:effectRef idx="0">
+            <a:schemeClr val="accent1"/>
+          </a:effectRef>
+          <a:fontRef idx="minor">
+            <a:schemeClr val="lt1"/>
+          </a:fontRef>
+        </p:style>
+        <p:txBody>
+          <a:bodyPr lIns="0" tIns="0" rIns="0" bIns="0" rtlCol="0" anchor="ctr"/>
+          <a:lstStyle/>
+          <a:p>
+            <a:pPr algn="ctr"/>
+            <a:r>
+              <a:rPr lang="es-419" sz="1100" dirty="0">
+                <a:solidFill>
+                  <a:sysClr val="windowText" lastClr="000000"/>
+                </a:solidFill>
+              </a:rPr>
+              <a:t>MS A’</a:t>
+            </a:r>
+          </a:p>
+        </p:txBody>
+      </p:sp>
+      <p:sp>
+        <p:nvSpPr>
+          <p:cNvPr id="7" name="Hexagon 6">
+            <a:extLst>
+              <a:ext uri="{FF2B5EF4-FFF2-40B4-BE49-F238E27FC236}">
+                <a16:creationId xmlns:a16="http://schemas.microsoft.com/office/drawing/2014/main" id="{2CE97E82-6629-0DAC-4450-62ADDB04DCDC}"/>
+              </a:ext>
+            </a:extLst>
+          </p:cNvPr>
+          <p:cNvSpPr/>
+          <p:nvPr/>
+        </p:nvSpPr>
+        <p:spPr>
+          <a:xfrm>
+            <a:off x="1796299" y="2581991"/>
+            <a:ext cx="744921" cy="642173"/>
+          </a:xfrm>
+          <a:prstGeom prst="hexagon">
+            <a:avLst/>
+          </a:prstGeom>
+          <a:noFill/>
+        </p:spPr>
+        <p:style>
+          <a:lnRef idx="2">
+            <a:schemeClr val="accent1">
+              <a:shade val="50000"/>
+            </a:schemeClr>
+          </a:lnRef>
+          <a:fillRef idx="1">
+            <a:schemeClr val="accent1"/>
+          </a:fillRef>
+          <a:effectRef idx="0">
+            <a:schemeClr val="accent1"/>
+          </a:effectRef>
+          <a:fontRef idx="minor">
+            <a:schemeClr val="lt1"/>
+          </a:fontRef>
+        </p:style>
+        <p:txBody>
+          <a:bodyPr lIns="0" tIns="0" rIns="0" bIns="0" rtlCol="0" anchor="ctr"/>
+          <a:lstStyle/>
+          <a:p>
+            <a:pPr algn="ctr"/>
+            <a:r>
+              <a:rPr lang="es-419" sz="1100" dirty="0" err="1">
+                <a:solidFill>
+                  <a:sysClr val="windowText" lastClr="000000"/>
+                </a:solidFill>
+              </a:rPr>
+              <a:t>Service</a:t>
+            </a:r>
+            <a:r>
+              <a:rPr lang="es-419" sz="1100" dirty="0">
+                <a:solidFill>
+                  <a:sysClr val="windowText" lastClr="000000"/>
+                </a:solidFill>
+              </a:rPr>
+              <a:t> B’</a:t>
+            </a:r>
+          </a:p>
+        </p:txBody>
+      </p:sp>
+      <p:sp>
+        <p:nvSpPr>
+          <p:cNvPr id="8" name="Hexagon 7">
+            <a:extLst>
+              <a:ext uri="{FF2B5EF4-FFF2-40B4-BE49-F238E27FC236}">
+                <a16:creationId xmlns:a16="http://schemas.microsoft.com/office/drawing/2014/main" id="{134597F5-ACE3-AAA6-89E8-38E2352B0020}"/>
+              </a:ext>
+            </a:extLst>
+          </p:cNvPr>
+          <p:cNvSpPr/>
+          <p:nvPr/>
+        </p:nvSpPr>
+        <p:spPr>
+          <a:xfrm>
+            <a:off x="2875952" y="2581991"/>
+            <a:ext cx="744921" cy="642173"/>
+          </a:xfrm>
+          <a:prstGeom prst="hexagon">
+            <a:avLst/>
+          </a:prstGeom>
+          <a:noFill/>
+        </p:spPr>
+        <p:style>
+          <a:lnRef idx="2">
+            <a:schemeClr val="accent1">
+              <a:shade val="50000"/>
+            </a:schemeClr>
+          </a:lnRef>
+          <a:fillRef idx="1">
+            <a:schemeClr val="accent1"/>
+          </a:fillRef>
+          <a:effectRef idx="0">
+            <a:schemeClr val="accent1"/>
+          </a:effectRef>
+          <a:fontRef idx="minor">
+            <a:schemeClr val="lt1"/>
+          </a:fontRef>
+        </p:style>
+        <p:txBody>
+          <a:bodyPr lIns="0" tIns="0" rIns="0" bIns="0" rtlCol="0" anchor="ctr"/>
+          <a:lstStyle/>
+          <a:p>
+            <a:pPr algn="ctr"/>
+            <a:r>
+              <a:rPr lang="es-419" sz="1100" dirty="0" err="1">
+                <a:solidFill>
+                  <a:sysClr val="windowText" lastClr="000000"/>
+                </a:solidFill>
+              </a:rPr>
+              <a:t>Service</a:t>
+            </a:r>
+            <a:r>
+              <a:rPr lang="es-419" sz="1100" dirty="0">
+                <a:solidFill>
+                  <a:sysClr val="windowText" lastClr="000000"/>
+                </a:solidFill>
+              </a:rPr>
+              <a:t> C’</a:t>
+            </a:r>
+          </a:p>
+        </p:txBody>
+      </p:sp>
+      <p:sp>
+        <p:nvSpPr>
+          <p:cNvPr id="9" name="Hexagon 8">
+            <a:extLst>
+              <a:ext uri="{FF2B5EF4-FFF2-40B4-BE49-F238E27FC236}">
+                <a16:creationId xmlns:a16="http://schemas.microsoft.com/office/drawing/2014/main" id="{D34C4CC3-0D7C-1CC7-8A75-B6AEB380B7BD}"/>
+              </a:ext>
+            </a:extLst>
+          </p:cNvPr>
+          <p:cNvSpPr/>
+          <p:nvPr/>
+        </p:nvSpPr>
+        <p:spPr>
+          <a:xfrm>
+            <a:off x="3955605" y="2581991"/>
+            <a:ext cx="744921" cy="642173"/>
+          </a:xfrm>
+          <a:prstGeom prst="hexagon">
+            <a:avLst/>
+          </a:prstGeom>
+          <a:noFill/>
+        </p:spPr>
+        <p:style>
+          <a:lnRef idx="2">
+            <a:schemeClr val="accent1">
+              <a:shade val="50000"/>
+            </a:schemeClr>
+          </a:lnRef>
+          <a:fillRef idx="1">
+            <a:schemeClr val="accent1"/>
+          </a:fillRef>
+          <a:effectRef idx="0">
+            <a:schemeClr val="accent1"/>
+          </a:effectRef>
+          <a:fontRef idx="minor">
+            <a:schemeClr val="lt1"/>
+          </a:fontRef>
+        </p:style>
+        <p:txBody>
+          <a:bodyPr lIns="0" tIns="0" rIns="0" bIns="0" rtlCol="0" anchor="ctr"/>
+          <a:lstStyle/>
+          <a:p>
+            <a:pPr algn="ctr"/>
+            <a:r>
+              <a:rPr lang="es-419" sz="1100" dirty="0" err="1">
+                <a:solidFill>
+                  <a:sysClr val="windowText" lastClr="000000"/>
+                </a:solidFill>
+              </a:rPr>
+              <a:t>Service</a:t>
+            </a:r>
+            <a:r>
+              <a:rPr lang="es-419" sz="1100" dirty="0">
+                <a:solidFill>
+                  <a:sysClr val="windowText" lastClr="000000"/>
+                </a:solidFill>
+              </a:rPr>
+              <a:t> D’</a:t>
+            </a:r>
+          </a:p>
+        </p:txBody>
+      </p:sp>
+      <p:sp>
+        <p:nvSpPr>
+          <p:cNvPr id="10" name="Scroll: Vertical 9">
+            <a:extLst>
+              <a:ext uri="{FF2B5EF4-FFF2-40B4-BE49-F238E27FC236}">
+                <a16:creationId xmlns:a16="http://schemas.microsoft.com/office/drawing/2014/main" id="{FA716ADA-3A0D-42C3-93ED-ED4861955A91}"/>
+              </a:ext>
+            </a:extLst>
+          </p:cNvPr>
+          <p:cNvSpPr/>
+          <p:nvPr/>
+        </p:nvSpPr>
+        <p:spPr>
+          <a:xfrm>
+            <a:off x="826266" y="2175964"/>
+            <a:ext cx="157980" cy="165253"/>
+          </a:xfrm>
+          <a:prstGeom prst="verticalScroll">
+            <a:avLst/>
+          </a:prstGeom>
+          <a:noFill/>
+        </p:spPr>
+        <p:style>
+          <a:lnRef idx="2">
+            <a:schemeClr val="accent1">
+              <a:shade val="50000"/>
+            </a:schemeClr>
+          </a:lnRef>
+          <a:fillRef idx="1">
+            <a:schemeClr val="accent1"/>
+          </a:fillRef>
+          <a:effectRef idx="0">
+            <a:schemeClr val="accent1"/>
+          </a:effectRef>
+          <a:fontRef idx="minor">
+            <a:schemeClr val="lt1"/>
+          </a:fontRef>
+        </p:style>
+        <p:txBody>
+          <a:bodyPr rtlCol="0" anchor="ctr"/>
+          <a:lstStyle/>
+          <a:p>
+            <a:pPr algn="ctr"/>
+            <a:endParaRPr lang="es-419"/>
+          </a:p>
+        </p:txBody>
+      </p:sp>
+      <p:sp>
+        <p:nvSpPr>
+          <p:cNvPr id="11" name="Scroll: Vertical 10">
+            <a:extLst>
+              <a:ext uri="{FF2B5EF4-FFF2-40B4-BE49-F238E27FC236}">
+                <a16:creationId xmlns:a16="http://schemas.microsoft.com/office/drawing/2014/main" id="{EB5F5B50-FE29-70C5-039B-3F49FFCC6B1E}"/>
+              </a:ext>
+            </a:extLst>
+          </p:cNvPr>
+          <p:cNvSpPr/>
+          <p:nvPr/>
+        </p:nvSpPr>
+        <p:spPr>
+          <a:xfrm>
+            <a:off x="1851109" y="2175964"/>
+            <a:ext cx="157980" cy="165253"/>
+          </a:xfrm>
+          <a:prstGeom prst="verticalScroll">
+            <a:avLst/>
+          </a:prstGeom>
+          <a:noFill/>
+        </p:spPr>
+        <p:style>
+          <a:lnRef idx="2">
+            <a:schemeClr val="accent1">
+              <a:shade val="50000"/>
+            </a:schemeClr>
+          </a:lnRef>
+          <a:fillRef idx="1">
+            <a:schemeClr val="accent1"/>
+          </a:fillRef>
+          <a:effectRef idx="0">
+            <a:schemeClr val="accent1"/>
+          </a:effectRef>
+          <a:fontRef idx="minor">
+            <a:schemeClr val="lt1"/>
+          </a:fontRef>
+        </p:style>
+        <p:txBody>
+          <a:bodyPr rtlCol="0" anchor="ctr"/>
+          <a:lstStyle/>
+          <a:p>
+            <a:pPr algn="ctr"/>
+            <a:endParaRPr lang="es-419"/>
+          </a:p>
+        </p:txBody>
+      </p:sp>
+      <p:sp>
+        <p:nvSpPr>
+          <p:cNvPr id="12" name="Scroll: Vertical 11">
+            <a:extLst>
+              <a:ext uri="{FF2B5EF4-FFF2-40B4-BE49-F238E27FC236}">
+                <a16:creationId xmlns:a16="http://schemas.microsoft.com/office/drawing/2014/main" id="{118BE56F-CA67-2F38-C6CD-D51A46303378}"/>
+              </a:ext>
+            </a:extLst>
+          </p:cNvPr>
+          <p:cNvSpPr/>
+          <p:nvPr/>
+        </p:nvSpPr>
+        <p:spPr>
+          <a:xfrm>
+            <a:off x="2930762" y="2175964"/>
+            <a:ext cx="157980" cy="165253"/>
+          </a:xfrm>
+          <a:prstGeom prst="verticalScroll">
+            <a:avLst/>
+          </a:prstGeom>
+          <a:noFill/>
+        </p:spPr>
+        <p:style>
+          <a:lnRef idx="2">
+            <a:schemeClr val="accent1">
+              <a:shade val="50000"/>
+            </a:schemeClr>
+          </a:lnRef>
+          <a:fillRef idx="1">
+            <a:schemeClr val="accent1"/>
+          </a:fillRef>
+          <a:effectRef idx="0">
+            <a:schemeClr val="accent1"/>
+          </a:effectRef>
+          <a:fontRef idx="minor">
+            <a:schemeClr val="lt1"/>
+          </a:fontRef>
+        </p:style>
+        <p:txBody>
+          <a:bodyPr rtlCol="0" anchor="ctr"/>
+          <a:lstStyle/>
+          <a:p>
+            <a:pPr algn="ctr"/>
+            <a:endParaRPr lang="es-419"/>
+          </a:p>
+        </p:txBody>
+      </p:sp>
+      <p:sp>
+        <p:nvSpPr>
+          <p:cNvPr id="13" name="Scroll: Vertical 12">
+            <a:extLst>
+              <a:ext uri="{FF2B5EF4-FFF2-40B4-BE49-F238E27FC236}">
+                <a16:creationId xmlns:a16="http://schemas.microsoft.com/office/drawing/2014/main" id="{6F6FE8FA-451A-2C46-7E61-2EB307EEE72B}"/>
+              </a:ext>
+            </a:extLst>
+          </p:cNvPr>
+          <p:cNvSpPr/>
+          <p:nvPr/>
+        </p:nvSpPr>
+        <p:spPr>
+          <a:xfrm>
+            <a:off x="4045613" y="2175964"/>
+            <a:ext cx="157980" cy="165253"/>
+          </a:xfrm>
+          <a:prstGeom prst="verticalScroll">
+            <a:avLst/>
+          </a:prstGeom>
+          <a:noFill/>
+        </p:spPr>
+        <p:style>
+          <a:lnRef idx="2">
+            <a:schemeClr val="accent1">
+              <a:shade val="50000"/>
+            </a:schemeClr>
+          </a:lnRef>
+          <a:fillRef idx="1">
+            <a:schemeClr val="accent1"/>
+          </a:fillRef>
+          <a:effectRef idx="0">
+            <a:schemeClr val="accent1"/>
+          </a:effectRef>
+          <a:fontRef idx="minor">
+            <a:schemeClr val="lt1"/>
+          </a:fontRef>
+        </p:style>
+        <p:txBody>
+          <a:bodyPr rtlCol="0" anchor="ctr"/>
+          <a:lstStyle/>
+          <a:p>
+            <a:pPr algn="ctr"/>
+            <a:endParaRPr lang="es-419"/>
+          </a:p>
+        </p:txBody>
+      </p:sp>
+      <p:sp>
+        <p:nvSpPr>
+          <p:cNvPr id="14" name="Scroll: Vertical 13">
+            <a:extLst>
+              <a:ext uri="{FF2B5EF4-FFF2-40B4-BE49-F238E27FC236}">
+                <a16:creationId xmlns:a16="http://schemas.microsoft.com/office/drawing/2014/main" id="{A16195D3-6D85-D0AD-3542-A2137C86E3C5}"/>
+              </a:ext>
+            </a:extLst>
+          </p:cNvPr>
+          <p:cNvSpPr/>
+          <p:nvPr/>
+        </p:nvSpPr>
+        <p:spPr>
+          <a:xfrm>
+            <a:off x="826266" y="3141537"/>
+            <a:ext cx="157980" cy="165253"/>
+          </a:xfrm>
+          <a:prstGeom prst="verticalScroll">
+            <a:avLst/>
+          </a:prstGeom>
+          <a:noFill/>
+        </p:spPr>
+        <p:style>
+          <a:lnRef idx="2">
+            <a:schemeClr val="accent1">
+              <a:shade val="50000"/>
+            </a:schemeClr>
+          </a:lnRef>
+          <a:fillRef idx="1">
+            <a:schemeClr val="accent1"/>
+          </a:fillRef>
+          <a:effectRef idx="0">
+            <a:schemeClr val="accent1"/>
+          </a:effectRef>
+          <a:fontRef idx="minor">
+            <a:schemeClr val="lt1"/>
+          </a:fontRef>
+        </p:style>
+        <p:txBody>
+          <a:bodyPr rtlCol="0" anchor="ctr"/>
+          <a:lstStyle/>
+          <a:p>
+            <a:pPr algn="ctr"/>
+            <a:endParaRPr lang="es-419"/>
+          </a:p>
+        </p:txBody>
+      </p:sp>
+      <p:sp>
+        <p:nvSpPr>
+          <p:cNvPr id="15" name="Scroll: Vertical 14">
+            <a:extLst>
+              <a:ext uri="{FF2B5EF4-FFF2-40B4-BE49-F238E27FC236}">
+                <a16:creationId xmlns:a16="http://schemas.microsoft.com/office/drawing/2014/main" id="{11B0B982-26D1-FED3-BF57-526BEE10FAB4}"/>
+              </a:ext>
+            </a:extLst>
+          </p:cNvPr>
+          <p:cNvSpPr/>
+          <p:nvPr/>
+        </p:nvSpPr>
+        <p:spPr>
+          <a:xfrm>
+            <a:off x="1851109" y="3141537"/>
+            <a:ext cx="157980" cy="165253"/>
+          </a:xfrm>
+          <a:prstGeom prst="verticalScroll">
+            <a:avLst/>
+          </a:prstGeom>
+          <a:noFill/>
+        </p:spPr>
+        <p:style>
+          <a:lnRef idx="2">
+            <a:schemeClr val="accent1">
+              <a:shade val="50000"/>
+            </a:schemeClr>
+          </a:lnRef>
+          <a:fillRef idx="1">
+            <a:schemeClr val="accent1"/>
+          </a:fillRef>
+          <a:effectRef idx="0">
+            <a:schemeClr val="accent1"/>
+          </a:effectRef>
+          <a:fontRef idx="minor">
+            <a:schemeClr val="lt1"/>
+          </a:fontRef>
+        </p:style>
+        <p:txBody>
+          <a:bodyPr rtlCol="0" anchor="ctr"/>
+          <a:lstStyle/>
+          <a:p>
+            <a:pPr algn="ctr"/>
+            <a:endParaRPr lang="es-419"/>
+          </a:p>
+        </p:txBody>
+      </p:sp>
+      <p:sp>
+        <p:nvSpPr>
+          <p:cNvPr id="16" name="Scroll: Vertical 15">
+            <a:extLst>
+              <a:ext uri="{FF2B5EF4-FFF2-40B4-BE49-F238E27FC236}">
+                <a16:creationId xmlns:a16="http://schemas.microsoft.com/office/drawing/2014/main" id="{E22579AB-C814-57D6-690F-B572D082460A}"/>
+              </a:ext>
+            </a:extLst>
+          </p:cNvPr>
+          <p:cNvSpPr/>
+          <p:nvPr/>
+        </p:nvSpPr>
+        <p:spPr>
+          <a:xfrm>
+            <a:off x="2930762" y="3141537"/>
+            <a:ext cx="157980" cy="165253"/>
+          </a:xfrm>
+          <a:prstGeom prst="verticalScroll">
+            <a:avLst/>
+          </a:prstGeom>
+          <a:noFill/>
+        </p:spPr>
+        <p:style>
+          <a:lnRef idx="2">
+            <a:schemeClr val="accent1">
+              <a:shade val="50000"/>
+            </a:schemeClr>
+          </a:lnRef>
+          <a:fillRef idx="1">
+            <a:schemeClr val="accent1"/>
+          </a:fillRef>
+          <a:effectRef idx="0">
+            <a:schemeClr val="accent1"/>
+          </a:effectRef>
+          <a:fontRef idx="minor">
+            <a:schemeClr val="lt1"/>
+          </a:fontRef>
+        </p:style>
+        <p:txBody>
+          <a:bodyPr rtlCol="0" anchor="ctr"/>
+          <a:lstStyle/>
+          <a:p>
+            <a:pPr algn="ctr"/>
+            <a:endParaRPr lang="es-419"/>
+          </a:p>
+        </p:txBody>
+      </p:sp>
+      <p:sp>
+        <p:nvSpPr>
+          <p:cNvPr id="17" name="Scroll: Vertical 16">
+            <a:extLst>
+              <a:ext uri="{FF2B5EF4-FFF2-40B4-BE49-F238E27FC236}">
+                <a16:creationId xmlns:a16="http://schemas.microsoft.com/office/drawing/2014/main" id="{041DCF20-5202-5503-FC13-D37142E9AC2B}"/>
+              </a:ext>
+            </a:extLst>
+          </p:cNvPr>
+          <p:cNvSpPr/>
+          <p:nvPr/>
+        </p:nvSpPr>
+        <p:spPr>
+          <a:xfrm>
+            <a:off x="4045613" y="3141537"/>
+            <a:ext cx="157980" cy="165253"/>
+          </a:xfrm>
+          <a:prstGeom prst="verticalScroll">
+            <a:avLst/>
+          </a:prstGeom>
+          <a:noFill/>
+        </p:spPr>
+        <p:style>
+          <a:lnRef idx="2">
+            <a:schemeClr val="accent1">
+              <a:shade val="50000"/>
+            </a:schemeClr>
+          </a:lnRef>
+          <a:fillRef idx="1">
+            <a:schemeClr val="accent1"/>
+          </a:fillRef>
+          <a:effectRef idx="0">
+            <a:schemeClr val="accent1"/>
+          </a:effectRef>
+          <a:fontRef idx="minor">
+            <a:schemeClr val="lt1"/>
+          </a:fontRef>
+        </p:style>
+        <p:txBody>
+          <a:bodyPr rtlCol="0" anchor="ctr"/>
+          <a:lstStyle/>
+          <a:p>
+            <a:pPr algn="ctr"/>
+            <a:endParaRPr lang="es-419"/>
+          </a:p>
+        </p:txBody>
+      </p:sp>
+      <p:sp>
+        <p:nvSpPr>
+          <p:cNvPr id="18" name="Rectangle 17">
+            <a:extLst>
+              <a:ext uri="{FF2B5EF4-FFF2-40B4-BE49-F238E27FC236}">
+                <a16:creationId xmlns:a16="http://schemas.microsoft.com/office/drawing/2014/main" id="{90A7FAB7-A3E8-5363-4D2F-56378D72DF4F}"/>
+              </a:ext>
+            </a:extLst>
+          </p:cNvPr>
+          <p:cNvSpPr/>
+          <p:nvPr/>
+        </p:nvSpPr>
+        <p:spPr>
+          <a:xfrm>
+            <a:off x="143219" y="878462"/>
+            <a:ext cx="11810082" cy="3927780"/>
+          </a:xfrm>
+          <a:prstGeom prst="rect">
+            <a:avLst/>
+          </a:prstGeom>
+          <a:noFill/>
+        </p:spPr>
+        <p:style>
+          <a:lnRef idx="2">
+            <a:schemeClr val="accent1">
+              <a:shade val="50000"/>
+            </a:schemeClr>
+          </a:lnRef>
+          <a:fillRef idx="1">
+            <a:schemeClr val="accent1"/>
+          </a:fillRef>
+          <a:effectRef idx="0">
+            <a:schemeClr val="accent1"/>
+          </a:effectRef>
+          <a:fontRef idx="minor">
+            <a:schemeClr val="lt1"/>
+          </a:fontRef>
+        </p:style>
+        <p:txBody>
+          <a:bodyPr rtlCol="0" anchor="ctr"/>
+          <a:lstStyle/>
+          <a:p>
+            <a:pPr algn="ctr"/>
+            <a:endParaRPr lang="es-419"/>
+          </a:p>
+        </p:txBody>
+      </p:sp>
+      <p:sp>
+        <p:nvSpPr>
+          <p:cNvPr id="19" name="TextBox 18">
+            <a:extLst>
+              <a:ext uri="{FF2B5EF4-FFF2-40B4-BE49-F238E27FC236}">
+                <a16:creationId xmlns:a16="http://schemas.microsoft.com/office/drawing/2014/main" id="{D3BD784D-861F-CC58-066F-21D2C0783FE5}"/>
+              </a:ext>
+            </a:extLst>
+          </p:cNvPr>
+          <p:cNvSpPr txBox="1"/>
+          <p:nvPr/>
+        </p:nvSpPr>
+        <p:spPr>
+          <a:xfrm>
+            <a:off x="659998" y="878462"/>
+            <a:ext cx="545790" cy="369332"/>
+          </a:xfrm>
+          <a:prstGeom prst="rect">
+            <a:avLst/>
+          </a:prstGeom>
+          <a:noFill/>
+        </p:spPr>
+        <p:txBody>
+          <a:bodyPr wrap="none" rtlCol="0">
+            <a:spAutoFit/>
+          </a:bodyPr>
+          <a:lstStyle/>
+          <a:p>
+            <a:r>
+              <a:rPr lang="es-419" dirty="0"/>
+              <a:t>Dev</a:t>
+            </a:r>
+          </a:p>
+        </p:txBody>
+      </p:sp>
+      <p:cxnSp>
+        <p:nvCxnSpPr>
+          <p:cNvPr id="20" name="Straight Connector 19">
+            <a:extLst>
+              <a:ext uri="{FF2B5EF4-FFF2-40B4-BE49-F238E27FC236}">
+                <a16:creationId xmlns:a16="http://schemas.microsoft.com/office/drawing/2014/main" id="{9C35324F-00C2-B17C-DBB8-0D1B650142E4}"/>
+              </a:ext>
+            </a:extLst>
+          </p:cNvPr>
+          <p:cNvCxnSpPr/>
+          <p:nvPr/>
+        </p:nvCxnSpPr>
+        <p:spPr>
+          <a:xfrm>
+            <a:off x="6048260" y="878462"/>
+            <a:ext cx="0" cy="3927780"/>
+          </a:xfrm>
+          <a:prstGeom prst="line">
+            <a:avLst/>
+          </a:prstGeom>
+        </p:spPr>
+        <p:style>
+          <a:lnRef idx="1">
+            <a:schemeClr val="accent1"/>
+          </a:lnRef>
+          <a:fillRef idx="0">
+            <a:schemeClr val="accent1"/>
+          </a:fillRef>
+          <a:effectRef idx="0">
+            <a:schemeClr val="accent1"/>
+          </a:effectRef>
+          <a:fontRef idx="minor">
+            <a:schemeClr val="tx1"/>
+          </a:fontRef>
+        </p:style>
+      </p:cxnSp>
+      <p:sp>
+        <p:nvSpPr>
+          <p:cNvPr id="21" name="Rectangle: Rounded Corners 20">
+            <a:extLst>
+              <a:ext uri="{FF2B5EF4-FFF2-40B4-BE49-F238E27FC236}">
+                <a16:creationId xmlns:a16="http://schemas.microsoft.com/office/drawing/2014/main" id="{B494331A-3904-9320-9FE4-521DEF989ABE}"/>
+              </a:ext>
+            </a:extLst>
+          </p:cNvPr>
+          <p:cNvSpPr/>
+          <p:nvPr/>
+        </p:nvSpPr>
+        <p:spPr>
+          <a:xfrm>
+            <a:off x="440674" y="1247794"/>
+            <a:ext cx="4583016" cy="2412694"/>
+          </a:xfrm>
+          <a:prstGeom prst="roundRect">
+            <a:avLst/>
+          </a:prstGeom>
+          <a:noFill/>
+        </p:spPr>
+        <p:style>
+          <a:lnRef idx="2">
+            <a:schemeClr val="accent1">
+              <a:shade val="50000"/>
+            </a:schemeClr>
+          </a:lnRef>
+          <a:fillRef idx="1">
+            <a:schemeClr val="accent1"/>
+          </a:fillRef>
+          <a:effectRef idx="0">
+            <a:schemeClr val="accent1"/>
+          </a:effectRef>
+          <a:fontRef idx="minor">
+            <a:schemeClr val="lt1"/>
+          </a:fontRef>
+        </p:style>
+        <p:txBody>
+          <a:bodyPr rtlCol="0" anchor="ctr"/>
+          <a:lstStyle/>
+          <a:p>
+            <a:pPr algn="ctr"/>
+            <a:endParaRPr lang="es-419" dirty="0"/>
+          </a:p>
+        </p:txBody>
+      </p:sp>
+      <p:sp>
+        <p:nvSpPr>
+          <p:cNvPr id="22" name="TextBox 21">
+            <a:extLst>
+              <a:ext uri="{FF2B5EF4-FFF2-40B4-BE49-F238E27FC236}">
+                <a16:creationId xmlns:a16="http://schemas.microsoft.com/office/drawing/2014/main" id="{208B6926-09E3-0630-E60D-01C499416ADB}"/>
+              </a:ext>
+            </a:extLst>
+          </p:cNvPr>
+          <p:cNvSpPr txBox="1"/>
+          <p:nvPr/>
+        </p:nvSpPr>
+        <p:spPr>
+          <a:xfrm>
+            <a:off x="7243864" y="878462"/>
+            <a:ext cx="623376" cy="369332"/>
+          </a:xfrm>
+          <a:prstGeom prst="rect">
+            <a:avLst/>
+          </a:prstGeom>
+          <a:noFill/>
+        </p:spPr>
+        <p:txBody>
+          <a:bodyPr wrap="none" rtlCol="0">
+            <a:spAutoFit/>
+          </a:bodyPr>
+          <a:lstStyle/>
+          <a:p>
+            <a:r>
+              <a:rPr lang="es-419" dirty="0" err="1"/>
+              <a:t>Prod</a:t>
+            </a:r>
+            <a:endParaRPr lang="es-419" dirty="0"/>
+          </a:p>
+        </p:txBody>
+      </p:sp>
+      <p:sp>
+        <p:nvSpPr>
+          <p:cNvPr id="23" name="Hexagon 22">
+            <a:extLst>
+              <a:ext uri="{FF2B5EF4-FFF2-40B4-BE49-F238E27FC236}">
+                <a16:creationId xmlns:a16="http://schemas.microsoft.com/office/drawing/2014/main" id="{C2E7B78A-C8F8-6EA4-E28F-C71D1253767E}"/>
+              </a:ext>
+            </a:extLst>
+          </p:cNvPr>
+          <p:cNvSpPr/>
+          <p:nvPr/>
+        </p:nvSpPr>
+        <p:spPr>
+          <a:xfrm>
+            <a:off x="7300512" y="1623523"/>
+            <a:ext cx="744921" cy="642173"/>
+          </a:xfrm>
+          <a:prstGeom prst="hexagon">
+            <a:avLst/>
+          </a:prstGeom>
+          <a:noFill/>
+        </p:spPr>
+        <p:style>
+          <a:lnRef idx="2">
+            <a:schemeClr val="accent1">
+              <a:shade val="50000"/>
+            </a:schemeClr>
+          </a:lnRef>
+          <a:fillRef idx="1">
+            <a:schemeClr val="accent1"/>
+          </a:fillRef>
+          <a:effectRef idx="0">
+            <a:schemeClr val="accent1"/>
+          </a:effectRef>
+          <a:fontRef idx="minor">
+            <a:schemeClr val="lt1"/>
+          </a:fontRef>
+        </p:style>
+        <p:txBody>
+          <a:bodyPr lIns="0" tIns="0" rIns="0" bIns="0" rtlCol="0" anchor="ctr"/>
+          <a:lstStyle/>
+          <a:p>
+            <a:pPr algn="ctr"/>
+            <a:r>
+              <a:rPr lang="es-419" sz="1100" dirty="0" err="1">
+                <a:solidFill>
+                  <a:sysClr val="windowText" lastClr="000000"/>
+                </a:solidFill>
+              </a:rPr>
+              <a:t>Service</a:t>
+            </a:r>
+            <a:r>
+              <a:rPr lang="es-419" sz="1100" dirty="0">
+                <a:solidFill>
+                  <a:sysClr val="windowText" lastClr="000000"/>
+                </a:solidFill>
+              </a:rPr>
+              <a:t> A</a:t>
+            </a:r>
+          </a:p>
+        </p:txBody>
+      </p:sp>
+      <p:sp>
+        <p:nvSpPr>
+          <p:cNvPr id="24" name="Hexagon 23">
+            <a:extLst>
+              <a:ext uri="{FF2B5EF4-FFF2-40B4-BE49-F238E27FC236}">
+                <a16:creationId xmlns:a16="http://schemas.microsoft.com/office/drawing/2014/main" id="{4AC65946-57DF-F449-6512-AC8EDA179DF0}"/>
+              </a:ext>
+            </a:extLst>
+          </p:cNvPr>
+          <p:cNvSpPr/>
+          <p:nvPr/>
+        </p:nvSpPr>
+        <p:spPr>
+          <a:xfrm>
+            <a:off x="8380165" y="1623523"/>
+            <a:ext cx="744921" cy="642173"/>
+          </a:xfrm>
+          <a:prstGeom prst="hexagon">
+            <a:avLst/>
+          </a:prstGeom>
+          <a:noFill/>
+        </p:spPr>
+        <p:style>
+          <a:lnRef idx="2">
+            <a:schemeClr val="accent1">
+              <a:shade val="50000"/>
+            </a:schemeClr>
+          </a:lnRef>
+          <a:fillRef idx="1">
+            <a:schemeClr val="accent1"/>
+          </a:fillRef>
+          <a:effectRef idx="0">
+            <a:schemeClr val="accent1"/>
+          </a:effectRef>
+          <a:fontRef idx="minor">
+            <a:schemeClr val="lt1"/>
+          </a:fontRef>
+        </p:style>
+        <p:txBody>
+          <a:bodyPr lIns="0" tIns="0" rIns="0" bIns="0" rtlCol="0" anchor="ctr"/>
+          <a:lstStyle/>
+          <a:p>
+            <a:pPr algn="ctr"/>
+            <a:r>
+              <a:rPr lang="es-419" sz="1100" dirty="0" err="1">
+                <a:solidFill>
+                  <a:sysClr val="windowText" lastClr="000000"/>
+                </a:solidFill>
+              </a:rPr>
+              <a:t>Service</a:t>
+            </a:r>
+            <a:r>
+              <a:rPr lang="es-419" sz="1100" dirty="0">
+                <a:solidFill>
+                  <a:sysClr val="windowText" lastClr="000000"/>
+                </a:solidFill>
+              </a:rPr>
+              <a:t> B</a:t>
+            </a:r>
+          </a:p>
+        </p:txBody>
+      </p:sp>
+      <p:sp>
+        <p:nvSpPr>
+          <p:cNvPr id="25" name="Hexagon 24">
+            <a:extLst>
+              <a:ext uri="{FF2B5EF4-FFF2-40B4-BE49-F238E27FC236}">
+                <a16:creationId xmlns:a16="http://schemas.microsoft.com/office/drawing/2014/main" id="{052340BC-FB47-6837-8F97-32FD13C2889B}"/>
+              </a:ext>
+            </a:extLst>
+          </p:cNvPr>
+          <p:cNvSpPr/>
+          <p:nvPr/>
+        </p:nvSpPr>
+        <p:spPr>
+          <a:xfrm>
+            <a:off x="9459818" y="1623523"/>
+            <a:ext cx="744921" cy="642173"/>
+          </a:xfrm>
+          <a:prstGeom prst="hexagon">
+            <a:avLst/>
+          </a:prstGeom>
+          <a:noFill/>
+        </p:spPr>
+        <p:style>
+          <a:lnRef idx="2">
+            <a:schemeClr val="accent1">
+              <a:shade val="50000"/>
+            </a:schemeClr>
+          </a:lnRef>
+          <a:fillRef idx="1">
+            <a:schemeClr val="accent1"/>
+          </a:fillRef>
+          <a:effectRef idx="0">
+            <a:schemeClr val="accent1"/>
+          </a:effectRef>
+          <a:fontRef idx="minor">
+            <a:schemeClr val="lt1"/>
+          </a:fontRef>
+        </p:style>
+        <p:txBody>
+          <a:bodyPr lIns="0" tIns="0" rIns="0" bIns="0" rtlCol="0" anchor="ctr"/>
+          <a:lstStyle/>
+          <a:p>
+            <a:pPr algn="ctr"/>
+            <a:r>
+              <a:rPr lang="es-419" sz="1100" dirty="0" err="1">
+                <a:solidFill>
+                  <a:sysClr val="windowText" lastClr="000000"/>
+                </a:solidFill>
+              </a:rPr>
+              <a:t>Service</a:t>
+            </a:r>
+            <a:r>
+              <a:rPr lang="es-419" sz="1100" dirty="0">
+                <a:solidFill>
+                  <a:sysClr val="windowText" lastClr="000000"/>
+                </a:solidFill>
+              </a:rPr>
+              <a:t>  C</a:t>
+            </a:r>
+          </a:p>
+        </p:txBody>
+      </p:sp>
+      <p:sp>
+        <p:nvSpPr>
+          <p:cNvPr id="26" name="Hexagon 25">
+            <a:extLst>
+              <a:ext uri="{FF2B5EF4-FFF2-40B4-BE49-F238E27FC236}">
+                <a16:creationId xmlns:a16="http://schemas.microsoft.com/office/drawing/2014/main" id="{E1ED843E-EBEC-BD25-199B-C053403AC020}"/>
+              </a:ext>
+            </a:extLst>
+          </p:cNvPr>
+          <p:cNvSpPr/>
+          <p:nvPr/>
+        </p:nvSpPr>
+        <p:spPr>
+          <a:xfrm>
+            <a:off x="10539471" y="1623523"/>
+            <a:ext cx="744921" cy="642173"/>
+          </a:xfrm>
+          <a:prstGeom prst="hexagon">
+            <a:avLst/>
+          </a:prstGeom>
+          <a:noFill/>
+        </p:spPr>
+        <p:style>
+          <a:lnRef idx="2">
+            <a:schemeClr val="accent1">
+              <a:shade val="50000"/>
+            </a:schemeClr>
+          </a:lnRef>
+          <a:fillRef idx="1">
+            <a:schemeClr val="accent1"/>
+          </a:fillRef>
+          <a:effectRef idx="0">
+            <a:schemeClr val="accent1"/>
+          </a:effectRef>
+          <a:fontRef idx="minor">
+            <a:schemeClr val="lt1"/>
+          </a:fontRef>
+        </p:style>
+        <p:txBody>
+          <a:bodyPr lIns="0" tIns="0" rIns="0" bIns="0" rtlCol="0" anchor="ctr"/>
+          <a:lstStyle/>
+          <a:p>
+            <a:pPr algn="ctr"/>
+            <a:r>
+              <a:rPr lang="es-419" sz="1100" dirty="0" err="1">
+                <a:solidFill>
+                  <a:sysClr val="windowText" lastClr="000000"/>
+                </a:solidFill>
+              </a:rPr>
+              <a:t>Service</a:t>
+            </a:r>
+            <a:r>
+              <a:rPr lang="es-419" sz="1100" dirty="0">
+                <a:solidFill>
+                  <a:sysClr val="windowText" lastClr="000000"/>
+                </a:solidFill>
+              </a:rPr>
+              <a:t> D</a:t>
+            </a:r>
+          </a:p>
+        </p:txBody>
+      </p:sp>
+      <p:sp>
+        <p:nvSpPr>
+          <p:cNvPr id="27" name="Rectangle: Rounded Corners 26">
+            <a:extLst>
+              <a:ext uri="{FF2B5EF4-FFF2-40B4-BE49-F238E27FC236}">
+                <a16:creationId xmlns:a16="http://schemas.microsoft.com/office/drawing/2014/main" id="{BBE3BB15-6C11-6764-B513-04D50EFA0F33}"/>
+              </a:ext>
+            </a:extLst>
+          </p:cNvPr>
+          <p:cNvSpPr/>
+          <p:nvPr/>
+        </p:nvSpPr>
+        <p:spPr>
+          <a:xfrm>
+            <a:off x="7024540" y="1247794"/>
+            <a:ext cx="4583016" cy="2412694"/>
+          </a:xfrm>
+          <a:prstGeom prst="roundRect">
+            <a:avLst/>
+          </a:prstGeom>
+          <a:noFill/>
+        </p:spPr>
+        <p:style>
+          <a:lnRef idx="2">
+            <a:schemeClr val="accent1">
+              <a:shade val="50000"/>
+            </a:schemeClr>
+          </a:lnRef>
+          <a:fillRef idx="1">
+            <a:schemeClr val="accent1"/>
+          </a:fillRef>
+          <a:effectRef idx="0">
+            <a:schemeClr val="accent1"/>
+          </a:effectRef>
+          <a:fontRef idx="minor">
+            <a:schemeClr val="lt1"/>
+          </a:fontRef>
+        </p:style>
+        <p:txBody>
+          <a:bodyPr rtlCol="0" anchor="ctr"/>
+          <a:lstStyle/>
+          <a:p>
+            <a:pPr algn="ctr"/>
+            <a:endParaRPr lang="es-419" dirty="0"/>
+          </a:p>
+        </p:txBody>
+      </p:sp>
+      <p:sp>
+        <p:nvSpPr>
+          <p:cNvPr id="28" name="Hexagon 27">
+            <a:extLst>
+              <a:ext uri="{FF2B5EF4-FFF2-40B4-BE49-F238E27FC236}">
+                <a16:creationId xmlns:a16="http://schemas.microsoft.com/office/drawing/2014/main" id="{672C541D-5141-CFE7-EE24-050A63D052B7}"/>
+              </a:ext>
+            </a:extLst>
+          </p:cNvPr>
+          <p:cNvSpPr/>
+          <p:nvPr/>
+        </p:nvSpPr>
+        <p:spPr>
+          <a:xfrm>
+            <a:off x="7300512" y="2581991"/>
+            <a:ext cx="744921" cy="642173"/>
+          </a:xfrm>
+          <a:prstGeom prst="hexagon">
+            <a:avLst/>
+          </a:prstGeom>
+          <a:noFill/>
+        </p:spPr>
+        <p:style>
+          <a:lnRef idx="2">
+            <a:schemeClr val="accent1">
+              <a:shade val="50000"/>
+            </a:schemeClr>
+          </a:lnRef>
+          <a:fillRef idx="1">
+            <a:schemeClr val="accent1"/>
+          </a:fillRef>
+          <a:effectRef idx="0">
+            <a:schemeClr val="accent1"/>
+          </a:effectRef>
+          <a:fontRef idx="minor">
+            <a:schemeClr val="lt1"/>
+          </a:fontRef>
+        </p:style>
+        <p:txBody>
+          <a:bodyPr lIns="0" tIns="0" rIns="0" bIns="0" rtlCol="0" anchor="ctr"/>
+          <a:lstStyle/>
+          <a:p>
+            <a:pPr algn="ctr"/>
+            <a:r>
+              <a:rPr lang="es-419" sz="1100" dirty="0" err="1">
+                <a:solidFill>
+                  <a:sysClr val="windowText" lastClr="000000"/>
+                </a:solidFill>
+              </a:rPr>
+              <a:t>Service</a:t>
+            </a:r>
+            <a:r>
+              <a:rPr lang="es-419" sz="1100" dirty="0">
+                <a:solidFill>
+                  <a:sysClr val="windowText" lastClr="000000"/>
+                </a:solidFill>
+              </a:rPr>
+              <a:t> A’</a:t>
+            </a:r>
+          </a:p>
+        </p:txBody>
+      </p:sp>
+      <p:sp>
+        <p:nvSpPr>
+          <p:cNvPr id="29" name="Hexagon 28">
+            <a:extLst>
+              <a:ext uri="{FF2B5EF4-FFF2-40B4-BE49-F238E27FC236}">
+                <a16:creationId xmlns:a16="http://schemas.microsoft.com/office/drawing/2014/main" id="{E5560F10-A448-9D4D-622D-504BF8291D22}"/>
+              </a:ext>
+            </a:extLst>
+          </p:cNvPr>
+          <p:cNvSpPr/>
+          <p:nvPr/>
+        </p:nvSpPr>
+        <p:spPr>
+          <a:xfrm>
+            <a:off x="8380165" y="2581991"/>
+            <a:ext cx="744921" cy="642173"/>
+          </a:xfrm>
+          <a:prstGeom prst="hexagon">
+            <a:avLst/>
+          </a:prstGeom>
+          <a:noFill/>
+        </p:spPr>
+        <p:style>
+          <a:lnRef idx="2">
+            <a:schemeClr val="accent1">
+              <a:shade val="50000"/>
+            </a:schemeClr>
+          </a:lnRef>
+          <a:fillRef idx="1">
+            <a:schemeClr val="accent1"/>
+          </a:fillRef>
+          <a:effectRef idx="0">
+            <a:schemeClr val="accent1"/>
+          </a:effectRef>
+          <a:fontRef idx="minor">
+            <a:schemeClr val="lt1"/>
+          </a:fontRef>
+        </p:style>
+        <p:txBody>
+          <a:bodyPr lIns="0" tIns="0" rIns="0" bIns="0" rtlCol="0" anchor="ctr"/>
+          <a:lstStyle/>
+          <a:p>
+            <a:pPr algn="ctr"/>
+            <a:r>
+              <a:rPr lang="es-419" sz="1100" dirty="0" err="1">
+                <a:solidFill>
+                  <a:sysClr val="windowText" lastClr="000000"/>
+                </a:solidFill>
+              </a:rPr>
+              <a:t>Service</a:t>
+            </a:r>
+            <a:r>
+              <a:rPr lang="es-419" sz="1100" dirty="0">
+                <a:solidFill>
+                  <a:sysClr val="windowText" lastClr="000000"/>
+                </a:solidFill>
+              </a:rPr>
+              <a:t> B’</a:t>
+            </a:r>
+          </a:p>
+        </p:txBody>
+      </p:sp>
+      <p:sp>
+        <p:nvSpPr>
+          <p:cNvPr id="30" name="Hexagon 29">
+            <a:extLst>
+              <a:ext uri="{FF2B5EF4-FFF2-40B4-BE49-F238E27FC236}">
+                <a16:creationId xmlns:a16="http://schemas.microsoft.com/office/drawing/2014/main" id="{D7DFBB26-0853-E5C7-F41C-2E3644593ECB}"/>
+              </a:ext>
+            </a:extLst>
+          </p:cNvPr>
+          <p:cNvSpPr/>
+          <p:nvPr/>
+        </p:nvSpPr>
+        <p:spPr>
+          <a:xfrm>
+            <a:off x="9459818" y="2581991"/>
+            <a:ext cx="744921" cy="642173"/>
+          </a:xfrm>
+          <a:prstGeom prst="hexagon">
+            <a:avLst/>
+          </a:prstGeom>
+          <a:noFill/>
+        </p:spPr>
+        <p:style>
+          <a:lnRef idx="2">
+            <a:schemeClr val="accent1">
+              <a:shade val="50000"/>
+            </a:schemeClr>
+          </a:lnRef>
+          <a:fillRef idx="1">
+            <a:schemeClr val="accent1"/>
+          </a:fillRef>
+          <a:effectRef idx="0">
+            <a:schemeClr val="accent1"/>
+          </a:effectRef>
+          <a:fontRef idx="minor">
+            <a:schemeClr val="lt1"/>
+          </a:fontRef>
+        </p:style>
+        <p:txBody>
+          <a:bodyPr lIns="0" tIns="0" rIns="0" bIns="0" rtlCol="0" anchor="ctr"/>
+          <a:lstStyle/>
+          <a:p>
+            <a:pPr algn="ctr"/>
+            <a:r>
+              <a:rPr lang="es-419" sz="1100" dirty="0" err="1">
+                <a:solidFill>
+                  <a:sysClr val="windowText" lastClr="000000"/>
+                </a:solidFill>
+              </a:rPr>
+              <a:t>Service</a:t>
+            </a:r>
+            <a:r>
+              <a:rPr lang="es-419" sz="1100" dirty="0">
+                <a:solidFill>
+                  <a:sysClr val="windowText" lastClr="000000"/>
+                </a:solidFill>
+              </a:rPr>
+              <a:t> C’</a:t>
+            </a:r>
+          </a:p>
+        </p:txBody>
+      </p:sp>
+      <p:sp>
+        <p:nvSpPr>
+          <p:cNvPr id="31" name="Hexagon 30">
+            <a:extLst>
+              <a:ext uri="{FF2B5EF4-FFF2-40B4-BE49-F238E27FC236}">
+                <a16:creationId xmlns:a16="http://schemas.microsoft.com/office/drawing/2014/main" id="{2347013D-7985-D7E1-DF3E-C93A1E82D5DA}"/>
+              </a:ext>
+            </a:extLst>
+          </p:cNvPr>
+          <p:cNvSpPr/>
+          <p:nvPr/>
+        </p:nvSpPr>
+        <p:spPr>
+          <a:xfrm>
+            <a:off x="10539471" y="2581991"/>
+            <a:ext cx="744921" cy="642173"/>
+          </a:xfrm>
+          <a:prstGeom prst="hexagon">
+            <a:avLst/>
+          </a:prstGeom>
+          <a:noFill/>
+        </p:spPr>
+        <p:style>
+          <a:lnRef idx="2">
+            <a:schemeClr val="accent1">
+              <a:shade val="50000"/>
+            </a:schemeClr>
+          </a:lnRef>
+          <a:fillRef idx="1">
+            <a:schemeClr val="accent1"/>
+          </a:fillRef>
+          <a:effectRef idx="0">
+            <a:schemeClr val="accent1"/>
+          </a:effectRef>
+          <a:fontRef idx="minor">
+            <a:schemeClr val="lt1"/>
+          </a:fontRef>
+        </p:style>
+        <p:txBody>
+          <a:bodyPr lIns="0" tIns="0" rIns="0" bIns="0" rtlCol="0" anchor="ctr"/>
+          <a:lstStyle/>
+          <a:p>
+            <a:pPr algn="ctr"/>
+            <a:r>
+              <a:rPr lang="es-419" sz="1100" dirty="0" err="1">
+                <a:solidFill>
+                  <a:sysClr val="windowText" lastClr="000000"/>
+                </a:solidFill>
+              </a:rPr>
+              <a:t>Service</a:t>
+            </a:r>
+            <a:r>
+              <a:rPr lang="es-419" sz="1100" dirty="0">
+                <a:solidFill>
+                  <a:sysClr val="windowText" lastClr="000000"/>
+                </a:solidFill>
+              </a:rPr>
+              <a:t> D’</a:t>
+            </a:r>
+          </a:p>
+        </p:txBody>
+      </p:sp>
+      <p:sp>
+        <p:nvSpPr>
+          <p:cNvPr id="32" name="Scroll: Vertical 31">
+            <a:extLst>
+              <a:ext uri="{FF2B5EF4-FFF2-40B4-BE49-F238E27FC236}">
+                <a16:creationId xmlns:a16="http://schemas.microsoft.com/office/drawing/2014/main" id="{03CF8C4F-F1C1-6602-569C-8D7223D0087B}"/>
+              </a:ext>
+            </a:extLst>
+          </p:cNvPr>
+          <p:cNvSpPr/>
+          <p:nvPr/>
+        </p:nvSpPr>
+        <p:spPr>
+          <a:xfrm>
+            <a:off x="7410132" y="2175964"/>
+            <a:ext cx="157980" cy="165253"/>
+          </a:xfrm>
+          <a:prstGeom prst="verticalScroll">
+            <a:avLst/>
+          </a:prstGeom>
+          <a:noFill/>
+        </p:spPr>
+        <p:style>
+          <a:lnRef idx="2">
+            <a:schemeClr val="accent1">
+              <a:shade val="50000"/>
+            </a:schemeClr>
+          </a:lnRef>
+          <a:fillRef idx="1">
+            <a:schemeClr val="accent1"/>
+          </a:fillRef>
+          <a:effectRef idx="0">
+            <a:schemeClr val="accent1"/>
+          </a:effectRef>
+          <a:fontRef idx="minor">
+            <a:schemeClr val="lt1"/>
+          </a:fontRef>
+        </p:style>
+        <p:txBody>
+          <a:bodyPr rtlCol="0" anchor="ctr"/>
+          <a:lstStyle/>
+          <a:p>
+            <a:pPr algn="ctr"/>
+            <a:endParaRPr lang="es-419"/>
+          </a:p>
+        </p:txBody>
+      </p:sp>
+      <p:sp>
+        <p:nvSpPr>
+          <p:cNvPr id="33" name="Scroll: Vertical 32">
+            <a:extLst>
+              <a:ext uri="{FF2B5EF4-FFF2-40B4-BE49-F238E27FC236}">
+                <a16:creationId xmlns:a16="http://schemas.microsoft.com/office/drawing/2014/main" id="{DAB4AE47-0B41-BAE0-2836-D02CC8A873FE}"/>
+              </a:ext>
+            </a:extLst>
+          </p:cNvPr>
+          <p:cNvSpPr/>
+          <p:nvPr/>
+        </p:nvSpPr>
+        <p:spPr>
+          <a:xfrm>
+            <a:off x="8434975" y="2175964"/>
+            <a:ext cx="157980" cy="165253"/>
+          </a:xfrm>
+          <a:prstGeom prst="verticalScroll">
+            <a:avLst/>
+          </a:prstGeom>
+          <a:noFill/>
+        </p:spPr>
+        <p:style>
+          <a:lnRef idx="2">
+            <a:schemeClr val="accent1">
+              <a:shade val="50000"/>
+            </a:schemeClr>
+          </a:lnRef>
+          <a:fillRef idx="1">
+            <a:schemeClr val="accent1"/>
+          </a:fillRef>
+          <a:effectRef idx="0">
+            <a:schemeClr val="accent1"/>
+          </a:effectRef>
+          <a:fontRef idx="minor">
+            <a:schemeClr val="lt1"/>
+          </a:fontRef>
+        </p:style>
+        <p:txBody>
+          <a:bodyPr rtlCol="0" anchor="ctr"/>
+          <a:lstStyle/>
+          <a:p>
+            <a:pPr algn="ctr"/>
+            <a:endParaRPr lang="es-419"/>
+          </a:p>
+        </p:txBody>
+      </p:sp>
+      <p:sp>
+        <p:nvSpPr>
+          <p:cNvPr id="34" name="Scroll: Vertical 33">
+            <a:extLst>
+              <a:ext uri="{FF2B5EF4-FFF2-40B4-BE49-F238E27FC236}">
+                <a16:creationId xmlns:a16="http://schemas.microsoft.com/office/drawing/2014/main" id="{25EEFA73-BF04-2092-9082-3EB9A91DCFD0}"/>
+              </a:ext>
+            </a:extLst>
+          </p:cNvPr>
+          <p:cNvSpPr/>
+          <p:nvPr/>
+        </p:nvSpPr>
+        <p:spPr>
+          <a:xfrm>
+            <a:off x="9514628" y="2175964"/>
+            <a:ext cx="157980" cy="165253"/>
+          </a:xfrm>
+          <a:prstGeom prst="verticalScroll">
+            <a:avLst/>
+          </a:prstGeom>
+          <a:noFill/>
+        </p:spPr>
+        <p:style>
+          <a:lnRef idx="2">
+            <a:schemeClr val="accent1">
+              <a:shade val="50000"/>
+            </a:schemeClr>
+          </a:lnRef>
+          <a:fillRef idx="1">
+            <a:schemeClr val="accent1"/>
+          </a:fillRef>
+          <a:effectRef idx="0">
+            <a:schemeClr val="accent1"/>
+          </a:effectRef>
+          <a:fontRef idx="minor">
+            <a:schemeClr val="lt1"/>
+          </a:fontRef>
+        </p:style>
+        <p:txBody>
+          <a:bodyPr rtlCol="0" anchor="ctr"/>
+          <a:lstStyle/>
+          <a:p>
+            <a:pPr algn="ctr"/>
+            <a:endParaRPr lang="es-419"/>
+          </a:p>
+        </p:txBody>
+      </p:sp>
+      <p:sp>
+        <p:nvSpPr>
+          <p:cNvPr id="35" name="Scroll: Vertical 34">
+            <a:extLst>
+              <a:ext uri="{FF2B5EF4-FFF2-40B4-BE49-F238E27FC236}">
+                <a16:creationId xmlns:a16="http://schemas.microsoft.com/office/drawing/2014/main" id="{B0A1B3F1-F28C-7D59-0C34-47A0DE61AEB8}"/>
+              </a:ext>
+            </a:extLst>
+          </p:cNvPr>
+          <p:cNvSpPr/>
+          <p:nvPr/>
+        </p:nvSpPr>
+        <p:spPr>
+          <a:xfrm>
+            <a:off x="10629479" y="2175964"/>
+            <a:ext cx="157980" cy="165253"/>
+          </a:xfrm>
+          <a:prstGeom prst="verticalScroll">
+            <a:avLst/>
+          </a:prstGeom>
+          <a:noFill/>
+        </p:spPr>
+        <p:style>
+          <a:lnRef idx="2">
+            <a:schemeClr val="accent1">
+              <a:shade val="50000"/>
+            </a:schemeClr>
+          </a:lnRef>
+          <a:fillRef idx="1">
+            <a:schemeClr val="accent1"/>
+          </a:fillRef>
+          <a:effectRef idx="0">
+            <a:schemeClr val="accent1"/>
+          </a:effectRef>
+          <a:fontRef idx="minor">
+            <a:schemeClr val="lt1"/>
+          </a:fontRef>
+        </p:style>
+        <p:txBody>
+          <a:bodyPr rtlCol="0" anchor="ctr"/>
+          <a:lstStyle/>
+          <a:p>
+            <a:pPr algn="ctr"/>
+            <a:endParaRPr lang="es-419"/>
+          </a:p>
+        </p:txBody>
+      </p:sp>
+      <p:sp>
+        <p:nvSpPr>
+          <p:cNvPr id="36" name="Scroll: Vertical 35">
+            <a:extLst>
+              <a:ext uri="{FF2B5EF4-FFF2-40B4-BE49-F238E27FC236}">
+                <a16:creationId xmlns:a16="http://schemas.microsoft.com/office/drawing/2014/main" id="{9E540A32-7CF3-89F9-26F4-118F5AB79ABA}"/>
+              </a:ext>
+            </a:extLst>
+          </p:cNvPr>
+          <p:cNvSpPr/>
+          <p:nvPr/>
+        </p:nvSpPr>
+        <p:spPr>
+          <a:xfrm>
+            <a:off x="7410132" y="3141537"/>
+            <a:ext cx="157980" cy="165253"/>
+          </a:xfrm>
+          <a:prstGeom prst="verticalScroll">
+            <a:avLst/>
+          </a:prstGeom>
+          <a:noFill/>
+        </p:spPr>
+        <p:style>
+          <a:lnRef idx="2">
+            <a:schemeClr val="accent1">
+              <a:shade val="50000"/>
+            </a:schemeClr>
+          </a:lnRef>
+          <a:fillRef idx="1">
+            <a:schemeClr val="accent1"/>
+          </a:fillRef>
+          <a:effectRef idx="0">
+            <a:schemeClr val="accent1"/>
+          </a:effectRef>
+          <a:fontRef idx="minor">
+            <a:schemeClr val="lt1"/>
+          </a:fontRef>
+        </p:style>
+        <p:txBody>
+          <a:bodyPr rtlCol="0" anchor="ctr"/>
+          <a:lstStyle/>
+          <a:p>
+            <a:pPr algn="ctr"/>
+            <a:endParaRPr lang="es-419"/>
+          </a:p>
+        </p:txBody>
+      </p:sp>
+      <p:sp>
+        <p:nvSpPr>
+          <p:cNvPr id="37" name="Scroll: Vertical 36">
+            <a:extLst>
+              <a:ext uri="{FF2B5EF4-FFF2-40B4-BE49-F238E27FC236}">
+                <a16:creationId xmlns:a16="http://schemas.microsoft.com/office/drawing/2014/main" id="{525E1B81-3E17-7F54-7AA5-52AD3039D7C7}"/>
+              </a:ext>
+            </a:extLst>
+          </p:cNvPr>
+          <p:cNvSpPr/>
+          <p:nvPr/>
+        </p:nvSpPr>
+        <p:spPr>
+          <a:xfrm>
+            <a:off x="8434975" y="3141537"/>
+            <a:ext cx="157980" cy="165253"/>
+          </a:xfrm>
+          <a:prstGeom prst="verticalScroll">
+            <a:avLst/>
+          </a:prstGeom>
+          <a:noFill/>
+        </p:spPr>
+        <p:style>
+          <a:lnRef idx="2">
+            <a:schemeClr val="accent1">
+              <a:shade val="50000"/>
+            </a:schemeClr>
+          </a:lnRef>
+          <a:fillRef idx="1">
+            <a:schemeClr val="accent1"/>
+          </a:fillRef>
+          <a:effectRef idx="0">
+            <a:schemeClr val="accent1"/>
+          </a:effectRef>
+          <a:fontRef idx="minor">
+            <a:schemeClr val="lt1"/>
+          </a:fontRef>
+        </p:style>
+        <p:txBody>
+          <a:bodyPr rtlCol="0" anchor="ctr"/>
+          <a:lstStyle/>
+          <a:p>
+            <a:pPr algn="ctr"/>
+            <a:endParaRPr lang="es-419"/>
+          </a:p>
+        </p:txBody>
+      </p:sp>
+      <p:sp>
+        <p:nvSpPr>
+          <p:cNvPr id="38" name="Scroll: Vertical 37">
+            <a:extLst>
+              <a:ext uri="{FF2B5EF4-FFF2-40B4-BE49-F238E27FC236}">
+                <a16:creationId xmlns:a16="http://schemas.microsoft.com/office/drawing/2014/main" id="{9EF32B95-3F07-A17E-9A66-2878C2087663}"/>
+              </a:ext>
+            </a:extLst>
+          </p:cNvPr>
+          <p:cNvSpPr/>
+          <p:nvPr/>
+        </p:nvSpPr>
+        <p:spPr>
+          <a:xfrm>
+            <a:off x="9514628" y="3141537"/>
+            <a:ext cx="157980" cy="165253"/>
+          </a:xfrm>
+          <a:prstGeom prst="verticalScroll">
+            <a:avLst/>
+          </a:prstGeom>
+          <a:noFill/>
+        </p:spPr>
+        <p:style>
+          <a:lnRef idx="2">
+            <a:schemeClr val="accent1">
+              <a:shade val="50000"/>
+            </a:schemeClr>
+          </a:lnRef>
+          <a:fillRef idx="1">
+            <a:schemeClr val="accent1"/>
+          </a:fillRef>
+          <a:effectRef idx="0">
+            <a:schemeClr val="accent1"/>
+          </a:effectRef>
+          <a:fontRef idx="minor">
+            <a:schemeClr val="lt1"/>
+          </a:fontRef>
+        </p:style>
+        <p:txBody>
+          <a:bodyPr rtlCol="0" anchor="ctr"/>
+          <a:lstStyle/>
+          <a:p>
+            <a:pPr algn="ctr"/>
+            <a:endParaRPr lang="es-419"/>
+          </a:p>
+        </p:txBody>
+      </p:sp>
+      <p:sp>
+        <p:nvSpPr>
+          <p:cNvPr id="39" name="Scroll: Vertical 38">
+            <a:extLst>
+              <a:ext uri="{FF2B5EF4-FFF2-40B4-BE49-F238E27FC236}">
+                <a16:creationId xmlns:a16="http://schemas.microsoft.com/office/drawing/2014/main" id="{46D43B7C-497E-8EF9-C6A1-4A719EC4BC92}"/>
+              </a:ext>
+            </a:extLst>
+          </p:cNvPr>
+          <p:cNvSpPr/>
+          <p:nvPr/>
+        </p:nvSpPr>
+        <p:spPr>
+          <a:xfrm>
+            <a:off x="10629479" y="3141537"/>
+            <a:ext cx="157980" cy="165253"/>
+          </a:xfrm>
+          <a:prstGeom prst="verticalScroll">
+            <a:avLst/>
+          </a:prstGeom>
+          <a:noFill/>
+        </p:spPr>
+        <p:style>
+          <a:lnRef idx="2">
+            <a:schemeClr val="accent1">
+              <a:shade val="50000"/>
+            </a:schemeClr>
+          </a:lnRef>
+          <a:fillRef idx="1">
+            <a:schemeClr val="accent1"/>
+          </a:fillRef>
+          <a:effectRef idx="0">
+            <a:schemeClr val="accent1"/>
+          </a:effectRef>
+          <a:fontRef idx="minor">
+            <a:schemeClr val="lt1"/>
+          </a:fontRef>
+        </p:style>
+        <p:txBody>
+          <a:bodyPr rtlCol="0" anchor="ctr"/>
+          <a:lstStyle/>
+          <a:p>
+            <a:pPr algn="ctr"/>
+            <a:endParaRPr lang="es-419"/>
+          </a:p>
+        </p:txBody>
+      </p:sp>
+      <p:sp>
+        <p:nvSpPr>
+          <p:cNvPr id="40" name="Scroll: Vertical 39">
+            <a:extLst>
+              <a:ext uri="{FF2B5EF4-FFF2-40B4-BE49-F238E27FC236}">
+                <a16:creationId xmlns:a16="http://schemas.microsoft.com/office/drawing/2014/main" id="{78369801-EEDF-23F0-3A0F-E4EB36C18E91}"/>
+              </a:ext>
+            </a:extLst>
+          </p:cNvPr>
+          <p:cNvSpPr/>
+          <p:nvPr/>
+        </p:nvSpPr>
+        <p:spPr>
+          <a:xfrm>
+            <a:off x="6672550" y="5589598"/>
+            <a:ext cx="157980" cy="165253"/>
+          </a:xfrm>
+          <a:prstGeom prst="verticalScroll">
+            <a:avLst/>
+          </a:prstGeom>
+          <a:noFill/>
+        </p:spPr>
+        <p:style>
+          <a:lnRef idx="2">
+            <a:schemeClr val="accent1">
+              <a:shade val="50000"/>
+            </a:schemeClr>
+          </a:lnRef>
+          <a:fillRef idx="1">
+            <a:schemeClr val="accent1"/>
+          </a:fillRef>
+          <a:effectRef idx="0">
+            <a:schemeClr val="accent1"/>
+          </a:effectRef>
+          <a:fontRef idx="minor">
+            <a:schemeClr val="lt1"/>
+          </a:fontRef>
+        </p:style>
+        <p:txBody>
+          <a:bodyPr rtlCol="0" anchor="ctr"/>
+          <a:lstStyle/>
+          <a:p>
+            <a:pPr algn="ctr"/>
+            <a:endParaRPr lang="es-419"/>
+          </a:p>
+        </p:txBody>
+      </p:sp>
+      <p:sp>
+        <p:nvSpPr>
+          <p:cNvPr id="41" name="Scroll: Vertical 40">
+            <a:extLst>
+              <a:ext uri="{FF2B5EF4-FFF2-40B4-BE49-F238E27FC236}">
+                <a16:creationId xmlns:a16="http://schemas.microsoft.com/office/drawing/2014/main" id="{428E4D34-71AF-576B-0C82-FEB1CFAA5BB3}"/>
+              </a:ext>
+            </a:extLst>
+          </p:cNvPr>
+          <p:cNvSpPr/>
+          <p:nvPr/>
+        </p:nvSpPr>
+        <p:spPr>
+          <a:xfrm>
+            <a:off x="6894310" y="5589598"/>
+            <a:ext cx="157980" cy="165253"/>
+          </a:xfrm>
+          <a:prstGeom prst="verticalScroll">
+            <a:avLst/>
+          </a:prstGeom>
+          <a:noFill/>
+        </p:spPr>
+        <p:style>
+          <a:lnRef idx="2">
+            <a:schemeClr val="accent1">
+              <a:shade val="50000"/>
+            </a:schemeClr>
+          </a:lnRef>
+          <a:fillRef idx="1">
+            <a:schemeClr val="accent1"/>
+          </a:fillRef>
+          <a:effectRef idx="0">
+            <a:schemeClr val="accent1"/>
+          </a:effectRef>
+          <a:fontRef idx="minor">
+            <a:schemeClr val="lt1"/>
+          </a:fontRef>
+        </p:style>
+        <p:txBody>
+          <a:bodyPr rtlCol="0" anchor="ctr"/>
+          <a:lstStyle/>
+          <a:p>
+            <a:pPr algn="ctr"/>
+            <a:endParaRPr lang="es-419"/>
+          </a:p>
+        </p:txBody>
+      </p:sp>
+      <p:sp>
+        <p:nvSpPr>
+          <p:cNvPr id="42" name="Scroll: Vertical 41">
+            <a:extLst>
+              <a:ext uri="{FF2B5EF4-FFF2-40B4-BE49-F238E27FC236}">
+                <a16:creationId xmlns:a16="http://schemas.microsoft.com/office/drawing/2014/main" id="{EED2E38C-3715-F036-D0AE-C0BE062EB492}"/>
+              </a:ext>
+            </a:extLst>
+          </p:cNvPr>
+          <p:cNvSpPr/>
+          <p:nvPr/>
+        </p:nvSpPr>
+        <p:spPr>
+          <a:xfrm>
+            <a:off x="7115533" y="5589598"/>
+            <a:ext cx="157980" cy="165253"/>
+          </a:xfrm>
+          <a:prstGeom prst="verticalScroll">
+            <a:avLst/>
+          </a:prstGeom>
+          <a:noFill/>
+        </p:spPr>
+        <p:style>
+          <a:lnRef idx="2">
+            <a:schemeClr val="accent1">
+              <a:shade val="50000"/>
+            </a:schemeClr>
+          </a:lnRef>
+          <a:fillRef idx="1">
+            <a:schemeClr val="accent1"/>
+          </a:fillRef>
+          <a:effectRef idx="0">
+            <a:schemeClr val="accent1"/>
+          </a:effectRef>
+          <a:fontRef idx="minor">
+            <a:schemeClr val="lt1"/>
+          </a:fontRef>
+        </p:style>
+        <p:txBody>
+          <a:bodyPr rtlCol="0" anchor="ctr"/>
+          <a:lstStyle/>
+          <a:p>
+            <a:pPr algn="ctr"/>
+            <a:endParaRPr lang="es-419"/>
+          </a:p>
+        </p:txBody>
+      </p:sp>
+      <p:sp>
+        <p:nvSpPr>
+          <p:cNvPr id="43" name="Scroll: Vertical 42">
+            <a:extLst>
+              <a:ext uri="{FF2B5EF4-FFF2-40B4-BE49-F238E27FC236}">
+                <a16:creationId xmlns:a16="http://schemas.microsoft.com/office/drawing/2014/main" id="{96B52B2A-EF1B-52F4-2B6A-FE5D95093B5E}"/>
+              </a:ext>
+            </a:extLst>
+          </p:cNvPr>
+          <p:cNvSpPr/>
+          <p:nvPr/>
+        </p:nvSpPr>
+        <p:spPr>
+          <a:xfrm>
+            <a:off x="7336756" y="5589598"/>
+            <a:ext cx="157980" cy="165253"/>
+          </a:xfrm>
+          <a:prstGeom prst="verticalScroll">
+            <a:avLst/>
+          </a:prstGeom>
+          <a:noFill/>
+        </p:spPr>
+        <p:style>
+          <a:lnRef idx="2">
+            <a:schemeClr val="accent1">
+              <a:shade val="50000"/>
+            </a:schemeClr>
+          </a:lnRef>
+          <a:fillRef idx="1">
+            <a:schemeClr val="accent1"/>
+          </a:fillRef>
+          <a:effectRef idx="0">
+            <a:schemeClr val="accent1"/>
+          </a:effectRef>
+          <a:fontRef idx="minor">
+            <a:schemeClr val="lt1"/>
+          </a:fontRef>
+        </p:style>
+        <p:txBody>
+          <a:bodyPr rtlCol="0" anchor="ctr"/>
+          <a:lstStyle/>
+          <a:p>
+            <a:pPr algn="ctr"/>
+            <a:endParaRPr lang="es-419"/>
+          </a:p>
+        </p:txBody>
+      </p:sp>
+      <p:sp>
+        <p:nvSpPr>
+          <p:cNvPr id="44" name="Scroll: Vertical 43">
+            <a:extLst>
+              <a:ext uri="{FF2B5EF4-FFF2-40B4-BE49-F238E27FC236}">
+                <a16:creationId xmlns:a16="http://schemas.microsoft.com/office/drawing/2014/main" id="{2518E17E-DF75-7D16-44E3-EACC5A4B11B3}"/>
+              </a:ext>
+            </a:extLst>
+          </p:cNvPr>
+          <p:cNvSpPr/>
+          <p:nvPr/>
+        </p:nvSpPr>
+        <p:spPr>
+          <a:xfrm>
+            <a:off x="7557979" y="5589598"/>
+            <a:ext cx="157980" cy="165253"/>
+          </a:xfrm>
+          <a:prstGeom prst="verticalScroll">
+            <a:avLst/>
+          </a:prstGeom>
+          <a:noFill/>
+        </p:spPr>
+        <p:style>
+          <a:lnRef idx="2">
+            <a:schemeClr val="accent1">
+              <a:shade val="50000"/>
+            </a:schemeClr>
+          </a:lnRef>
+          <a:fillRef idx="1">
+            <a:schemeClr val="accent1"/>
+          </a:fillRef>
+          <a:effectRef idx="0">
+            <a:schemeClr val="accent1"/>
+          </a:effectRef>
+          <a:fontRef idx="minor">
+            <a:schemeClr val="lt1"/>
+          </a:fontRef>
+        </p:style>
+        <p:txBody>
+          <a:bodyPr rtlCol="0" anchor="ctr"/>
+          <a:lstStyle/>
+          <a:p>
+            <a:pPr algn="ctr"/>
+            <a:endParaRPr lang="es-419"/>
+          </a:p>
+        </p:txBody>
+      </p:sp>
+      <p:sp>
+        <p:nvSpPr>
+          <p:cNvPr id="45" name="Scroll: Vertical 44">
+            <a:extLst>
+              <a:ext uri="{FF2B5EF4-FFF2-40B4-BE49-F238E27FC236}">
+                <a16:creationId xmlns:a16="http://schemas.microsoft.com/office/drawing/2014/main" id="{7DDDC96D-EB63-5B7B-8167-847DA63E0D3C}"/>
+              </a:ext>
+            </a:extLst>
+          </p:cNvPr>
+          <p:cNvSpPr/>
+          <p:nvPr/>
+        </p:nvSpPr>
+        <p:spPr>
+          <a:xfrm>
+            <a:off x="7779739" y="5589598"/>
+            <a:ext cx="157980" cy="165253"/>
+          </a:xfrm>
+          <a:prstGeom prst="verticalScroll">
+            <a:avLst/>
+          </a:prstGeom>
+          <a:noFill/>
+        </p:spPr>
+        <p:style>
+          <a:lnRef idx="2">
+            <a:schemeClr val="accent1">
+              <a:shade val="50000"/>
+            </a:schemeClr>
+          </a:lnRef>
+          <a:fillRef idx="1">
+            <a:schemeClr val="accent1"/>
+          </a:fillRef>
+          <a:effectRef idx="0">
+            <a:schemeClr val="accent1"/>
+          </a:effectRef>
+          <a:fontRef idx="minor">
+            <a:schemeClr val="lt1"/>
+          </a:fontRef>
+        </p:style>
+        <p:txBody>
+          <a:bodyPr rtlCol="0" anchor="ctr"/>
+          <a:lstStyle/>
+          <a:p>
+            <a:pPr algn="ctr"/>
+            <a:endParaRPr lang="es-419"/>
+          </a:p>
+        </p:txBody>
+      </p:sp>
+      <p:sp>
+        <p:nvSpPr>
+          <p:cNvPr id="46" name="Scroll: Vertical 45">
+            <a:extLst>
+              <a:ext uri="{FF2B5EF4-FFF2-40B4-BE49-F238E27FC236}">
+                <a16:creationId xmlns:a16="http://schemas.microsoft.com/office/drawing/2014/main" id="{4575C712-759F-FA0A-0F09-82BB0304F19F}"/>
+              </a:ext>
+            </a:extLst>
+          </p:cNvPr>
+          <p:cNvSpPr/>
+          <p:nvPr/>
+        </p:nvSpPr>
+        <p:spPr>
+          <a:xfrm>
+            <a:off x="8000962" y="5589598"/>
+            <a:ext cx="157980" cy="165253"/>
+          </a:xfrm>
+          <a:prstGeom prst="verticalScroll">
+            <a:avLst/>
+          </a:prstGeom>
+          <a:noFill/>
+        </p:spPr>
+        <p:style>
+          <a:lnRef idx="2">
+            <a:schemeClr val="accent1">
+              <a:shade val="50000"/>
+            </a:schemeClr>
+          </a:lnRef>
+          <a:fillRef idx="1">
+            <a:schemeClr val="accent1"/>
+          </a:fillRef>
+          <a:effectRef idx="0">
+            <a:schemeClr val="accent1"/>
+          </a:effectRef>
+          <a:fontRef idx="minor">
+            <a:schemeClr val="lt1"/>
+          </a:fontRef>
+        </p:style>
+        <p:txBody>
+          <a:bodyPr rtlCol="0" anchor="ctr"/>
+          <a:lstStyle/>
+          <a:p>
+            <a:pPr algn="ctr"/>
+            <a:endParaRPr lang="es-419"/>
+          </a:p>
+        </p:txBody>
+      </p:sp>
+      <p:sp>
+        <p:nvSpPr>
+          <p:cNvPr id="47" name="Scroll: Vertical 46">
+            <a:extLst>
+              <a:ext uri="{FF2B5EF4-FFF2-40B4-BE49-F238E27FC236}">
+                <a16:creationId xmlns:a16="http://schemas.microsoft.com/office/drawing/2014/main" id="{31842ADC-32A4-C2A9-00B6-4519224195EF}"/>
+              </a:ext>
+            </a:extLst>
+          </p:cNvPr>
+          <p:cNvSpPr/>
+          <p:nvPr/>
+        </p:nvSpPr>
+        <p:spPr>
+          <a:xfrm>
+            <a:off x="8222185" y="5589598"/>
+            <a:ext cx="157980" cy="165253"/>
+          </a:xfrm>
+          <a:prstGeom prst="verticalScroll">
+            <a:avLst/>
+          </a:prstGeom>
+          <a:noFill/>
+        </p:spPr>
+        <p:style>
+          <a:lnRef idx="2">
+            <a:schemeClr val="accent1">
+              <a:shade val="50000"/>
+            </a:schemeClr>
+          </a:lnRef>
+          <a:fillRef idx="1">
+            <a:schemeClr val="accent1"/>
+          </a:fillRef>
+          <a:effectRef idx="0">
+            <a:schemeClr val="accent1"/>
+          </a:effectRef>
+          <a:fontRef idx="minor">
+            <a:schemeClr val="lt1"/>
+          </a:fontRef>
+        </p:style>
+        <p:txBody>
+          <a:bodyPr rtlCol="0" anchor="ctr"/>
+          <a:lstStyle/>
+          <a:p>
+            <a:pPr algn="ctr"/>
+            <a:endParaRPr lang="es-419"/>
+          </a:p>
+        </p:txBody>
+      </p:sp>
+      <p:sp>
+        <p:nvSpPr>
+          <p:cNvPr id="48" name="Scroll: Vertical 47">
+            <a:extLst>
+              <a:ext uri="{FF2B5EF4-FFF2-40B4-BE49-F238E27FC236}">
+                <a16:creationId xmlns:a16="http://schemas.microsoft.com/office/drawing/2014/main" id="{C2711C56-C786-566A-771D-A19A7DBB869F}"/>
+              </a:ext>
+            </a:extLst>
+          </p:cNvPr>
+          <p:cNvSpPr/>
+          <p:nvPr/>
+        </p:nvSpPr>
+        <p:spPr>
+          <a:xfrm>
+            <a:off x="3955605" y="5589598"/>
+            <a:ext cx="157980" cy="165253"/>
+          </a:xfrm>
+          <a:prstGeom prst="verticalScroll">
+            <a:avLst/>
+          </a:prstGeom>
+          <a:noFill/>
+        </p:spPr>
+        <p:style>
+          <a:lnRef idx="2">
+            <a:schemeClr val="accent1">
+              <a:shade val="50000"/>
+            </a:schemeClr>
+          </a:lnRef>
+          <a:fillRef idx="1">
+            <a:schemeClr val="accent1"/>
+          </a:fillRef>
+          <a:effectRef idx="0">
+            <a:schemeClr val="accent1"/>
+          </a:effectRef>
+          <a:fontRef idx="minor">
+            <a:schemeClr val="lt1"/>
+          </a:fontRef>
+        </p:style>
+        <p:txBody>
+          <a:bodyPr rtlCol="0" anchor="ctr"/>
+          <a:lstStyle/>
+          <a:p>
+            <a:pPr algn="ctr"/>
+            <a:endParaRPr lang="es-419"/>
+          </a:p>
+        </p:txBody>
+      </p:sp>
+      <p:sp>
+        <p:nvSpPr>
+          <p:cNvPr id="49" name="Scroll: Vertical 48">
+            <a:extLst>
+              <a:ext uri="{FF2B5EF4-FFF2-40B4-BE49-F238E27FC236}">
+                <a16:creationId xmlns:a16="http://schemas.microsoft.com/office/drawing/2014/main" id="{EECE9D96-6116-706B-A13D-AADD3F18F47A}"/>
+              </a:ext>
+            </a:extLst>
+          </p:cNvPr>
+          <p:cNvSpPr/>
+          <p:nvPr/>
+        </p:nvSpPr>
+        <p:spPr>
+          <a:xfrm>
+            <a:off x="4177365" y="5589598"/>
+            <a:ext cx="157980" cy="165253"/>
+          </a:xfrm>
+          <a:prstGeom prst="verticalScroll">
+            <a:avLst/>
+          </a:prstGeom>
+          <a:noFill/>
+        </p:spPr>
+        <p:style>
+          <a:lnRef idx="2">
+            <a:schemeClr val="accent1">
+              <a:shade val="50000"/>
+            </a:schemeClr>
+          </a:lnRef>
+          <a:fillRef idx="1">
+            <a:schemeClr val="accent1"/>
+          </a:fillRef>
+          <a:effectRef idx="0">
+            <a:schemeClr val="accent1"/>
+          </a:effectRef>
+          <a:fontRef idx="minor">
+            <a:schemeClr val="lt1"/>
+          </a:fontRef>
+        </p:style>
+        <p:txBody>
+          <a:bodyPr rtlCol="0" anchor="ctr"/>
+          <a:lstStyle/>
+          <a:p>
+            <a:pPr algn="ctr"/>
+            <a:endParaRPr lang="es-419"/>
+          </a:p>
+        </p:txBody>
+      </p:sp>
+      <p:sp>
+        <p:nvSpPr>
+          <p:cNvPr id="50" name="Scroll: Vertical 49">
+            <a:extLst>
+              <a:ext uri="{FF2B5EF4-FFF2-40B4-BE49-F238E27FC236}">
+                <a16:creationId xmlns:a16="http://schemas.microsoft.com/office/drawing/2014/main" id="{36F50E92-F5C8-D57B-F206-9EEFE13E10CF}"/>
+              </a:ext>
+            </a:extLst>
+          </p:cNvPr>
+          <p:cNvSpPr/>
+          <p:nvPr/>
+        </p:nvSpPr>
+        <p:spPr>
+          <a:xfrm>
+            <a:off x="4398588" y="5589598"/>
+            <a:ext cx="157980" cy="165253"/>
+          </a:xfrm>
+          <a:prstGeom prst="verticalScroll">
+            <a:avLst/>
+          </a:prstGeom>
+          <a:noFill/>
+        </p:spPr>
+        <p:style>
+          <a:lnRef idx="2">
+            <a:schemeClr val="accent1">
+              <a:shade val="50000"/>
+            </a:schemeClr>
+          </a:lnRef>
+          <a:fillRef idx="1">
+            <a:schemeClr val="accent1"/>
+          </a:fillRef>
+          <a:effectRef idx="0">
+            <a:schemeClr val="accent1"/>
+          </a:effectRef>
+          <a:fontRef idx="minor">
+            <a:schemeClr val="lt1"/>
+          </a:fontRef>
+        </p:style>
+        <p:txBody>
+          <a:bodyPr rtlCol="0" anchor="ctr"/>
+          <a:lstStyle/>
+          <a:p>
+            <a:pPr algn="ctr"/>
+            <a:endParaRPr lang="es-419"/>
+          </a:p>
+        </p:txBody>
+      </p:sp>
+      <p:sp>
+        <p:nvSpPr>
+          <p:cNvPr id="51" name="Scroll: Vertical 50">
+            <a:extLst>
+              <a:ext uri="{FF2B5EF4-FFF2-40B4-BE49-F238E27FC236}">
+                <a16:creationId xmlns:a16="http://schemas.microsoft.com/office/drawing/2014/main" id="{6B5C220E-04DE-981C-C9D8-CE1ABD95BEC8}"/>
+              </a:ext>
+            </a:extLst>
+          </p:cNvPr>
+          <p:cNvSpPr/>
+          <p:nvPr/>
+        </p:nvSpPr>
+        <p:spPr>
+          <a:xfrm>
+            <a:off x="4619811" y="5589598"/>
+            <a:ext cx="157980" cy="165253"/>
+          </a:xfrm>
+          <a:prstGeom prst="verticalScroll">
+            <a:avLst/>
+          </a:prstGeom>
+          <a:noFill/>
+        </p:spPr>
+        <p:style>
+          <a:lnRef idx="2">
+            <a:schemeClr val="accent1">
+              <a:shade val="50000"/>
+            </a:schemeClr>
+          </a:lnRef>
+          <a:fillRef idx="1">
+            <a:schemeClr val="accent1"/>
+          </a:fillRef>
+          <a:effectRef idx="0">
+            <a:schemeClr val="accent1"/>
+          </a:effectRef>
+          <a:fontRef idx="minor">
+            <a:schemeClr val="lt1"/>
+          </a:fontRef>
+        </p:style>
+        <p:txBody>
+          <a:bodyPr rtlCol="0" anchor="ctr"/>
+          <a:lstStyle/>
+          <a:p>
+            <a:pPr algn="ctr"/>
+            <a:endParaRPr lang="es-419"/>
+          </a:p>
+        </p:txBody>
+      </p:sp>
+      <p:sp>
+        <p:nvSpPr>
+          <p:cNvPr id="52" name="Scroll: Vertical 51">
+            <a:extLst>
+              <a:ext uri="{FF2B5EF4-FFF2-40B4-BE49-F238E27FC236}">
+                <a16:creationId xmlns:a16="http://schemas.microsoft.com/office/drawing/2014/main" id="{29C2CE5F-44F2-412F-0CDA-89EC97A23405}"/>
+              </a:ext>
+            </a:extLst>
+          </p:cNvPr>
+          <p:cNvSpPr/>
+          <p:nvPr/>
+        </p:nvSpPr>
+        <p:spPr>
+          <a:xfrm>
+            <a:off x="4841034" y="5589598"/>
+            <a:ext cx="157980" cy="165253"/>
+          </a:xfrm>
+          <a:prstGeom prst="verticalScroll">
+            <a:avLst/>
+          </a:prstGeom>
+          <a:noFill/>
+        </p:spPr>
+        <p:style>
+          <a:lnRef idx="2">
+            <a:schemeClr val="accent1">
+              <a:shade val="50000"/>
+            </a:schemeClr>
+          </a:lnRef>
+          <a:fillRef idx="1">
+            <a:schemeClr val="accent1"/>
+          </a:fillRef>
+          <a:effectRef idx="0">
+            <a:schemeClr val="accent1"/>
+          </a:effectRef>
+          <a:fontRef idx="minor">
+            <a:schemeClr val="lt1"/>
+          </a:fontRef>
+        </p:style>
+        <p:txBody>
+          <a:bodyPr rtlCol="0" anchor="ctr"/>
+          <a:lstStyle/>
+          <a:p>
+            <a:pPr algn="ctr"/>
+            <a:endParaRPr lang="es-419"/>
+          </a:p>
+        </p:txBody>
+      </p:sp>
+      <p:sp>
+        <p:nvSpPr>
+          <p:cNvPr id="53" name="Scroll: Vertical 52">
+            <a:extLst>
+              <a:ext uri="{FF2B5EF4-FFF2-40B4-BE49-F238E27FC236}">
+                <a16:creationId xmlns:a16="http://schemas.microsoft.com/office/drawing/2014/main" id="{BC17B6A8-18D0-15E0-326A-147152AF7039}"/>
+              </a:ext>
+            </a:extLst>
+          </p:cNvPr>
+          <p:cNvSpPr/>
+          <p:nvPr/>
+        </p:nvSpPr>
+        <p:spPr>
+          <a:xfrm>
+            <a:off x="5062794" y="5589598"/>
+            <a:ext cx="157980" cy="165253"/>
+          </a:xfrm>
+          <a:prstGeom prst="verticalScroll">
+            <a:avLst/>
+          </a:prstGeom>
+          <a:noFill/>
+        </p:spPr>
+        <p:style>
+          <a:lnRef idx="2">
+            <a:schemeClr val="accent1">
+              <a:shade val="50000"/>
+            </a:schemeClr>
+          </a:lnRef>
+          <a:fillRef idx="1">
+            <a:schemeClr val="accent1"/>
+          </a:fillRef>
+          <a:effectRef idx="0">
+            <a:schemeClr val="accent1"/>
+          </a:effectRef>
+          <a:fontRef idx="minor">
+            <a:schemeClr val="lt1"/>
+          </a:fontRef>
+        </p:style>
+        <p:txBody>
+          <a:bodyPr rtlCol="0" anchor="ctr"/>
+          <a:lstStyle/>
+          <a:p>
+            <a:pPr algn="ctr"/>
+            <a:endParaRPr lang="es-419"/>
+          </a:p>
+        </p:txBody>
+      </p:sp>
+      <p:sp>
+        <p:nvSpPr>
+          <p:cNvPr id="54" name="Scroll: Vertical 53">
+            <a:extLst>
+              <a:ext uri="{FF2B5EF4-FFF2-40B4-BE49-F238E27FC236}">
+                <a16:creationId xmlns:a16="http://schemas.microsoft.com/office/drawing/2014/main" id="{FDF80DBD-5FAB-DE31-D15F-A1CCDCBFA017}"/>
+              </a:ext>
+            </a:extLst>
+          </p:cNvPr>
+          <p:cNvSpPr/>
+          <p:nvPr/>
+        </p:nvSpPr>
+        <p:spPr>
+          <a:xfrm>
+            <a:off x="5284017" y="5589598"/>
+            <a:ext cx="157980" cy="165253"/>
+          </a:xfrm>
+          <a:prstGeom prst="verticalScroll">
+            <a:avLst/>
+          </a:prstGeom>
+          <a:noFill/>
+        </p:spPr>
+        <p:style>
+          <a:lnRef idx="2">
+            <a:schemeClr val="accent1">
+              <a:shade val="50000"/>
+            </a:schemeClr>
+          </a:lnRef>
+          <a:fillRef idx="1">
+            <a:schemeClr val="accent1"/>
+          </a:fillRef>
+          <a:effectRef idx="0">
+            <a:schemeClr val="accent1"/>
+          </a:effectRef>
+          <a:fontRef idx="minor">
+            <a:schemeClr val="lt1"/>
+          </a:fontRef>
+        </p:style>
+        <p:txBody>
+          <a:bodyPr rtlCol="0" anchor="ctr"/>
+          <a:lstStyle/>
+          <a:p>
+            <a:pPr algn="ctr"/>
+            <a:endParaRPr lang="es-419"/>
+          </a:p>
+        </p:txBody>
+      </p:sp>
+      <p:sp>
+        <p:nvSpPr>
+          <p:cNvPr id="55" name="Scroll: Vertical 54">
+            <a:extLst>
+              <a:ext uri="{FF2B5EF4-FFF2-40B4-BE49-F238E27FC236}">
+                <a16:creationId xmlns:a16="http://schemas.microsoft.com/office/drawing/2014/main" id="{69BFBC22-4214-1F5F-816C-3F653ED1E41E}"/>
+              </a:ext>
+            </a:extLst>
+          </p:cNvPr>
+          <p:cNvSpPr/>
+          <p:nvPr/>
+        </p:nvSpPr>
+        <p:spPr>
+          <a:xfrm>
+            <a:off x="5505240" y="5589598"/>
+            <a:ext cx="157980" cy="165253"/>
+          </a:xfrm>
+          <a:prstGeom prst="verticalScroll">
+            <a:avLst/>
+          </a:prstGeom>
+          <a:noFill/>
+        </p:spPr>
+        <p:style>
+          <a:lnRef idx="2">
+            <a:schemeClr val="accent1">
+              <a:shade val="50000"/>
+            </a:schemeClr>
+          </a:lnRef>
+          <a:fillRef idx="1">
+            <a:schemeClr val="accent1"/>
+          </a:fillRef>
+          <a:effectRef idx="0">
+            <a:schemeClr val="accent1"/>
+          </a:effectRef>
+          <a:fontRef idx="minor">
+            <a:schemeClr val="lt1"/>
+          </a:fontRef>
+        </p:style>
+        <p:txBody>
+          <a:bodyPr rtlCol="0" anchor="ctr"/>
+          <a:lstStyle/>
+          <a:p>
+            <a:pPr algn="ctr"/>
+            <a:endParaRPr lang="es-419"/>
+          </a:p>
+        </p:txBody>
+      </p:sp>
+      <p:sp>
+        <p:nvSpPr>
+          <p:cNvPr id="56" name="Rectangle: Rounded Corners 55">
+            <a:extLst>
+              <a:ext uri="{FF2B5EF4-FFF2-40B4-BE49-F238E27FC236}">
+                <a16:creationId xmlns:a16="http://schemas.microsoft.com/office/drawing/2014/main" id="{A3689359-74CE-D7D3-F0FE-30CE3E0F6962}"/>
+              </a:ext>
+            </a:extLst>
+          </p:cNvPr>
+          <p:cNvSpPr/>
+          <p:nvPr/>
+        </p:nvSpPr>
+        <p:spPr>
+          <a:xfrm>
+            <a:off x="3620874" y="5399558"/>
+            <a:ext cx="5148554" cy="495759"/>
+          </a:xfrm>
+          <a:prstGeom prst="roundRect">
+            <a:avLst/>
+          </a:prstGeom>
+          <a:noFill/>
+        </p:spPr>
+        <p:style>
+          <a:lnRef idx="2">
+            <a:schemeClr val="accent1">
+              <a:shade val="50000"/>
+            </a:schemeClr>
+          </a:lnRef>
+          <a:fillRef idx="1">
+            <a:schemeClr val="accent1"/>
+          </a:fillRef>
+          <a:effectRef idx="0">
+            <a:schemeClr val="accent1"/>
+          </a:effectRef>
+          <a:fontRef idx="minor">
+            <a:schemeClr val="lt1"/>
+          </a:fontRef>
+        </p:style>
+        <p:txBody>
+          <a:bodyPr rtlCol="0" anchor="ctr"/>
+          <a:lstStyle/>
+          <a:p>
+            <a:pPr algn="ctr"/>
+            <a:endParaRPr lang="es-419"/>
+          </a:p>
+        </p:txBody>
+      </p:sp>
+      <p:cxnSp>
+        <p:nvCxnSpPr>
+          <p:cNvPr id="57" name="Straight Connector 56">
+            <a:extLst>
+              <a:ext uri="{FF2B5EF4-FFF2-40B4-BE49-F238E27FC236}">
+                <a16:creationId xmlns:a16="http://schemas.microsoft.com/office/drawing/2014/main" id="{1D87D5A1-79DD-7B65-E296-3B4BDD9CE008}"/>
+              </a:ext>
+            </a:extLst>
+          </p:cNvPr>
+          <p:cNvCxnSpPr>
+            <a:stCxn id="56" idx="0"/>
+            <a:endCxn id="56" idx="2"/>
+          </p:cNvCxnSpPr>
+          <p:nvPr/>
+        </p:nvCxnSpPr>
+        <p:spPr>
+          <a:xfrm>
+            <a:off x="6195151" y="5399558"/>
+            <a:ext cx="0" cy="495759"/>
+          </a:xfrm>
+          <a:prstGeom prst="line">
+            <a:avLst/>
+          </a:prstGeom>
+        </p:spPr>
+        <p:style>
+          <a:lnRef idx="1">
+            <a:schemeClr val="accent1"/>
+          </a:lnRef>
+          <a:fillRef idx="0">
+            <a:schemeClr val="accent1"/>
+          </a:fillRef>
+          <a:effectRef idx="0">
+            <a:schemeClr val="accent1"/>
+          </a:effectRef>
+          <a:fontRef idx="minor">
+            <a:schemeClr val="tx1"/>
+          </a:fontRef>
+        </p:style>
+      </p:cxnSp>
+      <p:cxnSp>
+        <p:nvCxnSpPr>
+          <p:cNvPr id="58" name="Straight Arrow Connector 57">
+            <a:extLst>
+              <a:ext uri="{FF2B5EF4-FFF2-40B4-BE49-F238E27FC236}">
+                <a16:creationId xmlns:a16="http://schemas.microsoft.com/office/drawing/2014/main" id="{3C5F0713-015F-E9D6-8450-D585B42CE122}"/>
+              </a:ext>
+            </a:extLst>
+          </p:cNvPr>
+          <p:cNvCxnSpPr>
+            <a:cxnSpLocks/>
+          </p:cNvCxnSpPr>
+          <p:nvPr/>
+        </p:nvCxnSpPr>
+        <p:spPr>
+          <a:xfrm flipV="1">
+            <a:off x="7654121" y="3224164"/>
+            <a:ext cx="61838" cy="2175394"/>
+          </a:xfrm>
+          <a:prstGeom prst="straightConnector1">
+            <a:avLst/>
+          </a:prstGeom>
+          <a:ln>
+            <a:tailEnd type="triangle"/>
+          </a:ln>
+        </p:spPr>
+        <p:style>
+          <a:lnRef idx="1">
+            <a:schemeClr val="accent1"/>
+          </a:lnRef>
+          <a:fillRef idx="0">
+            <a:schemeClr val="accent1"/>
+          </a:fillRef>
+          <a:effectRef idx="0">
+            <a:schemeClr val="accent1"/>
+          </a:effectRef>
+          <a:fontRef idx="minor">
+            <a:schemeClr val="tx1"/>
+          </a:fontRef>
+        </p:style>
+      </p:cxnSp>
+      <p:cxnSp>
+        <p:nvCxnSpPr>
+          <p:cNvPr id="59" name="Straight Arrow Connector 58">
+            <a:extLst>
+              <a:ext uri="{FF2B5EF4-FFF2-40B4-BE49-F238E27FC236}">
+                <a16:creationId xmlns:a16="http://schemas.microsoft.com/office/drawing/2014/main" id="{E3C15759-C446-9ADC-4F54-D1BC92555C87}"/>
+              </a:ext>
+            </a:extLst>
+          </p:cNvPr>
+          <p:cNvCxnSpPr>
+            <a:cxnSpLocks/>
+          </p:cNvCxnSpPr>
+          <p:nvPr/>
+        </p:nvCxnSpPr>
+        <p:spPr>
+          <a:xfrm flipV="1">
+            <a:off x="7654121" y="3224164"/>
+            <a:ext cx="1115307" cy="2175394"/>
+          </a:xfrm>
+          <a:prstGeom prst="straightConnector1">
+            <a:avLst/>
+          </a:prstGeom>
+          <a:ln>
+            <a:tailEnd type="triangle"/>
+          </a:ln>
+        </p:spPr>
+        <p:style>
+          <a:lnRef idx="1">
+            <a:schemeClr val="accent1"/>
+          </a:lnRef>
+          <a:fillRef idx="0">
+            <a:schemeClr val="accent1"/>
+          </a:fillRef>
+          <a:effectRef idx="0">
+            <a:schemeClr val="accent1"/>
+          </a:effectRef>
+          <a:fontRef idx="minor">
+            <a:schemeClr val="tx1"/>
+          </a:fontRef>
+        </p:style>
+      </p:cxnSp>
+      <p:cxnSp>
+        <p:nvCxnSpPr>
+          <p:cNvPr id="60" name="Straight Arrow Connector 59">
+            <a:extLst>
+              <a:ext uri="{FF2B5EF4-FFF2-40B4-BE49-F238E27FC236}">
+                <a16:creationId xmlns:a16="http://schemas.microsoft.com/office/drawing/2014/main" id="{C16009E6-577A-EAE4-328A-2B6447AF6E4A}"/>
+              </a:ext>
+            </a:extLst>
+          </p:cNvPr>
+          <p:cNvCxnSpPr>
+            <a:cxnSpLocks/>
+          </p:cNvCxnSpPr>
+          <p:nvPr/>
+        </p:nvCxnSpPr>
+        <p:spPr>
+          <a:xfrm flipV="1">
+            <a:off x="7699709" y="3233585"/>
+            <a:ext cx="2170577" cy="2156552"/>
+          </a:xfrm>
+          <a:prstGeom prst="straightConnector1">
+            <a:avLst/>
+          </a:prstGeom>
+          <a:ln>
+            <a:tailEnd type="triangle"/>
+          </a:ln>
+        </p:spPr>
+        <p:style>
+          <a:lnRef idx="1">
+            <a:schemeClr val="accent1"/>
+          </a:lnRef>
+          <a:fillRef idx="0">
+            <a:schemeClr val="accent1"/>
+          </a:fillRef>
+          <a:effectRef idx="0">
+            <a:schemeClr val="accent1"/>
+          </a:effectRef>
+          <a:fontRef idx="minor">
+            <a:schemeClr val="tx1"/>
+          </a:fontRef>
+        </p:style>
+      </p:cxnSp>
+      <p:cxnSp>
+        <p:nvCxnSpPr>
+          <p:cNvPr id="61" name="Straight Arrow Connector 60">
+            <a:extLst>
+              <a:ext uri="{FF2B5EF4-FFF2-40B4-BE49-F238E27FC236}">
+                <a16:creationId xmlns:a16="http://schemas.microsoft.com/office/drawing/2014/main" id="{7C665E11-C9BB-5EF1-57D6-13F3435A7BC5}"/>
+              </a:ext>
+            </a:extLst>
+          </p:cNvPr>
+          <p:cNvCxnSpPr>
+            <a:cxnSpLocks/>
+          </p:cNvCxnSpPr>
+          <p:nvPr/>
+        </p:nvCxnSpPr>
+        <p:spPr>
+          <a:xfrm>
+            <a:off x="4335345" y="3233585"/>
+            <a:ext cx="1175458" cy="2215547"/>
+          </a:xfrm>
+          <a:prstGeom prst="straightConnector1">
+            <a:avLst/>
+          </a:prstGeom>
+          <a:ln>
+            <a:tailEnd type="triangle"/>
+          </a:ln>
+        </p:spPr>
+        <p:style>
+          <a:lnRef idx="1">
+            <a:schemeClr val="accent1"/>
+          </a:lnRef>
+          <a:fillRef idx="0">
+            <a:schemeClr val="accent1"/>
+          </a:fillRef>
+          <a:effectRef idx="0">
+            <a:schemeClr val="accent1"/>
+          </a:effectRef>
+          <a:fontRef idx="minor">
+            <a:schemeClr val="tx1"/>
+          </a:fontRef>
+        </p:style>
+      </p:cxnSp>
+      <p:cxnSp>
+        <p:nvCxnSpPr>
+          <p:cNvPr id="62" name="Straight Arrow Connector 61">
+            <a:extLst>
+              <a:ext uri="{FF2B5EF4-FFF2-40B4-BE49-F238E27FC236}">
+                <a16:creationId xmlns:a16="http://schemas.microsoft.com/office/drawing/2014/main" id="{73132C24-5245-0FEA-B55B-16D3115F8DDF}"/>
+              </a:ext>
+            </a:extLst>
+          </p:cNvPr>
+          <p:cNvCxnSpPr>
+            <a:cxnSpLocks/>
+          </p:cNvCxnSpPr>
+          <p:nvPr/>
+        </p:nvCxnSpPr>
+        <p:spPr>
+          <a:xfrm>
+            <a:off x="3307702" y="3279608"/>
+            <a:ext cx="2122088" cy="2129371"/>
+          </a:xfrm>
+          <a:prstGeom prst="straightConnector1">
+            <a:avLst/>
+          </a:prstGeom>
+          <a:ln>
+            <a:tailEnd type="triangle"/>
+          </a:ln>
+        </p:spPr>
+        <p:style>
+          <a:lnRef idx="1">
+            <a:schemeClr val="accent1"/>
+          </a:lnRef>
+          <a:fillRef idx="0">
+            <a:schemeClr val="accent1"/>
+          </a:fillRef>
+          <a:effectRef idx="0">
+            <a:schemeClr val="accent1"/>
+          </a:effectRef>
+          <a:fontRef idx="minor">
+            <a:schemeClr val="tx1"/>
+          </a:fontRef>
+        </p:style>
+      </p:cxnSp>
+      <p:cxnSp>
+        <p:nvCxnSpPr>
+          <p:cNvPr id="63" name="Straight Arrow Connector 62">
+            <a:extLst>
+              <a:ext uri="{FF2B5EF4-FFF2-40B4-BE49-F238E27FC236}">
+                <a16:creationId xmlns:a16="http://schemas.microsoft.com/office/drawing/2014/main" id="{5454D2C8-676D-27AC-0F0D-A58E6CDEF8B2}"/>
+              </a:ext>
+            </a:extLst>
+          </p:cNvPr>
+          <p:cNvCxnSpPr>
+            <a:cxnSpLocks/>
+          </p:cNvCxnSpPr>
+          <p:nvPr/>
+        </p:nvCxnSpPr>
+        <p:spPr>
+          <a:xfrm>
+            <a:off x="4685108" y="2145667"/>
+            <a:ext cx="896811" cy="3253891"/>
+          </a:xfrm>
+          <a:prstGeom prst="straightConnector1">
+            <a:avLst/>
+          </a:prstGeom>
+          <a:ln>
+            <a:tailEnd type="triangle"/>
+          </a:ln>
+        </p:spPr>
+        <p:style>
+          <a:lnRef idx="1">
+            <a:schemeClr val="accent1"/>
+          </a:lnRef>
+          <a:fillRef idx="0">
+            <a:schemeClr val="accent1"/>
+          </a:fillRef>
+          <a:effectRef idx="0">
+            <a:schemeClr val="accent1"/>
+          </a:effectRef>
+          <a:fontRef idx="minor">
+            <a:schemeClr val="tx1"/>
+          </a:fontRef>
+        </p:style>
+      </p:cxnSp>
+      <p:cxnSp>
+        <p:nvCxnSpPr>
+          <p:cNvPr id="73" name="Straight Arrow Connector 72">
+            <a:extLst>
+              <a:ext uri="{FF2B5EF4-FFF2-40B4-BE49-F238E27FC236}">
+                <a16:creationId xmlns:a16="http://schemas.microsoft.com/office/drawing/2014/main" id="{AE32EFA6-E1AE-0490-043E-7AC1F5BDA936}"/>
+              </a:ext>
+            </a:extLst>
+          </p:cNvPr>
+          <p:cNvCxnSpPr>
+            <a:cxnSpLocks/>
+          </p:cNvCxnSpPr>
+          <p:nvPr/>
+        </p:nvCxnSpPr>
+        <p:spPr>
+          <a:xfrm flipV="1">
+            <a:off x="8769428" y="3660488"/>
+            <a:ext cx="546620" cy="1986950"/>
+          </a:xfrm>
+          <a:prstGeom prst="straightConnector1">
+            <a:avLst/>
+          </a:prstGeom>
+          <a:ln>
+            <a:tailEnd type="triangle"/>
+          </a:ln>
+        </p:spPr>
+        <p:style>
+          <a:lnRef idx="1">
+            <a:schemeClr val="accent1"/>
+          </a:lnRef>
+          <a:fillRef idx="0">
+            <a:schemeClr val="accent1"/>
+          </a:fillRef>
+          <a:effectRef idx="0">
+            <a:schemeClr val="accent1"/>
+          </a:effectRef>
+          <a:fontRef idx="minor">
+            <a:schemeClr val="tx1"/>
+          </a:fontRef>
+        </p:style>
+      </p:cxnSp>
+      <p:cxnSp>
+        <p:nvCxnSpPr>
+          <p:cNvPr id="74" name="Straight Arrow Connector 73">
+            <a:extLst>
+              <a:ext uri="{FF2B5EF4-FFF2-40B4-BE49-F238E27FC236}">
+                <a16:creationId xmlns:a16="http://schemas.microsoft.com/office/drawing/2014/main" id="{DABD6D10-1D87-89BF-8B6A-57CBBA937F06}"/>
+              </a:ext>
+            </a:extLst>
+          </p:cNvPr>
+          <p:cNvCxnSpPr>
+            <a:cxnSpLocks/>
+          </p:cNvCxnSpPr>
+          <p:nvPr/>
+        </p:nvCxnSpPr>
+        <p:spPr>
+          <a:xfrm flipH="1" flipV="1">
+            <a:off x="3317850" y="3723833"/>
+            <a:ext cx="303024" cy="1923605"/>
+          </a:xfrm>
+          <a:prstGeom prst="straightConnector1">
+            <a:avLst/>
+          </a:prstGeom>
+          <a:ln>
+            <a:tailEnd type="triangle"/>
+          </a:ln>
+        </p:spPr>
+        <p:style>
+          <a:lnRef idx="1">
+            <a:schemeClr val="accent1"/>
+          </a:lnRef>
+          <a:fillRef idx="0">
+            <a:schemeClr val="accent1"/>
+          </a:fillRef>
+          <a:effectRef idx="0">
+            <a:schemeClr val="accent1"/>
+          </a:effectRef>
+          <a:fontRef idx="minor">
+            <a:schemeClr val="tx1"/>
+          </a:fontRef>
+        </p:style>
+      </p:cxnSp>
+      <p:cxnSp>
+        <p:nvCxnSpPr>
+          <p:cNvPr id="75" name="Connector: Curved 74">
+            <a:extLst>
+              <a:ext uri="{FF2B5EF4-FFF2-40B4-BE49-F238E27FC236}">
+                <a16:creationId xmlns:a16="http://schemas.microsoft.com/office/drawing/2014/main" id="{DD116378-6FF0-387C-9311-137CD0D32356}"/>
+              </a:ext>
+            </a:extLst>
+          </p:cNvPr>
+          <p:cNvCxnSpPr>
+            <a:cxnSpLocks/>
+          </p:cNvCxnSpPr>
+          <p:nvPr/>
+        </p:nvCxnSpPr>
+        <p:spPr>
+          <a:xfrm rot="16200000" flipH="1">
+            <a:off x="2183053" y="4209617"/>
+            <a:ext cx="1986950" cy="888692"/>
+          </a:xfrm>
+          <a:prstGeom prst="curvedConnector2">
+            <a:avLst/>
+          </a:prstGeom>
+          <a:ln>
+            <a:tailEnd type="triangle"/>
+          </a:ln>
+        </p:spPr>
+        <p:style>
+          <a:lnRef idx="1">
+            <a:schemeClr val="accent1"/>
+          </a:lnRef>
+          <a:fillRef idx="0">
+            <a:schemeClr val="accent1"/>
+          </a:fillRef>
+          <a:effectRef idx="0">
+            <a:schemeClr val="accent1"/>
+          </a:effectRef>
+          <a:fontRef idx="minor">
+            <a:schemeClr val="tx1"/>
+          </a:fontRef>
+        </p:style>
+      </p:cxnSp>
+      <p:sp>
+        <p:nvSpPr>
+          <p:cNvPr id="76" name="TextBox 75">
+            <a:extLst>
+              <a:ext uri="{FF2B5EF4-FFF2-40B4-BE49-F238E27FC236}">
+                <a16:creationId xmlns:a16="http://schemas.microsoft.com/office/drawing/2014/main" id="{CD589F29-5060-14D3-F6FD-6CE786A6554D}"/>
+              </a:ext>
+            </a:extLst>
+          </p:cNvPr>
+          <p:cNvSpPr txBox="1"/>
+          <p:nvPr/>
+        </p:nvSpPr>
+        <p:spPr>
+          <a:xfrm>
+            <a:off x="4947880" y="414110"/>
+            <a:ext cx="2421945" cy="369332"/>
+          </a:xfrm>
+          <a:prstGeom prst="rect">
+            <a:avLst/>
+          </a:prstGeom>
+          <a:noFill/>
+        </p:spPr>
+        <p:txBody>
+          <a:bodyPr wrap="none" rtlCol="0">
+            <a:spAutoFit/>
+          </a:bodyPr>
+          <a:lstStyle/>
+          <a:p>
+            <a:r>
+              <a:rPr lang="es-419" dirty="0" err="1"/>
+              <a:t>Openshift</a:t>
+            </a:r>
+            <a:r>
+              <a:rPr lang="es-419" dirty="0"/>
+              <a:t> / </a:t>
+            </a:r>
+            <a:r>
+              <a:rPr lang="es-419" dirty="0" err="1"/>
+              <a:t>Kubernetes</a:t>
+            </a:r>
+            <a:endParaRPr lang="es-419" dirty="0"/>
+          </a:p>
+        </p:txBody>
+      </p:sp>
+      <p:sp>
+        <p:nvSpPr>
+          <p:cNvPr id="77" name="TextBox 76">
+            <a:extLst>
+              <a:ext uri="{FF2B5EF4-FFF2-40B4-BE49-F238E27FC236}">
+                <a16:creationId xmlns:a16="http://schemas.microsoft.com/office/drawing/2014/main" id="{9553DE22-90B3-347B-B77D-F405EFAE6D02}"/>
+              </a:ext>
+            </a:extLst>
+          </p:cNvPr>
+          <p:cNvSpPr txBox="1"/>
+          <p:nvPr/>
+        </p:nvSpPr>
+        <p:spPr>
+          <a:xfrm>
+            <a:off x="5220774" y="1063128"/>
+            <a:ext cx="577402" cy="369332"/>
+          </a:xfrm>
+          <a:prstGeom prst="rect">
+            <a:avLst/>
+          </a:prstGeom>
+          <a:noFill/>
+        </p:spPr>
+        <p:txBody>
+          <a:bodyPr wrap="none" rtlCol="0">
+            <a:spAutoFit/>
+          </a:bodyPr>
+          <a:lstStyle/>
+          <a:p>
+            <a:r>
+              <a:rPr lang="es-419" dirty="0"/>
+              <a:t>ENV</a:t>
+            </a:r>
+          </a:p>
+        </p:txBody>
+      </p:sp>
+      <p:sp>
+        <p:nvSpPr>
+          <p:cNvPr id="78" name="TextBox 77">
+            <a:extLst>
+              <a:ext uri="{FF2B5EF4-FFF2-40B4-BE49-F238E27FC236}">
+                <a16:creationId xmlns:a16="http://schemas.microsoft.com/office/drawing/2014/main" id="{D60B994A-41DB-7E3E-CFB7-2579B7AF7507}"/>
+              </a:ext>
+            </a:extLst>
+          </p:cNvPr>
+          <p:cNvSpPr txBox="1"/>
+          <p:nvPr/>
+        </p:nvSpPr>
+        <p:spPr>
+          <a:xfrm>
+            <a:off x="6243700" y="1063128"/>
+            <a:ext cx="577402" cy="369332"/>
+          </a:xfrm>
+          <a:prstGeom prst="rect">
+            <a:avLst/>
+          </a:prstGeom>
+          <a:noFill/>
+        </p:spPr>
+        <p:txBody>
+          <a:bodyPr wrap="none" rtlCol="0">
+            <a:spAutoFit/>
+          </a:bodyPr>
+          <a:lstStyle/>
+          <a:p>
+            <a:r>
+              <a:rPr lang="es-419" dirty="0"/>
+              <a:t>ENV</a:t>
+            </a:r>
+          </a:p>
+        </p:txBody>
+      </p:sp>
+      <p:sp>
+        <p:nvSpPr>
+          <p:cNvPr id="79" name="Scroll: Vertical 78">
+            <a:extLst>
+              <a:ext uri="{FF2B5EF4-FFF2-40B4-BE49-F238E27FC236}">
+                <a16:creationId xmlns:a16="http://schemas.microsoft.com/office/drawing/2014/main" id="{670B5F0C-57FC-238A-E107-96E8269C0B9D}"/>
+              </a:ext>
+            </a:extLst>
+          </p:cNvPr>
+          <p:cNvSpPr/>
+          <p:nvPr/>
+        </p:nvSpPr>
+        <p:spPr>
+          <a:xfrm>
+            <a:off x="5156177" y="1585740"/>
+            <a:ext cx="775523" cy="512417"/>
+          </a:xfrm>
+          <a:prstGeom prst="verticalScroll">
+            <a:avLst/>
+          </a:prstGeom>
+          <a:noFill/>
+        </p:spPr>
+        <p:style>
+          <a:lnRef idx="2">
+            <a:schemeClr val="accent1">
+              <a:shade val="50000"/>
+            </a:schemeClr>
+          </a:lnRef>
+          <a:fillRef idx="1">
+            <a:schemeClr val="accent1"/>
+          </a:fillRef>
+          <a:effectRef idx="0">
+            <a:schemeClr val="accent1"/>
+          </a:effectRef>
+          <a:fontRef idx="minor">
+            <a:schemeClr val="lt1"/>
+          </a:fontRef>
+        </p:style>
+        <p:txBody>
+          <a:bodyPr rtlCol="0" anchor="ctr"/>
+          <a:lstStyle/>
+          <a:p>
+            <a:pPr algn="ctr"/>
+            <a:r>
+              <a:rPr lang="es-419" sz="1100" dirty="0" err="1">
+                <a:solidFill>
+                  <a:sysClr val="windowText" lastClr="000000"/>
+                </a:solidFill>
+              </a:rPr>
+              <a:t>ConfigMap</a:t>
+            </a:r>
+            <a:endParaRPr lang="es-419" sz="1100" dirty="0">
+              <a:solidFill>
+                <a:sysClr val="windowText" lastClr="000000"/>
+              </a:solidFill>
+            </a:endParaRPr>
+          </a:p>
+        </p:txBody>
+      </p:sp>
+      <p:sp>
+        <p:nvSpPr>
+          <p:cNvPr id="80" name="Scroll: Vertical 79">
+            <a:extLst>
+              <a:ext uri="{FF2B5EF4-FFF2-40B4-BE49-F238E27FC236}">
+                <a16:creationId xmlns:a16="http://schemas.microsoft.com/office/drawing/2014/main" id="{2790C318-2B13-BA28-ACBE-D365ABA2C0B3}"/>
+              </a:ext>
+            </a:extLst>
+          </p:cNvPr>
+          <p:cNvSpPr/>
+          <p:nvPr/>
+        </p:nvSpPr>
+        <p:spPr>
+          <a:xfrm>
+            <a:off x="5134751" y="2179056"/>
+            <a:ext cx="775523" cy="512417"/>
+          </a:xfrm>
+          <a:prstGeom prst="verticalScroll">
+            <a:avLst/>
+          </a:prstGeom>
+          <a:noFill/>
+        </p:spPr>
+        <p:style>
+          <a:lnRef idx="2">
+            <a:schemeClr val="accent1">
+              <a:shade val="50000"/>
+            </a:schemeClr>
+          </a:lnRef>
+          <a:fillRef idx="1">
+            <a:schemeClr val="accent1"/>
+          </a:fillRef>
+          <a:effectRef idx="0">
+            <a:schemeClr val="accent1"/>
+          </a:effectRef>
+          <a:fontRef idx="minor">
+            <a:schemeClr val="lt1"/>
+          </a:fontRef>
+        </p:style>
+        <p:txBody>
+          <a:bodyPr rtlCol="0" anchor="ctr"/>
+          <a:lstStyle/>
+          <a:p>
+            <a:pPr algn="ctr"/>
+            <a:r>
+              <a:rPr lang="es-419" sz="1100" dirty="0" err="1">
+                <a:solidFill>
+                  <a:sysClr val="windowText" lastClr="000000"/>
+                </a:solidFill>
+              </a:rPr>
+              <a:t>Secret</a:t>
+            </a:r>
+            <a:endParaRPr lang="es-419" sz="1100" dirty="0">
+              <a:solidFill>
+                <a:sysClr val="windowText" lastClr="000000"/>
+              </a:solidFill>
+            </a:endParaRPr>
+          </a:p>
+        </p:txBody>
+      </p:sp>
+      <p:sp>
+        <p:nvSpPr>
+          <p:cNvPr id="81" name="Scroll: Vertical 80">
+            <a:extLst>
+              <a:ext uri="{FF2B5EF4-FFF2-40B4-BE49-F238E27FC236}">
+                <a16:creationId xmlns:a16="http://schemas.microsoft.com/office/drawing/2014/main" id="{9E2E4EEE-F93F-0BBA-3BFB-99C03179CC70}"/>
+              </a:ext>
+            </a:extLst>
+          </p:cNvPr>
+          <p:cNvSpPr/>
+          <p:nvPr/>
+        </p:nvSpPr>
+        <p:spPr>
+          <a:xfrm>
+            <a:off x="6179103" y="1585740"/>
+            <a:ext cx="775523" cy="512417"/>
+          </a:xfrm>
+          <a:prstGeom prst="verticalScroll">
+            <a:avLst/>
+          </a:prstGeom>
+          <a:noFill/>
+        </p:spPr>
+        <p:style>
+          <a:lnRef idx="2">
+            <a:schemeClr val="accent1">
+              <a:shade val="50000"/>
+            </a:schemeClr>
+          </a:lnRef>
+          <a:fillRef idx="1">
+            <a:schemeClr val="accent1"/>
+          </a:fillRef>
+          <a:effectRef idx="0">
+            <a:schemeClr val="accent1"/>
+          </a:effectRef>
+          <a:fontRef idx="minor">
+            <a:schemeClr val="lt1"/>
+          </a:fontRef>
+        </p:style>
+        <p:txBody>
+          <a:bodyPr rtlCol="0" anchor="ctr"/>
+          <a:lstStyle/>
+          <a:p>
+            <a:pPr algn="ctr"/>
+            <a:r>
+              <a:rPr lang="es-419" sz="1100" dirty="0" err="1">
+                <a:solidFill>
+                  <a:sysClr val="windowText" lastClr="000000"/>
+                </a:solidFill>
+              </a:rPr>
+              <a:t>ConfigMap</a:t>
+            </a:r>
+            <a:endParaRPr lang="es-419" sz="1100" dirty="0">
+              <a:solidFill>
+                <a:sysClr val="windowText" lastClr="000000"/>
+              </a:solidFill>
+            </a:endParaRPr>
+          </a:p>
+        </p:txBody>
+      </p:sp>
+      <p:sp>
+        <p:nvSpPr>
+          <p:cNvPr id="82" name="Scroll: Vertical 81">
+            <a:extLst>
+              <a:ext uri="{FF2B5EF4-FFF2-40B4-BE49-F238E27FC236}">
+                <a16:creationId xmlns:a16="http://schemas.microsoft.com/office/drawing/2014/main" id="{2DB4EDE7-813E-C74A-7E47-9CB276961000}"/>
+              </a:ext>
+            </a:extLst>
+          </p:cNvPr>
+          <p:cNvSpPr/>
+          <p:nvPr/>
+        </p:nvSpPr>
+        <p:spPr>
+          <a:xfrm>
+            <a:off x="6157677" y="2179056"/>
+            <a:ext cx="775523" cy="512417"/>
+          </a:xfrm>
+          <a:prstGeom prst="verticalScroll">
+            <a:avLst/>
+          </a:prstGeom>
+          <a:noFill/>
+        </p:spPr>
+        <p:style>
+          <a:lnRef idx="2">
+            <a:schemeClr val="accent1">
+              <a:shade val="50000"/>
+            </a:schemeClr>
+          </a:lnRef>
+          <a:fillRef idx="1">
+            <a:schemeClr val="accent1"/>
+          </a:fillRef>
+          <a:effectRef idx="0">
+            <a:schemeClr val="accent1"/>
+          </a:effectRef>
+          <a:fontRef idx="minor">
+            <a:schemeClr val="lt1"/>
+          </a:fontRef>
+        </p:style>
+        <p:txBody>
+          <a:bodyPr rtlCol="0" anchor="ctr"/>
+          <a:lstStyle/>
+          <a:p>
+            <a:pPr algn="ctr"/>
+            <a:r>
+              <a:rPr lang="es-419" sz="1100" dirty="0" err="1">
+                <a:solidFill>
+                  <a:sysClr val="windowText" lastClr="000000"/>
+                </a:solidFill>
+              </a:rPr>
+              <a:t>Secret</a:t>
+            </a:r>
+            <a:endParaRPr lang="es-419" sz="1100" dirty="0">
+              <a:solidFill>
+                <a:sysClr val="windowText" lastClr="000000"/>
+              </a:solidFill>
+            </a:endParaRPr>
+          </a:p>
+        </p:txBody>
+      </p:sp>
+      <p:sp>
+        <p:nvSpPr>
+          <p:cNvPr id="83" name="Scroll: Vertical 82">
+            <a:extLst>
+              <a:ext uri="{FF2B5EF4-FFF2-40B4-BE49-F238E27FC236}">
+                <a16:creationId xmlns:a16="http://schemas.microsoft.com/office/drawing/2014/main" id="{7B107602-992B-4E7E-6797-0449B43371A7}"/>
+              </a:ext>
+            </a:extLst>
+          </p:cNvPr>
+          <p:cNvSpPr/>
+          <p:nvPr/>
+        </p:nvSpPr>
+        <p:spPr>
+          <a:xfrm>
+            <a:off x="328884" y="5467121"/>
+            <a:ext cx="775523" cy="512417"/>
+          </a:xfrm>
+          <a:prstGeom prst="verticalScroll">
+            <a:avLst/>
+          </a:prstGeom>
+          <a:noFill/>
+        </p:spPr>
+        <p:style>
+          <a:lnRef idx="2">
+            <a:schemeClr val="accent1">
+              <a:shade val="50000"/>
+            </a:schemeClr>
+          </a:lnRef>
+          <a:fillRef idx="1">
+            <a:schemeClr val="accent1"/>
+          </a:fillRef>
+          <a:effectRef idx="0">
+            <a:schemeClr val="accent1"/>
+          </a:effectRef>
+          <a:fontRef idx="minor">
+            <a:schemeClr val="lt1"/>
+          </a:fontRef>
+        </p:style>
+        <p:txBody>
+          <a:bodyPr rtlCol="0" anchor="ctr"/>
+          <a:lstStyle/>
+          <a:p>
+            <a:pPr algn="ctr"/>
+            <a:r>
+              <a:rPr lang="es-419" sz="1100" dirty="0" err="1">
+                <a:solidFill>
+                  <a:sysClr val="windowText" lastClr="000000"/>
+                </a:solidFill>
+              </a:rPr>
+              <a:t>ConfigMap</a:t>
+            </a:r>
+            <a:endParaRPr lang="es-419" sz="1100" dirty="0">
+              <a:solidFill>
+                <a:sysClr val="windowText" lastClr="000000"/>
+              </a:solidFill>
+            </a:endParaRPr>
+          </a:p>
+        </p:txBody>
+      </p:sp>
+      <p:sp>
+        <p:nvSpPr>
+          <p:cNvPr id="84" name="Rectangle 83">
+            <a:extLst>
+              <a:ext uri="{FF2B5EF4-FFF2-40B4-BE49-F238E27FC236}">
+                <a16:creationId xmlns:a16="http://schemas.microsoft.com/office/drawing/2014/main" id="{BA2643A7-1596-F196-EEC4-F88CD60853AE}"/>
+              </a:ext>
+            </a:extLst>
+          </p:cNvPr>
+          <p:cNvSpPr/>
+          <p:nvPr/>
+        </p:nvSpPr>
+        <p:spPr>
+          <a:xfrm>
+            <a:off x="1288973" y="5449132"/>
+            <a:ext cx="1443209" cy="530406"/>
+          </a:xfrm>
+          <a:prstGeom prst="rect">
+            <a:avLst/>
+          </a:prstGeom>
+          <a:noFill/>
+        </p:spPr>
+        <p:style>
+          <a:lnRef idx="2">
+            <a:schemeClr val="accent1">
+              <a:shade val="50000"/>
+            </a:schemeClr>
+          </a:lnRef>
+          <a:fillRef idx="1">
+            <a:schemeClr val="accent1"/>
+          </a:fillRef>
+          <a:effectRef idx="0">
+            <a:schemeClr val="accent1"/>
+          </a:effectRef>
+          <a:fontRef idx="minor">
+            <a:schemeClr val="lt1"/>
+          </a:fontRef>
+        </p:style>
+        <p:txBody>
+          <a:bodyPr rtlCol="0" anchor="ctr"/>
+          <a:lstStyle/>
+          <a:p>
+            <a:r>
+              <a:rPr lang="es-419" sz="1100" dirty="0" err="1">
+                <a:solidFill>
+                  <a:schemeClr val="tx1"/>
+                </a:solidFill>
+              </a:rPr>
+              <a:t>MaxRequest</a:t>
+            </a:r>
+            <a:r>
+              <a:rPr lang="es-419" sz="1100" dirty="0">
+                <a:solidFill>
+                  <a:schemeClr val="tx1"/>
+                </a:solidFill>
+              </a:rPr>
+              <a:t> = 3</a:t>
+            </a:r>
+          </a:p>
+          <a:p>
+            <a:r>
+              <a:rPr lang="es-419" sz="1100" dirty="0" err="1">
+                <a:solidFill>
+                  <a:schemeClr val="tx1"/>
+                </a:solidFill>
+              </a:rPr>
+              <a:t>UrlOidc</a:t>
+            </a:r>
+            <a:r>
+              <a:rPr lang="es-419" sz="1100" dirty="0">
+                <a:solidFill>
+                  <a:schemeClr val="tx1"/>
+                </a:solidFill>
+              </a:rPr>
+              <a:t> = http://miurl</a:t>
+            </a:r>
+          </a:p>
+        </p:txBody>
+      </p:sp>
+      <p:sp>
+        <p:nvSpPr>
+          <p:cNvPr id="85" name="Scroll: Vertical 84">
+            <a:extLst>
+              <a:ext uri="{FF2B5EF4-FFF2-40B4-BE49-F238E27FC236}">
+                <a16:creationId xmlns:a16="http://schemas.microsoft.com/office/drawing/2014/main" id="{43970CA9-F849-3647-A5FB-47A72D139CB9}"/>
+              </a:ext>
+            </a:extLst>
+          </p:cNvPr>
+          <p:cNvSpPr/>
+          <p:nvPr/>
+        </p:nvSpPr>
+        <p:spPr>
+          <a:xfrm>
+            <a:off x="328884" y="6054703"/>
+            <a:ext cx="775523" cy="512417"/>
+          </a:xfrm>
+          <a:prstGeom prst="verticalScroll">
+            <a:avLst/>
+          </a:prstGeom>
+          <a:noFill/>
+        </p:spPr>
+        <p:style>
+          <a:lnRef idx="2">
+            <a:schemeClr val="accent1">
+              <a:shade val="50000"/>
+            </a:schemeClr>
+          </a:lnRef>
+          <a:fillRef idx="1">
+            <a:schemeClr val="accent1"/>
+          </a:fillRef>
+          <a:effectRef idx="0">
+            <a:schemeClr val="accent1"/>
+          </a:effectRef>
+          <a:fontRef idx="minor">
+            <a:schemeClr val="lt1"/>
+          </a:fontRef>
+        </p:style>
+        <p:txBody>
+          <a:bodyPr rtlCol="0" anchor="ctr"/>
+          <a:lstStyle/>
+          <a:p>
+            <a:pPr algn="ctr"/>
+            <a:r>
+              <a:rPr lang="es-419" sz="1100" dirty="0" err="1">
+                <a:solidFill>
+                  <a:sysClr val="windowText" lastClr="000000"/>
+                </a:solidFill>
+              </a:rPr>
+              <a:t>Secret</a:t>
+            </a:r>
+            <a:endParaRPr lang="es-419" sz="1100" dirty="0">
+              <a:solidFill>
+                <a:sysClr val="windowText" lastClr="000000"/>
+              </a:solidFill>
+            </a:endParaRPr>
+          </a:p>
+        </p:txBody>
+      </p:sp>
+      <p:sp>
+        <p:nvSpPr>
+          <p:cNvPr id="86" name="Rectangle 85">
+            <a:extLst>
+              <a:ext uri="{FF2B5EF4-FFF2-40B4-BE49-F238E27FC236}">
+                <a16:creationId xmlns:a16="http://schemas.microsoft.com/office/drawing/2014/main" id="{201DFA40-AA82-8353-0838-9ADF7425B996}"/>
+              </a:ext>
+            </a:extLst>
+          </p:cNvPr>
+          <p:cNvSpPr/>
+          <p:nvPr/>
+        </p:nvSpPr>
+        <p:spPr>
+          <a:xfrm>
+            <a:off x="1288973" y="6036714"/>
+            <a:ext cx="1443209" cy="530406"/>
+          </a:xfrm>
+          <a:prstGeom prst="rect">
+            <a:avLst/>
+          </a:prstGeom>
+          <a:noFill/>
+        </p:spPr>
+        <p:style>
+          <a:lnRef idx="2">
+            <a:schemeClr val="accent1">
+              <a:shade val="50000"/>
+            </a:schemeClr>
+          </a:lnRef>
+          <a:fillRef idx="1">
+            <a:schemeClr val="accent1"/>
+          </a:fillRef>
+          <a:effectRef idx="0">
+            <a:schemeClr val="accent1"/>
+          </a:effectRef>
+          <a:fontRef idx="minor">
+            <a:schemeClr val="lt1"/>
+          </a:fontRef>
+        </p:style>
+        <p:txBody>
+          <a:bodyPr rtlCol="0" anchor="ctr"/>
+          <a:lstStyle/>
+          <a:p>
+            <a:r>
+              <a:rPr lang="es-419" sz="1100" dirty="0" err="1">
+                <a:solidFill>
+                  <a:schemeClr val="tx1"/>
+                </a:solidFill>
+              </a:rPr>
+              <a:t>User</a:t>
+            </a:r>
+            <a:r>
+              <a:rPr lang="es-419" sz="1100" dirty="0">
+                <a:solidFill>
+                  <a:schemeClr val="tx1"/>
+                </a:solidFill>
+              </a:rPr>
+              <a:t> = User01</a:t>
+            </a:r>
+          </a:p>
+          <a:p>
+            <a:r>
+              <a:rPr lang="es-419" sz="1100" dirty="0" err="1">
+                <a:solidFill>
+                  <a:schemeClr val="tx1"/>
+                </a:solidFill>
+              </a:rPr>
+              <a:t>Password</a:t>
+            </a:r>
+            <a:r>
+              <a:rPr lang="es-419" sz="1100" dirty="0">
+                <a:solidFill>
+                  <a:schemeClr val="tx1"/>
+                </a:solidFill>
+              </a:rPr>
+              <a:t> = Pass1234</a:t>
+            </a:r>
+          </a:p>
+        </p:txBody>
+      </p:sp>
+      <p:sp>
+        <p:nvSpPr>
+          <p:cNvPr id="87" name="Arrow: Right 86">
+            <a:extLst>
+              <a:ext uri="{FF2B5EF4-FFF2-40B4-BE49-F238E27FC236}">
+                <a16:creationId xmlns:a16="http://schemas.microsoft.com/office/drawing/2014/main" id="{AD7DC2B8-5439-5B45-E633-33A686D36DE8}"/>
+              </a:ext>
+            </a:extLst>
+          </p:cNvPr>
+          <p:cNvSpPr/>
+          <p:nvPr/>
+        </p:nvSpPr>
+        <p:spPr>
+          <a:xfrm>
+            <a:off x="2875952" y="6118874"/>
+            <a:ext cx="441898" cy="366086"/>
+          </a:xfrm>
+          <a:prstGeom prst="rightArrow">
+            <a:avLst/>
+          </a:prstGeom>
+          <a:noFill/>
+        </p:spPr>
+        <p:style>
+          <a:lnRef idx="2">
+            <a:schemeClr val="accent1">
+              <a:shade val="50000"/>
+            </a:schemeClr>
+          </a:lnRef>
+          <a:fillRef idx="1">
+            <a:schemeClr val="accent1"/>
+          </a:fillRef>
+          <a:effectRef idx="0">
+            <a:schemeClr val="accent1"/>
+          </a:effectRef>
+          <a:fontRef idx="minor">
+            <a:schemeClr val="lt1"/>
+          </a:fontRef>
+        </p:style>
+        <p:txBody>
+          <a:bodyPr rtlCol="0" anchor="ctr"/>
+          <a:lstStyle/>
+          <a:p>
+            <a:pPr algn="ctr"/>
+            <a:endParaRPr lang="es-419"/>
+          </a:p>
+        </p:txBody>
+      </p:sp>
+      <p:sp>
+        <p:nvSpPr>
+          <p:cNvPr id="88" name="Rectangle 87">
+            <a:extLst>
+              <a:ext uri="{FF2B5EF4-FFF2-40B4-BE49-F238E27FC236}">
+                <a16:creationId xmlns:a16="http://schemas.microsoft.com/office/drawing/2014/main" id="{8B4287AD-BD20-F8DE-335E-8242BEFC6580}"/>
+              </a:ext>
+            </a:extLst>
+          </p:cNvPr>
+          <p:cNvSpPr/>
+          <p:nvPr/>
+        </p:nvSpPr>
+        <p:spPr>
+          <a:xfrm>
+            <a:off x="3455760" y="6036714"/>
+            <a:ext cx="1765014" cy="530406"/>
+          </a:xfrm>
+          <a:prstGeom prst="rect">
+            <a:avLst/>
+          </a:prstGeom>
+          <a:noFill/>
+        </p:spPr>
+        <p:style>
+          <a:lnRef idx="2">
+            <a:schemeClr val="accent1">
+              <a:shade val="50000"/>
+            </a:schemeClr>
+          </a:lnRef>
+          <a:fillRef idx="1">
+            <a:schemeClr val="accent1"/>
+          </a:fillRef>
+          <a:effectRef idx="0">
+            <a:schemeClr val="accent1"/>
+          </a:effectRef>
+          <a:fontRef idx="minor">
+            <a:schemeClr val="lt1"/>
+          </a:fontRef>
+        </p:style>
+        <p:txBody>
+          <a:bodyPr rtlCol="0" anchor="ctr"/>
+          <a:lstStyle/>
+          <a:p>
+            <a:r>
+              <a:rPr lang="es-419" sz="1100" dirty="0" err="1">
+                <a:solidFill>
+                  <a:schemeClr val="tx1"/>
+                </a:solidFill>
+              </a:rPr>
+              <a:t>User</a:t>
+            </a:r>
+            <a:r>
+              <a:rPr lang="es-419" sz="1100" dirty="0">
+                <a:solidFill>
+                  <a:schemeClr val="tx1"/>
+                </a:solidFill>
+              </a:rPr>
+              <a:t> = </a:t>
+            </a:r>
+            <a:r>
+              <a:rPr lang="es-419" sz="1100" dirty="0" err="1">
+                <a:solidFill>
+                  <a:schemeClr val="tx1"/>
+                </a:solidFill>
+              </a:rPr>
+              <a:t>VXNlcjAx</a:t>
+            </a:r>
+            <a:endParaRPr lang="es-419" sz="1100" dirty="0">
+              <a:solidFill>
+                <a:schemeClr val="tx1"/>
+              </a:solidFill>
+            </a:endParaRPr>
+          </a:p>
+          <a:p>
+            <a:r>
+              <a:rPr lang="es-419" sz="1100" dirty="0" err="1">
+                <a:solidFill>
+                  <a:schemeClr val="tx1"/>
+                </a:solidFill>
+              </a:rPr>
+              <a:t>Password</a:t>
+            </a:r>
+            <a:r>
+              <a:rPr lang="es-419" sz="1100" dirty="0">
+                <a:solidFill>
+                  <a:schemeClr val="tx1"/>
+                </a:solidFill>
+              </a:rPr>
+              <a:t> = </a:t>
+            </a:r>
+            <a:r>
+              <a:rPr lang="es-419" sz="1100" dirty="0" err="1">
+                <a:solidFill>
+                  <a:schemeClr val="tx1"/>
+                </a:solidFill>
+              </a:rPr>
+              <a:t>UGFzczEyMzQ</a:t>
+            </a:r>
+            <a:r>
+              <a:rPr lang="es-419" sz="1100" dirty="0">
+                <a:solidFill>
+                  <a:schemeClr val="tx1"/>
+                </a:solidFill>
+              </a:rPr>
+              <a:t>=</a:t>
+            </a:r>
+          </a:p>
+        </p:txBody>
+      </p:sp>
     </p:spTree>
     <p:extLst>
       <p:ext uri="{BB962C8B-B14F-4D97-AF65-F5344CB8AC3E}">
         <p14:creationId xmlns:p14="http://schemas.microsoft.com/office/powerpoint/2010/main" val="1294906338"/>
+      </p:ext>
+    </p:extLst>
+  </p:cSld>
+  <p:clrMapOvr>
+    <a:masterClrMapping/>
+  </p:clrMapOvr>
+</p:sld>
+</file>
+
+<file path=ppt/slides/slide2.xml><?xml version="1.0" encoding="utf-8"?>
+<p:sld xmlns:a="http://schemas.openxmlformats.org/drawingml/2006/main" xmlns:r="http://schemas.openxmlformats.org/officeDocument/2006/relationships" xmlns:p="http://schemas.openxmlformats.org/presentationml/2006/main">
+  <p:cSld>
+    <p:spTree>
+      <p:nvGrpSpPr>
+        <p:cNvPr id="1" name=""/>
+        <p:cNvGrpSpPr/>
+        <p:nvPr/>
+      </p:nvGrpSpPr>
+      <p:grpSpPr>
+        <a:xfrm>
+          <a:off x="0" y="0"/>
+          <a:ext cx="0" cy="0"/>
+          <a:chOff x="0" y="0"/>
+          <a:chExt cx="0" cy="0"/>
+        </a:xfrm>
+      </p:grpSpPr>
+      <p:sp>
+        <p:nvSpPr>
+          <p:cNvPr id="81" name="Rectangle 80">
+            <a:extLst>
+              <a:ext uri="{FF2B5EF4-FFF2-40B4-BE49-F238E27FC236}">
+                <a16:creationId xmlns:a16="http://schemas.microsoft.com/office/drawing/2014/main" id="{DBD32AAF-6ED1-6B8B-EA4F-9EFDD8DA40D1}"/>
+              </a:ext>
+            </a:extLst>
+          </p:cNvPr>
+          <p:cNvSpPr/>
+          <p:nvPr/>
+        </p:nvSpPr>
+        <p:spPr>
+          <a:xfrm>
+            <a:off x="143219" y="878462"/>
+            <a:ext cx="11810082" cy="3927780"/>
+          </a:xfrm>
+          <a:prstGeom prst="rect">
+            <a:avLst/>
+          </a:prstGeom>
+          <a:noFill/>
+        </p:spPr>
+        <p:style>
+          <a:lnRef idx="2">
+            <a:schemeClr val="accent1">
+              <a:shade val="50000"/>
+            </a:schemeClr>
+          </a:lnRef>
+          <a:fillRef idx="1">
+            <a:schemeClr val="accent1"/>
+          </a:fillRef>
+          <a:effectRef idx="0">
+            <a:schemeClr val="accent1"/>
+          </a:effectRef>
+          <a:fontRef idx="minor">
+            <a:schemeClr val="lt1"/>
+          </a:fontRef>
+        </p:style>
+        <p:txBody>
+          <a:bodyPr rtlCol="0" anchor="ctr"/>
+          <a:lstStyle/>
+          <a:p>
+            <a:pPr algn="ctr"/>
+            <a:endParaRPr lang="es-419"/>
+          </a:p>
+        </p:txBody>
+      </p:sp>
+      <p:cxnSp>
+        <p:nvCxnSpPr>
+          <p:cNvPr id="82" name="Straight Connector 81">
+            <a:extLst>
+              <a:ext uri="{FF2B5EF4-FFF2-40B4-BE49-F238E27FC236}">
+                <a16:creationId xmlns:a16="http://schemas.microsoft.com/office/drawing/2014/main" id="{2CB4BF70-C03D-8E6F-32C3-922705EBB9AC}"/>
+              </a:ext>
+            </a:extLst>
+          </p:cNvPr>
+          <p:cNvCxnSpPr>
+            <a:cxnSpLocks/>
+          </p:cNvCxnSpPr>
+          <p:nvPr/>
+        </p:nvCxnSpPr>
+        <p:spPr>
+          <a:xfrm>
+            <a:off x="4267372" y="878462"/>
+            <a:ext cx="0" cy="3927780"/>
+          </a:xfrm>
+          <a:prstGeom prst="line">
+            <a:avLst/>
+          </a:prstGeom>
+        </p:spPr>
+        <p:style>
+          <a:lnRef idx="1">
+            <a:schemeClr val="accent1"/>
+          </a:lnRef>
+          <a:fillRef idx="0">
+            <a:schemeClr val="accent1"/>
+          </a:fillRef>
+          <a:effectRef idx="0">
+            <a:schemeClr val="accent1"/>
+          </a:effectRef>
+          <a:fontRef idx="minor">
+            <a:schemeClr val="tx1"/>
+          </a:fontRef>
+        </p:style>
+      </p:cxnSp>
+      <p:cxnSp>
+        <p:nvCxnSpPr>
+          <p:cNvPr id="83" name="Straight Connector 82">
+            <a:extLst>
+              <a:ext uri="{FF2B5EF4-FFF2-40B4-BE49-F238E27FC236}">
+                <a16:creationId xmlns:a16="http://schemas.microsoft.com/office/drawing/2014/main" id="{79546A49-5A1D-C79A-0C38-14FBA6DA4715}"/>
+              </a:ext>
+            </a:extLst>
+          </p:cNvPr>
+          <p:cNvCxnSpPr>
+            <a:cxnSpLocks/>
+          </p:cNvCxnSpPr>
+          <p:nvPr/>
+        </p:nvCxnSpPr>
+        <p:spPr>
+          <a:xfrm>
+            <a:off x="8237046" y="878462"/>
+            <a:ext cx="0" cy="3927780"/>
+          </a:xfrm>
+          <a:prstGeom prst="line">
+            <a:avLst/>
+          </a:prstGeom>
+        </p:spPr>
+        <p:style>
+          <a:lnRef idx="1">
+            <a:schemeClr val="accent1"/>
+          </a:lnRef>
+          <a:fillRef idx="0">
+            <a:schemeClr val="accent1"/>
+          </a:fillRef>
+          <a:effectRef idx="0">
+            <a:schemeClr val="accent1"/>
+          </a:effectRef>
+          <a:fontRef idx="minor">
+            <a:schemeClr val="tx1"/>
+          </a:fontRef>
+        </p:style>
+      </p:cxnSp>
+      <p:sp>
+        <p:nvSpPr>
+          <p:cNvPr id="84" name="TextBox 83">
+            <a:extLst>
+              <a:ext uri="{FF2B5EF4-FFF2-40B4-BE49-F238E27FC236}">
+                <a16:creationId xmlns:a16="http://schemas.microsoft.com/office/drawing/2014/main" id="{09E3F69F-AF35-DE32-C137-017A60F16963}"/>
+              </a:ext>
+            </a:extLst>
+          </p:cNvPr>
+          <p:cNvSpPr txBox="1"/>
+          <p:nvPr/>
+        </p:nvSpPr>
+        <p:spPr>
+          <a:xfrm>
+            <a:off x="2159306" y="539827"/>
+            <a:ext cx="722314" cy="369332"/>
+          </a:xfrm>
+          <a:prstGeom prst="rect">
+            <a:avLst/>
+          </a:prstGeom>
+          <a:noFill/>
+        </p:spPr>
+        <p:txBody>
+          <a:bodyPr wrap="none" rtlCol="0">
+            <a:spAutoFit/>
+          </a:bodyPr>
+          <a:lstStyle/>
+          <a:p>
+            <a:r>
+              <a:rPr lang="es-419" dirty="0"/>
+              <a:t>Azure</a:t>
+            </a:r>
+          </a:p>
+        </p:txBody>
+      </p:sp>
+      <p:sp>
+        <p:nvSpPr>
+          <p:cNvPr id="85" name="TextBox 84">
+            <a:extLst>
+              <a:ext uri="{FF2B5EF4-FFF2-40B4-BE49-F238E27FC236}">
+                <a16:creationId xmlns:a16="http://schemas.microsoft.com/office/drawing/2014/main" id="{F813F3BB-735A-5A83-12FA-5844D9425803}"/>
+              </a:ext>
+            </a:extLst>
+          </p:cNvPr>
+          <p:cNvSpPr txBox="1"/>
+          <p:nvPr/>
+        </p:nvSpPr>
+        <p:spPr>
+          <a:xfrm>
+            <a:off x="5801291" y="539827"/>
+            <a:ext cx="618503" cy="369332"/>
+          </a:xfrm>
+          <a:prstGeom prst="rect">
+            <a:avLst/>
+          </a:prstGeom>
+          <a:noFill/>
+        </p:spPr>
+        <p:txBody>
+          <a:bodyPr wrap="none" rtlCol="0">
+            <a:spAutoFit/>
+          </a:bodyPr>
+          <a:lstStyle/>
+          <a:p>
+            <a:r>
+              <a:rPr lang="es-419" dirty="0"/>
+              <a:t>AWS</a:t>
+            </a:r>
+          </a:p>
+        </p:txBody>
+      </p:sp>
+      <p:sp>
+        <p:nvSpPr>
+          <p:cNvPr id="86" name="TextBox 85">
+            <a:extLst>
+              <a:ext uri="{FF2B5EF4-FFF2-40B4-BE49-F238E27FC236}">
+                <a16:creationId xmlns:a16="http://schemas.microsoft.com/office/drawing/2014/main" id="{40A80A8C-6CC0-45B0-AC11-3366418E9902}"/>
+              </a:ext>
+            </a:extLst>
+          </p:cNvPr>
+          <p:cNvSpPr txBox="1"/>
+          <p:nvPr/>
+        </p:nvSpPr>
+        <p:spPr>
+          <a:xfrm>
+            <a:off x="9052490" y="539827"/>
+            <a:ext cx="2375074" cy="369332"/>
+          </a:xfrm>
+          <a:prstGeom prst="rect">
+            <a:avLst/>
+          </a:prstGeom>
+          <a:noFill/>
+        </p:spPr>
+        <p:txBody>
+          <a:bodyPr wrap="none" rtlCol="0">
+            <a:spAutoFit/>
+          </a:bodyPr>
+          <a:lstStyle/>
+          <a:p>
+            <a:r>
+              <a:rPr lang="es-419" dirty="0" err="1"/>
+              <a:t>Openshift</a:t>
+            </a:r>
+            <a:r>
+              <a:rPr lang="es-419" dirty="0"/>
+              <a:t> / </a:t>
+            </a:r>
+            <a:r>
+              <a:rPr lang="es-419" dirty="0" err="1"/>
+              <a:t>Kubernetes</a:t>
+            </a:r>
+            <a:endParaRPr lang="es-419" dirty="0"/>
+          </a:p>
+        </p:txBody>
+      </p:sp>
+      <p:sp>
+        <p:nvSpPr>
+          <p:cNvPr id="87" name="TextBox 86">
+            <a:extLst>
+              <a:ext uri="{FF2B5EF4-FFF2-40B4-BE49-F238E27FC236}">
+                <a16:creationId xmlns:a16="http://schemas.microsoft.com/office/drawing/2014/main" id="{DDD9AA2D-BE7D-1FF2-89EA-45F26932E4CF}"/>
+              </a:ext>
+            </a:extLst>
+          </p:cNvPr>
+          <p:cNvSpPr txBox="1"/>
+          <p:nvPr/>
+        </p:nvSpPr>
+        <p:spPr>
+          <a:xfrm>
+            <a:off x="659998" y="878462"/>
+            <a:ext cx="545790" cy="369332"/>
+          </a:xfrm>
+          <a:prstGeom prst="rect">
+            <a:avLst/>
+          </a:prstGeom>
+          <a:noFill/>
+        </p:spPr>
+        <p:txBody>
+          <a:bodyPr wrap="none" rtlCol="0">
+            <a:spAutoFit/>
+          </a:bodyPr>
+          <a:lstStyle/>
+          <a:p>
+            <a:r>
+              <a:rPr lang="es-419" dirty="0"/>
+              <a:t>Dev</a:t>
+            </a:r>
+          </a:p>
+        </p:txBody>
+      </p:sp>
+      <p:sp>
+        <p:nvSpPr>
+          <p:cNvPr id="88" name="TextBox 87">
+            <a:extLst>
+              <a:ext uri="{FF2B5EF4-FFF2-40B4-BE49-F238E27FC236}">
+                <a16:creationId xmlns:a16="http://schemas.microsoft.com/office/drawing/2014/main" id="{AB6D168F-1C96-060E-E5FA-91C564553006}"/>
+              </a:ext>
+            </a:extLst>
+          </p:cNvPr>
+          <p:cNvSpPr txBox="1"/>
+          <p:nvPr/>
+        </p:nvSpPr>
+        <p:spPr>
+          <a:xfrm>
+            <a:off x="4751382" y="878462"/>
+            <a:ext cx="623376" cy="369332"/>
+          </a:xfrm>
+          <a:prstGeom prst="rect">
+            <a:avLst/>
+          </a:prstGeom>
+          <a:noFill/>
+        </p:spPr>
+        <p:txBody>
+          <a:bodyPr wrap="none" rtlCol="0">
+            <a:spAutoFit/>
+          </a:bodyPr>
+          <a:lstStyle/>
+          <a:p>
+            <a:r>
+              <a:rPr lang="es-419" dirty="0" err="1"/>
+              <a:t>Prod</a:t>
+            </a:r>
+            <a:endParaRPr lang="es-419" dirty="0"/>
+          </a:p>
+        </p:txBody>
+      </p:sp>
+      <p:sp>
+        <p:nvSpPr>
+          <p:cNvPr id="89" name="TextBox 88">
+            <a:extLst>
+              <a:ext uri="{FF2B5EF4-FFF2-40B4-BE49-F238E27FC236}">
+                <a16:creationId xmlns:a16="http://schemas.microsoft.com/office/drawing/2014/main" id="{F5CEE384-8C98-2E54-C291-5FACF6492BD8}"/>
+              </a:ext>
+            </a:extLst>
+          </p:cNvPr>
+          <p:cNvSpPr txBox="1"/>
+          <p:nvPr/>
+        </p:nvSpPr>
+        <p:spPr>
+          <a:xfrm>
+            <a:off x="8621349" y="878462"/>
+            <a:ext cx="623376" cy="369332"/>
+          </a:xfrm>
+          <a:prstGeom prst="rect">
+            <a:avLst/>
+          </a:prstGeom>
+          <a:noFill/>
+        </p:spPr>
+        <p:txBody>
+          <a:bodyPr wrap="none" rtlCol="0">
+            <a:spAutoFit/>
+          </a:bodyPr>
+          <a:lstStyle/>
+          <a:p>
+            <a:r>
+              <a:rPr lang="es-419" dirty="0" err="1"/>
+              <a:t>Prod</a:t>
+            </a:r>
+            <a:endParaRPr lang="es-419" dirty="0"/>
+          </a:p>
+        </p:txBody>
+      </p:sp>
+      <p:sp>
+        <p:nvSpPr>
+          <p:cNvPr id="90" name="Rectangle: Rounded Corners 89">
+            <a:extLst>
+              <a:ext uri="{FF2B5EF4-FFF2-40B4-BE49-F238E27FC236}">
+                <a16:creationId xmlns:a16="http://schemas.microsoft.com/office/drawing/2014/main" id="{5DF5E9C1-19EA-CD7B-0B23-5E7CA82A6875}"/>
+              </a:ext>
+            </a:extLst>
+          </p:cNvPr>
+          <p:cNvSpPr/>
+          <p:nvPr/>
+        </p:nvSpPr>
+        <p:spPr>
+          <a:xfrm>
+            <a:off x="440674" y="1247794"/>
+            <a:ext cx="3539013" cy="2412694"/>
+          </a:xfrm>
+          <a:prstGeom prst="roundRect">
+            <a:avLst/>
+          </a:prstGeom>
+          <a:noFill/>
+        </p:spPr>
+        <p:style>
+          <a:lnRef idx="2">
+            <a:schemeClr val="accent1">
+              <a:shade val="50000"/>
+            </a:schemeClr>
+          </a:lnRef>
+          <a:fillRef idx="1">
+            <a:schemeClr val="accent1"/>
+          </a:fillRef>
+          <a:effectRef idx="0">
+            <a:schemeClr val="accent1"/>
+          </a:effectRef>
+          <a:fontRef idx="minor">
+            <a:schemeClr val="lt1"/>
+          </a:fontRef>
+        </p:style>
+        <p:txBody>
+          <a:bodyPr rtlCol="0" anchor="ctr"/>
+          <a:lstStyle/>
+          <a:p>
+            <a:pPr algn="ctr"/>
+            <a:endParaRPr lang="es-419"/>
+          </a:p>
+        </p:txBody>
+      </p:sp>
+      <p:sp>
+        <p:nvSpPr>
+          <p:cNvPr id="91" name="Rectangle: Rounded Corners 90">
+            <a:extLst>
+              <a:ext uri="{FF2B5EF4-FFF2-40B4-BE49-F238E27FC236}">
+                <a16:creationId xmlns:a16="http://schemas.microsoft.com/office/drawing/2014/main" id="{0718D4DE-A248-ACD9-CEA5-A84CA5B0E65B}"/>
+              </a:ext>
+            </a:extLst>
+          </p:cNvPr>
+          <p:cNvSpPr/>
+          <p:nvPr/>
+        </p:nvSpPr>
+        <p:spPr>
+          <a:xfrm>
+            <a:off x="4532058" y="1247794"/>
+            <a:ext cx="3528911" cy="2412694"/>
+          </a:xfrm>
+          <a:prstGeom prst="roundRect">
+            <a:avLst/>
+          </a:prstGeom>
+          <a:noFill/>
+        </p:spPr>
+        <p:style>
+          <a:lnRef idx="2">
+            <a:schemeClr val="accent1">
+              <a:shade val="50000"/>
+            </a:schemeClr>
+          </a:lnRef>
+          <a:fillRef idx="1">
+            <a:schemeClr val="accent1"/>
+          </a:fillRef>
+          <a:effectRef idx="0">
+            <a:schemeClr val="accent1"/>
+          </a:effectRef>
+          <a:fontRef idx="minor">
+            <a:schemeClr val="lt1"/>
+          </a:fontRef>
+        </p:style>
+        <p:txBody>
+          <a:bodyPr rtlCol="0" anchor="ctr"/>
+          <a:lstStyle/>
+          <a:p>
+            <a:pPr algn="ctr"/>
+            <a:endParaRPr lang="es-419"/>
+          </a:p>
+        </p:txBody>
+      </p:sp>
+      <p:sp>
+        <p:nvSpPr>
+          <p:cNvPr id="92" name="Rectangle: Rounded Corners 91">
+            <a:extLst>
+              <a:ext uri="{FF2B5EF4-FFF2-40B4-BE49-F238E27FC236}">
+                <a16:creationId xmlns:a16="http://schemas.microsoft.com/office/drawing/2014/main" id="{76920048-028E-CD42-51AC-33BCE5A7C0FF}"/>
+              </a:ext>
+            </a:extLst>
+          </p:cNvPr>
+          <p:cNvSpPr/>
+          <p:nvPr/>
+        </p:nvSpPr>
+        <p:spPr>
+          <a:xfrm>
+            <a:off x="8402025" y="1247794"/>
+            <a:ext cx="3528911" cy="2412694"/>
+          </a:xfrm>
+          <a:prstGeom prst="roundRect">
+            <a:avLst/>
+          </a:prstGeom>
+          <a:noFill/>
+        </p:spPr>
+        <p:style>
+          <a:lnRef idx="2">
+            <a:schemeClr val="accent1">
+              <a:shade val="50000"/>
+            </a:schemeClr>
+          </a:lnRef>
+          <a:fillRef idx="1">
+            <a:schemeClr val="accent1"/>
+          </a:fillRef>
+          <a:effectRef idx="0">
+            <a:schemeClr val="accent1"/>
+          </a:effectRef>
+          <a:fontRef idx="minor">
+            <a:schemeClr val="lt1"/>
+          </a:fontRef>
+        </p:style>
+        <p:txBody>
+          <a:bodyPr rtlCol="0" anchor="ctr"/>
+          <a:lstStyle/>
+          <a:p>
+            <a:pPr algn="ctr"/>
+            <a:endParaRPr lang="es-419"/>
+          </a:p>
+        </p:txBody>
+      </p:sp>
+      <p:sp>
+        <p:nvSpPr>
+          <p:cNvPr id="93" name="Hexagon 92">
+            <a:extLst>
+              <a:ext uri="{FF2B5EF4-FFF2-40B4-BE49-F238E27FC236}">
+                <a16:creationId xmlns:a16="http://schemas.microsoft.com/office/drawing/2014/main" id="{D34D6D92-F8CF-DFC4-8510-4CD2434E5DA4}"/>
+              </a:ext>
+            </a:extLst>
+          </p:cNvPr>
+          <p:cNvSpPr/>
+          <p:nvPr/>
+        </p:nvSpPr>
+        <p:spPr>
+          <a:xfrm>
+            <a:off x="716646" y="1623523"/>
+            <a:ext cx="744921" cy="642173"/>
+          </a:xfrm>
+          <a:prstGeom prst="hexagon">
+            <a:avLst/>
+          </a:prstGeom>
+          <a:noFill/>
+        </p:spPr>
+        <p:style>
+          <a:lnRef idx="2">
+            <a:schemeClr val="accent1">
+              <a:shade val="50000"/>
+            </a:schemeClr>
+          </a:lnRef>
+          <a:fillRef idx="1">
+            <a:schemeClr val="accent1"/>
+          </a:fillRef>
+          <a:effectRef idx="0">
+            <a:schemeClr val="accent1"/>
+          </a:effectRef>
+          <a:fontRef idx="minor">
+            <a:schemeClr val="lt1"/>
+          </a:fontRef>
+        </p:style>
+        <p:txBody>
+          <a:bodyPr lIns="0" tIns="0" rIns="0" bIns="0" rtlCol="0" anchor="ctr"/>
+          <a:lstStyle/>
+          <a:p>
+            <a:pPr algn="ctr"/>
+            <a:r>
+              <a:rPr lang="es-419" sz="1100" dirty="0" err="1">
+                <a:solidFill>
+                  <a:sysClr val="windowText" lastClr="000000"/>
+                </a:solidFill>
+              </a:rPr>
+              <a:t>Service</a:t>
+            </a:r>
+            <a:r>
+              <a:rPr lang="es-419" sz="1100" dirty="0">
+                <a:solidFill>
+                  <a:sysClr val="windowText" lastClr="000000"/>
+                </a:solidFill>
+              </a:rPr>
+              <a:t> A</a:t>
+            </a:r>
+          </a:p>
+        </p:txBody>
+      </p:sp>
+      <p:sp>
+        <p:nvSpPr>
+          <p:cNvPr id="94" name="Hexagon 93">
+            <a:extLst>
+              <a:ext uri="{FF2B5EF4-FFF2-40B4-BE49-F238E27FC236}">
+                <a16:creationId xmlns:a16="http://schemas.microsoft.com/office/drawing/2014/main" id="{28AB33AB-3967-7183-FAC8-B215FF22C254}"/>
+              </a:ext>
+            </a:extLst>
+          </p:cNvPr>
+          <p:cNvSpPr/>
+          <p:nvPr/>
+        </p:nvSpPr>
+        <p:spPr>
+          <a:xfrm>
+            <a:off x="1497846" y="1623523"/>
+            <a:ext cx="744921" cy="642173"/>
+          </a:xfrm>
+          <a:prstGeom prst="hexagon">
+            <a:avLst/>
+          </a:prstGeom>
+          <a:noFill/>
+        </p:spPr>
+        <p:style>
+          <a:lnRef idx="2">
+            <a:schemeClr val="accent1">
+              <a:shade val="50000"/>
+            </a:schemeClr>
+          </a:lnRef>
+          <a:fillRef idx="1">
+            <a:schemeClr val="accent1"/>
+          </a:fillRef>
+          <a:effectRef idx="0">
+            <a:schemeClr val="accent1"/>
+          </a:effectRef>
+          <a:fontRef idx="minor">
+            <a:schemeClr val="lt1"/>
+          </a:fontRef>
+        </p:style>
+        <p:txBody>
+          <a:bodyPr lIns="0" tIns="0" rIns="0" bIns="0" rtlCol="0" anchor="ctr"/>
+          <a:lstStyle/>
+          <a:p>
+            <a:pPr algn="ctr"/>
+            <a:r>
+              <a:rPr lang="es-419" sz="1100" dirty="0" err="1">
+                <a:solidFill>
+                  <a:sysClr val="windowText" lastClr="000000"/>
+                </a:solidFill>
+              </a:rPr>
+              <a:t>Service</a:t>
+            </a:r>
+            <a:r>
+              <a:rPr lang="es-419" sz="1100" dirty="0">
+                <a:solidFill>
+                  <a:sysClr val="windowText" lastClr="000000"/>
+                </a:solidFill>
+              </a:rPr>
+              <a:t> B</a:t>
+            </a:r>
+          </a:p>
+        </p:txBody>
+      </p:sp>
+      <p:sp>
+        <p:nvSpPr>
+          <p:cNvPr id="95" name="Hexagon 94">
+            <a:extLst>
+              <a:ext uri="{FF2B5EF4-FFF2-40B4-BE49-F238E27FC236}">
+                <a16:creationId xmlns:a16="http://schemas.microsoft.com/office/drawing/2014/main" id="{9BBD2358-A276-AB2B-101E-85D7841E0826}"/>
+              </a:ext>
+            </a:extLst>
+          </p:cNvPr>
+          <p:cNvSpPr/>
+          <p:nvPr/>
+        </p:nvSpPr>
+        <p:spPr>
+          <a:xfrm>
+            <a:off x="2292695" y="1623523"/>
+            <a:ext cx="744921" cy="642173"/>
+          </a:xfrm>
+          <a:prstGeom prst="hexagon">
+            <a:avLst/>
+          </a:prstGeom>
+          <a:noFill/>
+        </p:spPr>
+        <p:style>
+          <a:lnRef idx="2">
+            <a:schemeClr val="accent1">
+              <a:shade val="50000"/>
+            </a:schemeClr>
+          </a:lnRef>
+          <a:fillRef idx="1">
+            <a:schemeClr val="accent1"/>
+          </a:fillRef>
+          <a:effectRef idx="0">
+            <a:schemeClr val="accent1"/>
+          </a:effectRef>
+          <a:fontRef idx="minor">
+            <a:schemeClr val="lt1"/>
+          </a:fontRef>
+        </p:style>
+        <p:txBody>
+          <a:bodyPr lIns="0" tIns="0" rIns="0" bIns="0" rtlCol="0" anchor="ctr"/>
+          <a:lstStyle/>
+          <a:p>
+            <a:pPr algn="ctr"/>
+            <a:r>
+              <a:rPr lang="es-419" sz="1100" dirty="0" err="1">
+                <a:solidFill>
+                  <a:sysClr val="windowText" lastClr="000000"/>
+                </a:solidFill>
+              </a:rPr>
+              <a:t>Service</a:t>
+            </a:r>
+            <a:r>
+              <a:rPr lang="es-419" sz="1100" dirty="0">
+                <a:solidFill>
+                  <a:sysClr val="windowText" lastClr="000000"/>
+                </a:solidFill>
+              </a:rPr>
+              <a:t>  C</a:t>
+            </a:r>
+          </a:p>
+        </p:txBody>
+      </p:sp>
+      <p:sp>
+        <p:nvSpPr>
+          <p:cNvPr id="96" name="Hexagon 95">
+            <a:extLst>
+              <a:ext uri="{FF2B5EF4-FFF2-40B4-BE49-F238E27FC236}">
+                <a16:creationId xmlns:a16="http://schemas.microsoft.com/office/drawing/2014/main" id="{55B8ED50-E85E-C111-F70B-85173D8E94E9}"/>
+              </a:ext>
+            </a:extLst>
+          </p:cNvPr>
+          <p:cNvSpPr/>
+          <p:nvPr/>
+        </p:nvSpPr>
+        <p:spPr>
+          <a:xfrm>
+            <a:off x="3083204" y="1623523"/>
+            <a:ext cx="744921" cy="642173"/>
+          </a:xfrm>
+          <a:prstGeom prst="hexagon">
+            <a:avLst/>
+          </a:prstGeom>
+          <a:noFill/>
+        </p:spPr>
+        <p:style>
+          <a:lnRef idx="2">
+            <a:schemeClr val="accent1">
+              <a:shade val="50000"/>
+            </a:schemeClr>
+          </a:lnRef>
+          <a:fillRef idx="1">
+            <a:schemeClr val="accent1"/>
+          </a:fillRef>
+          <a:effectRef idx="0">
+            <a:schemeClr val="accent1"/>
+          </a:effectRef>
+          <a:fontRef idx="minor">
+            <a:schemeClr val="lt1"/>
+          </a:fontRef>
+        </p:style>
+        <p:txBody>
+          <a:bodyPr lIns="0" tIns="0" rIns="0" bIns="0" rtlCol="0" anchor="ctr"/>
+          <a:lstStyle/>
+          <a:p>
+            <a:pPr algn="ctr"/>
+            <a:r>
+              <a:rPr lang="es-419" sz="1100" dirty="0" err="1">
+                <a:solidFill>
+                  <a:sysClr val="windowText" lastClr="000000"/>
+                </a:solidFill>
+              </a:rPr>
+              <a:t>Service</a:t>
+            </a:r>
+            <a:r>
+              <a:rPr lang="es-419" sz="1100" dirty="0">
+                <a:solidFill>
+                  <a:sysClr val="windowText" lastClr="000000"/>
+                </a:solidFill>
+              </a:rPr>
+              <a:t> D</a:t>
+            </a:r>
+          </a:p>
+        </p:txBody>
+      </p:sp>
+      <p:sp>
+        <p:nvSpPr>
+          <p:cNvPr id="97" name="Hexagon 96">
+            <a:extLst>
+              <a:ext uri="{FF2B5EF4-FFF2-40B4-BE49-F238E27FC236}">
+                <a16:creationId xmlns:a16="http://schemas.microsoft.com/office/drawing/2014/main" id="{4C22B7E6-44D4-8871-5302-1B9FA7835C7D}"/>
+              </a:ext>
+            </a:extLst>
+          </p:cNvPr>
+          <p:cNvSpPr/>
+          <p:nvPr/>
+        </p:nvSpPr>
+        <p:spPr>
+          <a:xfrm>
+            <a:off x="716646" y="2581991"/>
+            <a:ext cx="744921" cy="642173"/>
+          </a:xfrm>
+          <a:prstGeom prst="hexagon">
+            <a:avLst/>
+          </a:prstGeom>
+          <a:noFill/>
+        </p:spPr>
+        <p:style>
+          <a:lnRef idx="2">
+            <a:schemeClr val="accent1">
+              <a:shade val="50000"/>
+            </a:schemeClr>
+          </a:lnRef>
+          <a:fillRef idx="1">
+            <a:schemeClr val="accent1"/>
+          </a:fillRef>
+          <a:effectRef idx="0">
+            <a:schemeClr val="accent1"/>
+          </a:effectRef>
+          <a:fontRef idx="minor">
+            <a:schemeClr val="lt1"/>
+          </a:fontRef>
+        </p:style>
+        <p:txBody>
+          <a:bodyPr lIns="0" tIns="0" rIns="0" bIns="0" rtlCol="0" anchor="ctr"/>
+          <a:lstStyle/>
+          <a:p>
+            <a:pPr algn="ctr"/>
+            <a:r>
+              <a:rPr lang="es-419" sz="1100" dirty="0" err="1">
+                <a:solidFill>
+                  <a:sysClr val="windowText" lastClr="000000"/>
+                </a:solidFill>
+              </a:rPr>
+              <a:t>Service</a:t>
+            </a:r>
+            <a:r>
+              <a:rPr lang="es-419" sz="1100" dirty="0">
+                <a:solidFill>
+                  <a:sysClr val="windowText" lastClr="000000"/>
+                </a:solidFill>
+              </a:rPr>
+              <a:t> A’</a:t>
+            </a:r>
+          </a:p>
+        </p:txBody>
+      </p:sp>
+      <p:sp>
+        <p:nvSpPr>
+          <p:cNvPr id="98" name="Hexagon 97">
+            <a:extLst>
+              <a:ext uri="{FF2B5EF4-FFF2-40B4-BE49-F238E27FC236}">
+                <a16:creationId xmlns:a16="http://schemas.microsoft.com/office/drawing/2014/main" id="{D321DF07-79E6-D33A-95B5-9216B0EC4C17}"/>
+              </a:ext>
+            </a:extLst>
+          </p:cNvPr>
+          <p:cNvSpPr/>
+          <p:nvPr/>
+        </p:nvSpPr>
+        <p:spPr>
+          <a:xfrm>
+            <a:off x="1497846" y="2581991"/>
+            <a:ext cx="744921" cy="642173"/>
+          </a:xfrm>
+          <a:prstGeom prst="hexagon">
+            <a:avLst/>
+          </a:prstGeom>
+          <a:noFill/>
+        </p:spPr>
+        <p:style>
+          <a:lnRef idx="2">
+            <a:schemeClr val="accent1">
+              <a:shade val="50000"/>
+            </a:schemeClr>
+          </a:lnRef>
+          <a:fillRef idx="1">
+            <a:schemeClr val="accent1"/>
+          </a:fillRef>
+          <a:effectRef idx="0">
+            <a:schemeClr val="accent1"/>
+          </a:effectRef>
+          <a:fontRef idx="minor">
+            <a:schemeClr val="lt1"/>
+          </a:fontRef>
+        </p:style>
+        <p:txBody>
+          <a:bodyPr lIns="0" tIns="0" rIns="0" bIns="0" rtlCol="0" anchor="ctr"/>
+          <a:lstStyle/>
+          <a:p>
+            <a:pPr algn="ctr"/>
+            <a:r>
+              <a:rPr lang="es-419" sz="1100" dirty="0" err="1">
+                <a:solidFill>
+                  <a:sysClr val="windowText" lastClr="000000"/>
+                </a:solidFill>
+              </a:rPr>
+              <a:t>Service</a:t>
+            </a:r>
+            <a:r>
+              <a:rPr lang="es-419" sz="1100" dirty="0">
+                <a:solidFill>
+                  <a:sysClr val="windowText" lastClr="000000"/>
+                </a:solidFill>
+              </a:rPr>
+              <a:t> B’</a:t>
+            </a:r>
+          </a:p>
+        </p:txBody>
+      </p:sp>
+      <p:sp>
+        <p:nvSpPr>
+          <p:cNvPr id="99" name="Hexagon 98">
+            <a:extLst>
+              <a:ext uri="{FF2B5EF4-FFF2-40B4-BE49-F238E27FC236}">
+                <a16:creationId xmlns:a16="http://schemas.microsoft.com/office/drawing/2014/main" id="{14439E0B-BF56-8F2B-2CD0-BEF4A9D32AB6}"/>
+              </a:ext>
+            </a:extLst>
+          </p:cNvPr>
+          <p:cNvSpPr/>
+          <p:nvPr/>
+        </p:nvSpPr>
+        <p:spPr>
+          <a:xfrm>
+            <a:off x="2292695" y="2581991"/>
+            <a:ext cx="744921" cy="642173"/>
+          </a:xfrm>
+          <a:prstGeom prst="hexagon">
+            <a:avLst/>
+          </a:prstGeom>
+          <a:noFill/>
+        </p:spPr>
+        <p:style>
+          <a:lnRef idx="2">
+            <a:schemeClr val="accent1">
+              <a:shade val="50000"/>
+            </a:schemeClr>
+          </a:lnRef>
+          <a:fillRef idx="1">
+            <a:schemeClr val="accent1"/>
+          </a:fillRef>
+          <a:effectRef idx="0">
+            <a:schemeClr val="accent1"/>
+          </a:effectRef>
+          <a:fontRef idx="minor">
+            <a:schemeClr val="lt1"/>
+          </a:fontRef>
+        </p:style>
+        <p:txBody>
+          <a:bodyPr lIns="0" tIns="0" rIns="0" bIns="0" rtlCol="0" anchor="ctr"/>
+          <a:lstStyle/>
+          <a:p>
+            <a:pPr algn="ctr"/>
+            <a:r>
+              <a:rPr lang="es-419" sz="1100" dirty="0" err="1">
+                <a:solidFill>
+                  <a:sysClr val="windowText" lastClr="000000"/>
+                </a:solidFill>
+              </a:rPr>
+              <a:t>Service</a:t>
+            </a:r>
+            <a:r>
+              <a:rPr lang="es-419" sz="1100" dirty="0">
+                <a:solidFill>
+                  <a:sysClr val="windowText" lastClr="000000"/>
+                </a:solidFill>
+              </a:rPr>
+              <a:t> C’</a:t>
+            </a:r>
+          </a:p>
+        </p:txBody>
+      </p:sp>
+      <p:sp>
+        <p:nvSpPr>
+          <p:cNvPr id="100" name="Hexagon 99">
+            <a:extLst>
+              <a:ext uri="{FF2B5EF4-FFF2-40B4-BE49-F238E27FC236}">
+                <a16:creationId xmlns:a16="http://schemas.microsoft.com/office/drawing/2014/main" id="{7C1AC169-03EB-3449-F084-2E81C9664CD9}"/>
+              </a:ext>
+            </a:extLst>
+          </p:cNvPr>
+          <p:cNvSpPr/>
+          <p:nvPr/>
+        </p:nvSpPr>
+        <p:spPr>
+          <a:xfrm>
+            <a:off x="3083204" y="2581991"/>
+            <a:ext cx="744921" cy="642173"/>
+          </a:xfrm>
+          <a:prstGeom prst="hexagon">
+            <a:avLst/>
+          </a:prstGeom>
+          <a:noFill/>
+        </p:spPr>
+        <p:style>
+          <a:lnRef idx="2">
+            <a:schemeClr val="accent1">
+              <a:shade val="50000"/>
+            </a:schemeClr>
+          </a:lnRef>
+          <a:fillRef idx="1">
+            <a:schemeClr val="accent1"/>
+          </a:fillRef>
+          <a:effectRef idx="0">
+            <a:schemeClr val="accent1"/>
+          </a:effectRef>
+          <a:fontRef idx="minor">
+            <a:schemeClr val="lt1"/>
+          </a:fontRef>
+        </p:style>
+        <p:txBody>
+          <a:bodyPr lIns="0" tIns="0" rIns="0" bIns="0" rtlCol="0" anchor="ctr"/>
+          <a:lstStyle/>
+          <a:p>
+            <a:pPr algn="ctr"/>
+            <a:r>
+              <a:rPr lang="es-419" sz="1100" dirty="0" err="1">
+                <a:solidFill>
+                  <a:sysClr val="windowText" lastClr="000000"/>
+                </a:solidFill>
+              </a:rPr>
+              <a:t>Service</a:t>
+            </a:r>
+            <a:r>
+              <a:rPr lang="es-419" sz="1100" dirty="0">
+                <a:solidFill>
+                  <a:sysClr val="windowText" lastClr="000000"/>
+                </a:solidFill>
+              </a:rPr>
+              <a:t> D’</a:t>
+            </a:r>
+          </a:p>
+        </p:txBody>
+      </p:sp>
+      <p:sp>
+        <p:nvSpPr>
+          <p:cNvPr id="101" name="Scroll: Vertical 100">
+            <a:extLst>
+              <a:ext uri="{FF2B5EF4-FFF2-40B4-BE49-F238E27FC236}">
+                <a16:creationId xmlns:a16="http://schemas.microsoft.com/office/drawing/2014/main" id="{342F88AF-14FA-0A71-07D1-E9B457605DF3}"/>
+              </a:ext>
+            </a:extLst>
+          </p:cNvPr>
+          <p:cNvSpPr/>
+          <p:nvPr/>
+        </p:nvSpPr>
+        <p:spPr>
+          <a:xfrm>
+            <a:off x="826266" y="2175964"/>
+            <a:ext cx="157980" cy="165253"/>
+          </a:xfrm>
+          <a:prstGeom prst="verticalScroll">
+            <a:avLst/>
+          </a:prstGeom>
+          <a:noFill/>
+        </p:spPr>
+        <p:style>
+          <a:lnRef idx="2">
+            <a:schemeClr val="accent1">
+              <a:shade val="50000"/>
+            </a:schemeClr>
+          </a:lnRef>
+          <a:fillRef idx="1">
+            <a:schemeClr val="accent1"/>
+          </a:fillRef>
+          <a:effectRef idx="0">
+            <a:schemeClr val="accent1"/>
+          </a:effectRef>
+          <a:fontRef idx="minor">
+            <a:schemeClr val="lt1"/>
+          </a:fontRef>
+        </p:style>
+        <p:txBody>
+          <a:bodyPr rtlCol="0" anchor="ctr"/>
+          <a:lstStyle/>
+          <a:p>
+            <a:pPr algn="ctr"/>
+            <a:endParaRPr lang="es-419"/>
+          </a:p>
+        </p:txBody>
+      </p:sp>
+      <p:sp>
+        <p:nvSpPr>
+          <p:cNvPr id="102" name="Scroll: Vertical 101">
+            <a:extLst>
+              <a:ext uri="{FF2B5EF4-FFF2-40B4-BE49-F238E27FC236}">
+                <a16:creationId xmlns:a16="http://schemas.microsoft.com/office/drawing/2014/main" id="{79BDACFB-5C59-0BB3-FF81-28496C23966D}"/>
+              </a:ext>
+            </a:extLst>
+          </p:cNvPr>
+          <p:cNvSpPr/>
+          <p:nvPr/>
+        </p:nvSpPr>
+        <p:spPr>
+          <a:xfrm>
+            <a:off x="1552656" y="2175964"/>
+            <a:ext cx="157980" cy="165253"/>
+          </a:xfrm>
+          <a:prstGeom prst="verticalScroll">
+            <a:avLst/>
+          </a:prstGeom>
+          <a:noFill/>
+        </p:spPr>
+        <p:style>
+          <a:lnRef idx="2">
+            <a:schemeClr val="accent1">
+              <a:shade val="50000"/>
+            </a:schemeClr>
+          </a:lnRef>
+          <a:fillRef idx="1">
+            <a:schemeClr val="accent1"/>
+          </a:fillRef>
+          <a:effectRef idx="0">
+            <a:schemeClr val="accent1"/>
+          </a:effectRef>
+          <a:fontRef idx="minor">
+            <a:schemeClr val="lt1"/>
+          </a:fontRef>
+        </p:style>
+        <p:txBody>
+          <a:bodyPr rtlCol="0" anchor="ctr"/>
+          <a:lstStyle/>
+          <a:p>
+            <a:pPr algn="ctr"/>
+            <a:endParaRPr lang="es-419"/>
+          </a:p>
+        </p:txBody>
+      </p:sp>
+      <p:sp>
+        <p:nvSpPr>
+          <p:cNvPr id="103" name="Scroll: Vertical 102">
+            <a:extLst>
+              <a:ext uri="{FF2B5EF4-FFF2-40B4-BE49-F238E27FC236}">
+                <a16:creationId xmlns:a16="http://schemas.microsoft.com/office/drawing/2014/main" id="{897E1CBD-02FD-0F00-4513-C2E3704029F0}"/>
+              </a:ext>
+            </a:extLst>
+          </p:cNvPr>
+          <p:cNvSpPr/>
+          <p:nvPr/>
+        </p:nvSpPr>
+        <p:spPr>
+          <a:xfrm>
+            <a:off x="2347505" y="2175964"/>
+            <a:ext cx="157980" cy="165253"/>
+          </a:xfrm>
+          <a:prstGeom prst="verticalScroll">
+            <a:avLst/>
+          </a:prstGeom>
+          <a:noFill/>
+        </p:spPr>
+        <p:style>
+          <a:lnRef idx="2">
+            <a:schemeClr val="accent1">
+              <a:shade val="50000"/>
+            </a:schemeClr>
+          </a:lnRef>
+          <a:fillRef idx="1">
+            <a:schemeClr val="accent1"/>
+          </a:fillRef>
+          <a:effectRef idx="0">
+            <a:schemeClr val="accent1"/>
+          </a:effectRef>
+          <a:fontRef idx="minor">
+            <a:schemeClr val="lt1"/>
+          </a:fontRef>
+        </p:style>
+        <p:txBody>
+          <a:bodyPr rtlCol="0" anchor="ctr"/>
+          <a:lstStyle/>
+          <a:p>
+            <a:pPr algn="ctr"/>
+            <a:endParaRPr lang="es-419"/>
+          </a:p>
+        </p:txBody>
+      </p:sp>
+      <p:sp>
+        <p:nvSpPr>
+          <p:cNvPr id="104" name="Scroll: Vertical 103">
+            <a:extLst>
+              <a:ext uri="{FF2B5EF4-FFF2-40B4-BE49-F238E27FC236}">
+                <a16:creationId xmlns:a16="http://schemas.microsoft.com/office/drawing/2014/main" id="{A385869A-91B3-71DB-15A3-77C426281A5A}"/>
+              </a:ext>
+            </a:extLst>
+          </p:cNvPr>
+          <p:cNvSpPr/>
+          <p:nvPr/>
+        </p:nvSpPr>
+        <p:spPr>
+          <a:xfrm>
+            <a:off x="3173212" y="2175964"/>
+            <a:ext cx="157980" cy="165253"/>
+          </a:xfrm>
+          <a:prstGeom prst="verticalScroll">
+            <a:avLst/>
+          </a:prstGeom>
+          <a:noFill/>
+        </p:spPr>
+        <p:style>
+          <a:lnRef idx="2">
+            <a:schemeClr val="accent1">
+              <a:shade val="50000"/>
+            </a:schemeClr>
+          </a:lnRef>
+          <a:fillRef idx="1">
+            <a:schemeClr val="accent1"/>
+          </a:fillRef>
+          <a:effectRef idx="0">
+            <a:schemeClr val="accent1"/>
+          </a:effectRef>
+          <a:fontRef idx="minor">
+            <a:schemeClr val="lt1"/>
+          </a:fontRef>
+        </p:style>
+        <p:txBody>
+          <a:bodyPr rtlCol="0" anchor="ctr"/>
+          <a:lstStyle/>
+          <a:p>
+            <a:pPr algn="ctr"/>
+            <a:endParaRPr lang="es-419"/>
+          </a:p>
+        </p:txBody>
+      </p:sp>
+      <p:sp>
+        <p:nvSpPr>
+          <p:cNvPr id="105" name="Scroll: Vertical 104">
+            <a:extLst>
+              <a:ext uri="{FF2B5EF4-FFF2-40B4-BE49-F238E27FC236}">
+                <a16:creationId xmlns:a16="http://schemas.microsoft.com/office/drawing/2014/main" id="{33FE6943-5B9B-2D8E-1352-2ACDE0C566DC}"/>
+              </a:ext>
+            </a:extLst>
+          </p:cNvPr>
+          <p:cNvSpPr/>
+          <p:nvPr/>
+        </p:nvSpPr>
+        <p:spPr>
+          <a:xfrm>
+            <a:off x="826266" y="3141537"/>
+            <a:ext cx="157980" cy="165253"/>
+          </a:xfrm>
+          <a:prstGeom prst="verticalScroll">
+            <a:avLst/>
+          </a:prstGeom>
+          <a:noFill/>
+        </p:spPr>
+        <p:style>
+          <a:lnRef idx="2">
+            <a:schemeClr val="accent1">
+              <a:shade val="50000"/>
+            </a:schemeClr>
+          </a:lnRef>
+          <a:fillRef idx="1">
+            <a:schemeClr val="accent1"/>
+          </a:fillRef>
+          <a:effectRef idx="0">
+            <a:schemeClr val="accent1"/>
+          </a:effectRef>
+          <a:fontRef idx="minor">
+            <a:schemeClr val="lt1"/>
+          </a:fontRef>
+        </p:style>
+        <p:txBody>
+          <a:bodyPr rtlCol="0" anchor="ctr"/>
+          <a:lstStyle/>
+          <a:p>
+            <a:pPr algn="ctr"/>
+            <a:endParaRPr lang="es-419"/>
+          </a:p>
+        </p:txBody>
+      </p:sp>
+      <p:sp>
+        <p:nvSpPr>
+          <p:cNvPr id="106" name="Scroll: Vertical 105">
+            <a:extLst>
+              <a:ext uri="{FF2B5EF4-FFF2-40B4-BE49-F238E27FC236}">
+                <a16:creationId xmlns:a16="http://schemas.microsoft.com/office/drawing/2014/main" id="{DE62B892-B7B1-0FF8-D737-D3E02BD83462}"/>
+              </a:ext>
+            </a:extLst>
+          </p:cNvPr>
+          <p:cNvSpPr/>
+          <p:nvPr/>
+        </p:nvSpPr>
+        <p:spPr>
+          <a:xfrm>
+            <a:off x="1552656" y="3141537"/>
+            <a:ext cx="157980" cy="165253"/>
+          </a:xfrm>
+          <a:prstGeom prst="verticalScroll">
+            <a:avLst/>
+          </a:prstGeom>
+          <a:noFill/>
+        </p:spPr>
+        <p:style>
+          <a:lnRef idx="2">
+            <a:schemeClr val="accent1">
+              <a:shade val="50000"/>
+            </a:schemeClr>
+          </a:lnRef>
+          <a:fillRef idx="1">
+            <a:schemeClr val="accent1"/>
+          </a:fillRef>
+          <a:effectRef idx="0">
+            <a:schemeClr val="accent1"/>
+          </a:effectRef>
+          <a:fontRef idx="minor">
+            <a:schemeClr val="lt1"/>
+          </a:fontRef>
+        </p:style>
+        <p:txBody>
+          <a:bodyPr rtlCol="0" anchor="ctr"/>
+          <a:lstStyle/>
+          <a:p>
+            <a:pPr algn="ctr"/>
+            <a:endParaRPr lang="es-419"/>
+          </a:p>
+        </p:txBody>
+      </p:sp>
+      <p:sp>
+        <p:nvSpPr>
+          <p:cNvPr id="107" name="Scroll: Vertical 106">
+            <a:extLst>
+              <a:ext uri="{FF2B5EF4-FFF2-40B4-BE49-F238E27FC236}">
+                <a16:creationId xmlns:a16="http://schemas.microsoft.com/office/drawing/2014/main" id="{AB6FB062-24B1-8C4F-A4EF-04910C247102}"/>
+              </a:ext>
+            </a:extLst>
+          </p:cNvPr>
+          <p:cNvSpPr/>
+          <p:nvPr/>
+        </p:nvSpPr>
+        <p:spPr>
+          <a:xfrm>
+            <a:off x="2347505" y="3141537"/>
+            <a:ext cx="157980" cy="165253"/>
+          </a:xfrm>
+          <a:prstGeom prst="verticalScroll">
+            <a:avLst/>
+          </a:prstGeom>
+          <a:noFill/>
+        </p:spPr>
+        <p:style>
+          <a:lnRef idx="2">
+            <a:schemeClr val="accent1">
+              <a:shade val="50000"/>
+            </a:schemeClr>
+          </a:lnRef>
+          <a:fillRef idx="1">
+            <a:schemeClr val="accent1"/>
+          </a:fillRef>
+          <a:effectRef idx="0">
+            <a:schemeClr val="accent1"/>
+          </a:effectRef>
+          <a:fontRef idx="minor">
+            <a:schemeClr val="lt1"/>
+          </a:fontRef>
+        </p:style>
+        <p:txBody>
+          <a:bodyPr rtlCol="0" anchor="ctr"/>
+          <a:lstStyle/>
+          <a:p>
+            <a:pPr algn="ctr"/>
+            <a:endParaRPr lang="es-419"/>
+          </a:p>
+        </p:txBody>
+      </p:sp>
+      <p:sp>
+        <p:nvSpPr>
+          <p:cNvPr id="108" name="Scroll: Vertical 107">
+            <a:extLst>
+              <a:ext uri="{FF2B5EF4-FFF2-40B4-BE49-F238E27FC236}">
+                <a16:creationId xmlns:a16="http://schemas.microsoft.com/office/drawing/2014/main" id="{E4C073F8-A6FC-7E9D-4B66-D63AE78A3205}"/>
+              </a:ext>
+            </a:extLst>
+          </p:cNvPr>
+          <p:cNvSpPr/>
+          <p:nvPr/>
+        </p:nvSpPr>
+        <p:spPr>
+          <a:xfrm>
+            <a:off x="3173212" y="3141537"/>
+            <a:ext cx="157980" cy="165253"/>
+          </a:xfrm>
+          <a:prstGeom prst="verticalScroll">
+            <a:avLst/>
+          </a:prstGeom>
+          <a:noFill/>
+        </p:spPr>
+        <p:style>
+          <a:lnRef idx="2">
+            <a:schemeClr val="accent1">
+              <a:shade val="50000"/>
+            </a:schemeClr>
+          </a:lnRef>
+          <a:fillRef idx="1">
+            <a:schemeClr val="accent1"/>
+          </a:fillRef>
+          <a:effectRef idx="0">
+            <a:schemeClr val="accent1"/>
+          </a:effectRef>
+          <a:fontRef idx="minor">
+            <a:schemeClr val="lt1"/>
+          </a:fontRef>
+        </p:style>
+        <p:txBody>
+          <a:bodyPr rtlCol="0" anchor="ctr"/>
+          <a:lstStyle/>
+          <a:p>
+            <a:pPr algn="ctr"/>
+            <a:endParaRPr lang="es-419"/>
+          </a:p>
+        </p:txBody>
+      </p:sp>
+      <p:sp>
+        <p:nvSpPr>
+          <p:cNvPr id="109" name="Hexagon 108">
+            <a:extLst>
+              <a:ext uri="{FF2B5EF4-FFF2-40B4-BE49-F238E27FC236}">
+                <a16:creationId xmlns:a16="http://schemas.microsoft.com/office/drawing/2014/main" id="{39D37FCD-9EF2-7DC2-216F-F70753AB1677}"/>
+              </a:ext>
+            </a:extLst>
+          </p:cNvPr>
+          <p:cNvSpPr/>
+          <p:nvPr/>
+        </p:nvSpPr>
+        <p:spPr>
+          <a:xfrm>
+            <a:off x="4808030" y="1623523"/>
+            <a:ext cx="744921" cy="642173"/>
+          </a:xfrm>
+          <a:prstGeom prst="hexagon">
+            <a:avLst/>
+          </a:prstGeom>
+          <a:noFill/>
+        </p:spPr>
+        <p:style>
+          <a:lnRef idx="2">
+            <a:schemeClr val="accent1">
+              <a:shade val="50000"/>
+            </a:schemeClr>
+          </a:lnRef>
+          <a:fillRef idx="1">
+            <a:schemeClr val="accent1"/>
+          </a:fillRef>
+          <a:effectRef idx="0">
+            <a:schemeClr val="accent1"/>
+          </a:effectRef>
+          <a:fontRef idx="minor">
+            <a:schemeClr val="lt1"/>
+          </a:fontRef>
+        </p:style>
+        <p:txBody>
+          <a:bodyPr lIns="0" tIns="0" rIns="0" bIns="0" rtlCol="0" anchor="ctr"/>
+          <a:lstStyle/>
+          <a:p>
+            <a:pPr algn="ctr"/>
+            <a:r>
+              <a:rPr lang="es-419" sz="1100" dirty="0" err="1">
+                <a:solidFill>
+                  <a:sysClr val="windowText" lastClr="000000"/>
+                </a:solidFill>
+              </a:rPr>
+              <a:t>Service</a:t>
+            </a:r>
+            <a:r>
+              <a:rPr lang="es-419" sz="1100" dirty="0">
+                <a:solidFill>
+                  <a:sysClr val="windowText" lastClr="000000"/>
+                </a:solidFill>
+              </a:rPr>
+              <a:t> A</a:t>
+            </a:r>
+          </a:p>
+        </p:txBody>
+      </p:sp>
+      <p:sp>
+        <p:nvSpPr>
+          <p:cNvPr id="110" name="Hexagon 109">
+            <a:extLst>
+              <a:ext uri="{FF2B5EF4-FFF2-40B4-BE49-F238E27FC236}">
+                <a16:creationId xmlns:a16="http://schemas.microsoft.com/office/drawing/2014/main" id="{1268C0C8-493B-F2A1-B53E-737023615C77}"/>
+              </a:ext>
+            </a:extLst>
+          </p:cNvPr>
+          <p:cNvSpPr/>
+          <p:nvPr/>
+        </p:nvSpPr>
+        <p:spPr>
+          <a:xfrm>
+            <a:off x="5588236" y="1623523"/>
+            <a:ext cx="744921" cy="642173"/>
+          </a:xfrm>
+          <a:prstGeom prst="hexagon">
+            <a:avLst/>
+          </a:prstGeom>
+          <a:noFill/>
+        </p:spPr>
+        <p:style>
+          <a:lnRef idx="2">
+            <a:schemeClr val="accent1">
+              <a:shade val="50000"/>
+            </a:schemeClr>
+          </a:lnRef>
+          <a:fillRef idx="1">
+            <a:schemeClr val="accent1"/>
+          </a:fillRef>
+          <a:effectRef idx="0">
+            <a:schemeClr val="accent1"/>
+          </a:effectRef>
+          <a:fontRef idx="minor">
+            <a:schemeClr val="lt1"/>
+          </a:fontRef>
+        </p:style>
+        <p:txBody>
+          <a:bodyPr lIns="0" tIns="0" rIns="0" bIns="0" rtlCol="0" anchor="ctr"/>
+          <a:lstStyle/>
+          <a:p>
+            <a:pPr algn="ctr"/>
+            <a:r>
+              <a:rPr lang="es-419" sz="1100" dirty="0" err="1">
+                <a:solidFill>
+                  <a:sysClr val="windowText" lastClr="000000"/>
+                </a:solidFill>
+              </a:rPr>
+              <a:t>Service</a:t>
+            </a:r>
+            <a:r>
+              <a:rPr lang="es-419" sz="1100" dirty="0">
+                <a:solidFill>
+                  <a:sysClr val="windowText" lastClr="000000"/>
+                </a:solidFill>
+              </a:rPr>
+              <a:t> B</a:t>
+            </a:r>
+          </a:p>
+        </p:txBody>
+      </p:sp>
+      <p:sp>
+        <p:nvSpPr>
+          <p:cNvPr id="111" name="Hexagon 110">
+            <a:extLst>
+              <a:ext uri="{FF2B5EF4-FFF2-40B4-BE49-F238E27FC236}">
+                <a16:creationId xmlns:a16="http://schemas.microsoft.com/office/drawing/2014/main" id="{5332E640-9301-CC13-E510-006A85332BC3}"/>
+              </a:ext>
+            </a:extLst>
+          </p:cNvPr>
+          <p:cNvSpPr/>
+          <p:nvPr/>
+        </p:nvSpPr>
+        <p:spPr>
+          <a:xfrm>
+            <a:off x="6383370" y="1623523"/>
+            <a:ext cx="744921" cy="642173"/>
+          </a:xfrm>
+          <a:prstGeom prst="hexagon">
+            <a:avLst/>
+          </a:prstGeom>
+          <a:noFill/>
+        </p:spPr>
+        <p:style>
+          <a:lnRef idx="2">
+            <a:schemeClr val="accent1">
+              <a:shade val="50000"/>
+            </a:schemeClr>
+          </a:lnRef>
+          <a:fillRef idx="1">
+            <a:schemeClr val="accent1"/>
+          </a:fillRef>
+          <a:effectRef idx="0">
+            <a:schemeClr val="accent1"/>
+          </a:effectRef>
+          <a:fontRef idx="minor">
+            <a:schemeClr val="lt1"/>
+          </a:fontRef>
+        </p:style>
+        <p:txBody>
+          <a:bodyPr lIns="0" tIns="0" rIns="0" bIns="0" rtlCol="0" anchor="ctr"/>
+          <a:lstStyle/>
+          <a:p>
+            <a:pPr algn="ctr"/>
+            <a:r>
+              <a:rPr lang="es-419" sz="1100" dirty="0" err="1">
+                <a:solidFill>
+                  <a:sysClr val="windowText" lastClr="000000"/>
+                </a:solidFill>
+              </a:rPr>
+              <a:t>Service</a:t>
+            </a:r>
+            <a:r>
+              <a:rPr lang="es-419" sz="1100" dirty="0">
+                <a:solidFill>
+                  <a:sysClr val="windowText" lastClr="000000"/>
+                </a:solidFill>
+              </a:rPr>
+              <a:t>  C</a:t>
+            </a:r>
+          </a:p>
+        </p:txBody>
+      </p:sp>
+      <p:sp>
+        <p:nvSpPr>
+          <p:cNvPr id="112" name="Hexagon 111">
+            <a:extLst>
+              <a:ext uri="{FF2B5EF4-FFF2-40B4-BE49-F238E27FC236}">
+                <a16:creationId xmlns:a16="http://schemas.microsoft.com/office/drawing/2014/main" id="{9B0A2F99-8E41-B196-1613-3DB879CB9673}"/>
+              </a:ext>
+            </a:extLst>
+          </p:cNvPr>
+          <p:cNvSpPr/>
+          <p:nvPr/>
+        </p:nvSpPr>
+        <p:spPr>
+          <a:xfrm>
+            <a:off x="7167277" y="1623523"/>
+            <a:ext cx="744921" cy="642173"/>
+          </a:xfrm>
+          <a:prstGeom prst="hexagon">
+            <a:avLst/>
+          </a:prstGeom>
+          <a:noFill/>
+        </p:spPr>
+        <p:style>
+          <a:lnRef idx="2">
+            <a:schemeClr val="accent1">
+              <a:shade val="50000"/>
+            </a:schemeClr>
+          </a:lnRef>
+          <a:fillRef idx="1">
+            <a:schemeClr val="accent1"/>
+          </a:fillRef>
+          <a:effectRef idx="0">
+            <a:schemeClr val="accent1"/>
+          </a:effectRef>
+          <a:fontRef idx="minor">
+            <a:schemeClr val="lt1"/>
+          </a:fontRef>
+        </p:style>
+        <p:txBody>
+          <a:bodyPr lIns="0" tIns="0" rIns="0" bIns="0" rtlCol="0" anchor="ctr"/>
+          <a:lstStyle/>
+          <a:p>
+            <a:pPr algn="ctr"/>
+            <a:r>
+              <a:rPr lang="es-419" sz="1100" dirty="0" err="1">
+                <a:solidFill>
+                  <a:sysClr val="windowText" lastClr="000000"/>
+                </a:solidFill>
+              </a:rPr>
+              <a:t>Service</a:t>
+            </a:r>
+            <a:r>
+              <a:rPr lang="es-419" sz="1100" dirty="0">
+                <a:solidFill>
+                  <a:sysClr val="windowText" lastClr="000000"/>
+                </a:solidFill>
+              </a:rPr>
+              <a:t> D</a:t>
+            </a:r>
+          </a:p>
+        </p:txBody>
+      </p:sp>
+      <p:sp>
+        <p:nvSpPr>
+          <p:cNvPr id="113" name="Hexagon 112">
+            <a:extLst>
+              <a:ext uri="{FF2B5EF4-FFF2-40B4-BE49-F238E27FC236}">
+                <a16:creationId xmlns:a16="http://schemas.microsoft.com/office/drawing/2014/main" id="{0637036B-3223-FCDD-41C3-ED053157AB48}"/>
+              </a:ext>
+            </a:extLst>
+          </p:cNvPr>
+          <p:cNvSpPr/>
+          <p:nvPr/>
+        </p:nvSpPr>
+        <p:spPr>
+          <a:xfrm>
+            <a:off x="4808030" y="2581991"/>
+            <a:ext cx="744921" cy="642173"/>
+          </a:xfrm>
+          <a:prstGeom prst="hexagon">
+            <a:avLst/>
+          </a:prstGeom>
+          <a:noFill/>
+        </p:spPr>
+        <p:style>
+          <a:lnRef idx="2">
+            <a:schemeClr val="accent1">
+              <a:shade val="50000"/>
+            </a:schemeClr>
+          </a:lnRef>
+          <a:fillRef idx="1">
+            <a:schemeClr val="accent1"/>
+          </a:fillRef>
+          <a:effectRef idx="0">
+            <a:schemeClr val="accent1"/>
+          </a:effectRef>
+          <a:fontRef idx="minor">
+            <a:schemeClr val="lt1"/>
+          </a:fontRef>
+        </p:style>
+        <p:txBody>
+          <a:bodyPr lIns="0" tIns="0" rIns="0" bIns="0" rtlCol="0" anchor="ctr"/>
+          <a:lstStyle/>
+          <a:p>
+            <a:pPr algn="ctr"/>
+            <a:r>
+              <a:rPr lang="es-419" sz="1100" dirty="0" err="1">
+                <a:solidFill>
+                  <a:sysClr val="windowText" lastClr="000000"/>
+                </a:solidFill>
+              </a:rPr>
+              <a:t>Service</a:t>
+            </a:r>
+            <a:r>
+              <a:rPr lang="es-419" sz="1100" dirty="0">
+                <a:solidFill>
+                  <a:sysClr val="windowText" lastClr="000000"/>
+                </a:solidFill>
+              </a:rPr>
+              <a:t> A’</a:t>
+            </a:r>
+          </a:p>
+        </p:txBody>
+      </p:sp>
+      <p:sp>
+        <p:nvSpPr>
+          <p:cNvPr id="114" name="Hexagon 113">
+            <a:extLst>
+              <a:ext uri="{FF2B5EF4-FFF2-40B4-BE49-F238E27FC236}">
+                <a16:creationId xmlns:a16="http://schemas.microsoft.com/office/drawing/2014/main" id="{029C3F80-7039-FA49-BC88-8F2546F3B5BF}"/>
+              </a:ext>
+            </a:extLst>
+          </p:cNvPr>
+          <p:cNvSpPr/>
+          <p:nvPr/>
+        </p:nvSpPr>
+        <p:spPr>
+          <a:xfrm>
+            <a:off x="5588236" y="2581991"/>
+            <a:ext cx="744921" cy="642173"/>
+          </a:xfrm>
+          <a:prstGeom prst="hexagon">
+            <a:avLst/>
+          </a:prstGeom>
+          <a:noFill/>
+        </p:spPr>
+        <p:style>
+          <a:lnRef idx="2">
+            <a:schemeClr val="accent1">
+              <a:shade val="50000"/>
+            </a:schemeClr>
+          </a:lnRef>
+          <a:fillRef idx="1">
+            <a:schemeClr val="accent1"/>
+          </a:fillRef>
+          <a:effectRef idx="0">
+            <a:schemeClr val="accent1"/>
+          </a:effectRef>
+          <a:fontRef idx="minor">
+            <a:schemeClr val="lt1"/>
+          </a:fontRef>
+        </p:style>
+        <p:txBody>
+          <a:bodyPr lIns="0" tIns="0" rIns="0" bIns="0" rtlCol="0" anchor="ctr"/>
+          <a:lstStyle/>
+          <a:p>
+            <a:pPr algn="ctr"/>
+            <a:r>
+              <a:rPr lang="es-419" sz="1100" dirty="0" err="1">
+                <a:solidFill>
+                  <a:sysClr val="windowText" lastClr="000000"/>
+                </a:solidFill>
+              </a:rPr>
+              <a:t>Service</a:t>
+            </a:r>
+            <a:r>
+              <a:rPr lang="es-419" sz="1100" dirty="0">
+                <a:solidFill>
+                  <a:sysClr val="windowText" lastClr="000000"/>
+                </a:solidFill>
+              </a:rPr>
+              <a:t> B’</a:t>
+            </a:r>
+          </a:p>
+        </p:txBody>
+      </p:sp>
+      <p:sp>
+        <p:nvSpPr>
+          <p:cNvPr id="115" name="Hexagon 114">
+            <a:extLst>
+              <a:ext uri="{FF2B5EF4-FFF2-40B4-BE49-F238E27FC236}">
+                <a16:creationId xmlns:a16="http://schemas.microsoft.com/office/drawing/2014/main" id="{DC205381-DE54-5D7B-45D6-A4F70895DE42}"/>
+              </a:ext>
+            </a:extLst>
+          </p:cNvPr>
+          <p:cNvSpPr/>
+          <p:nvPr/>
+        </p:nvSpPr>
+        <p:spPr>
+          <a:xfrm>
+            <a:off x="6383370" y="2581991"/>
+            <a:ext cx="744921" cy="642173"/>
+          </a:xfrm>
+          <a:prstGeom prst="hexagon">
+            <a:avLst/>
+          </a:prstGeom>
+          <a:noFill/>
+        </p:spPr>
+        <p:style>
+          <a:lnRef idx="2">
+            <a:schemeClr val="accent1">
+              <a:shade val="50000"/>
+            </a:schemeClr>
+          </a:lnRef>
+          <a:fillRef idx="1">
+            <a:schemeClr val="accent1"/>
+          </a:fillRef>
+          <a:effectRef idx="0">
+            <a:schemeClr val="accent1"/>
+          </a:effectRef>
+          <a:fontRef idx="minor">
+            <a:schemeClr val="lt1"/>
+          </a:fontRef>
+        </p:style>
+        <p:txBody>
+          <a:bodyPr lIns="0" tIns="0" rIns="0" bIns="0" rtlCol="0" anchor="ctr"/>
+          <a:lstStyle/>
+          <a:p>
+            <a:pPr algn="ctr"/>
+            <a:r>
+              <a:rPr lang="es-419" sz="1100" dirty="0" err="1">
+                <a:solidFill>
+                  <a:sysClr val="windowText" lastClr="000000"/>
+                </a:solidFill>
+              </a:rPr>
+              <a:t>Service</a:t>
+            </a:r>
+            <a:r>
+              <a:rPr lang="es-419" sz="1100" dirty="0">
+                <a:solidFill>
+                  <a:sysClr val="windowText" lastClr="000000"/>
+                </a:solidFill>
+              </a:rPr>
+              <a:t> C’</a:t>
+            </a:r>
+          </a:p>
+        </p:txBody>
+      </p:sp>
+      <p:sp>
+        <p:nvSpPr>
+          <p:cNvPr id="116" name="Hexagon 115">
+            <a:extLst>
+              <a:ext uri="{FF2B5EF4-FFF2-40B4-BE49-F238E27FC236}">
+                <a16:creationId xmlns:a16="http://schemas.microsoft.com/office/drawing/2014/main" id="{0E701349-B7B1-A3C0-D9D2-0D5A715C1B31}"/>
+              </a:ext>
+            </a:extLst>
+          </p:cNvPr>
+          <p:cNvSpPr/>
+          <p:nvPr/>
+        </p:nvSpPr>
+        <p:spPr>
+          <a:xfrm>
+            <a:off x="7167277" y="2581991"/>
+            <a:ext cx="744921" cy="642173"/>
+          </a:xfrm>
+          <a:prstGeom prst="hexagon">
+            <a:avLst/>
+          </a:prstGeom>
+          <a:noFill/>
+        </p:spPr>
+        <p:style>
+          <a:lnRef idx="2">
+            <a:schemeClr val="accent1">
+              <a:shade val="50000"/>
+            </a:schemeClr>
+          </a:lnRef>
+          <a:fillRef idx="1">
+            <a:schemeClr val="accent1"/>
+          </a:fillRef>
+          <a:effectRef idx="0">
+            <a:schemeClr val="accent1"/>
+          </a:effectRef>
+          <a:fontRef idx="minor">
+            <a:schemeClr val="lt1"/>
+          </a:fontRef>
+        </p:style>
+        <p:txBody>
+          <a:bodyPr lIns="0" tIns="0" rIns="0" bIns="0" rtlCol="0" anchor="ctr"/>
+          <a:lstStyle/>
+          <a:p>
+            <a:pPr algn="ctr"/>
+            <a:r>
+              <a:rPr lang="es-419" sz="1100" dirty="0" err="1">
+                <a:solidFill>
+                  <a:sysClr val="windowText" lastClr="000000"/>
+                </a:solidFill>
+              </a:rPr>
+              <a:t>Service</a:t>
+            </a:r>
+            <a:r>
+              <a:rPr lang="es-419" sz="1100" dirty="0">
+                <a:solidFill>
+                  <a:sysClr val="windowText" lastClr="000000"/>
+                </a:solidFill>
+              </a:rPr>
+              <a:t> D’</a:t>
+            </a:r>
+          </a:p>
+        </p:txBody>
+      </p:sp>
+      <p:sp>
+        <p:nvSpPr>
+          <p:cNvPr id="117" name="Scroll: Vertical 116">
+            <a:extLst>
+              <a:ext uri="{FF2B5EF4-FFF2-40B4-BE49-F238E27FC236}">
+                <a16:creationId xmlns:a16="http://schemas.microsoft.com/office/drawing/2014/main" id="{2009CDB2-FA2E-DC1C-A17F-0EC152F5D161}"/>
+              </a:ext>
+            </a:extLst>
+          </p:cNvPr>
+          <p:cNvSpPr/>
+          <p:nvPr/>
+        </p:nvSpPr>
+        <p:spPr>
+          <a:xfrm>
+            <a:off x="4917650" y="2175964"/>
+            <a:ext cx="157980" cy="165253"/>
+          </a:xfrm>
+          <a:prstGeom prst="verticalScroll">
+            <a:avLst/>
+          </a:prstGeom>
+          <a:noFill/>
+        </p:spPr>
+        <p:style>
+          <a:lnRef idx="2">
+            <a:schemeClr val="accent1">
+              <a:shade val="50000"/>
+            </a:schemeClr>
+          </a:lnRef>
+          <a:fillRef idx="1">
+            <a:schemeClr val="accent1"/>
+          </a:fillRef>
+          <a:effectRef idx="0">
+            <a:schemeClr val="accent1"/>
+          </a:effectRef>
+          <a:fontRef idx="minor">
+            <a:schemeClr val="lt1"/>
+          </a:fontRef>
+        </p:style>
+        <p:txBody>
+          <a:bodyPr rtlCol="0" anchor="ctr"/>
+          <a:lstStyle/>
+          <a:p>
+            <a:pPr algn="ctr"/>
+            <a:endParaRPr lang="es-419"/>
+          </a:p>
+        </p:txBody>
+      </p:sp>
+      <p:sp>
+        <p:nvSpPr>
+          <p:cNvPr id="118" name="Scroll: Vertical 117">
+            <a:extLst>
+              <a:ext uri="{FF2B5EF4-FFF2-40B4-BE49-F238E27FC236}">
+                <a16:creationId xmlns:a16="http://schemas.microsoft.com/office/drawing/2014/main" id="{40665732-B4E0-EF6D-98BC-45BFE3237DFE}"/>
+              </a:ext>
+            </a:extLst>
+          </p:cNvPr>
+          <p:cNvSpPr/>
+          <p:nvPr/>
+        </p:nvSpPr>
+        <p:spPr>
+          <a:xfrm>
+            <a:off x="5643046" y="2175964"/>
+            <a:ext cx="157980" cy="165253"/>
+          </a:xfrm>
+          <a:prstGeom prst="verticalScroll">
+            <a:avLst/>
+          </a:prstGeom>
+          <a:noFill/>
+        </p:spPr>
+        <p:style>
+          <a:lnRef idx="2">
+            <a:schemeClr val="accent1">
+              <a:shade val="50000"/>
+            </a:schemeClr>
+          </a:lnRef>
+          <a:fillRef idx="1">
+            <a:schemeClr val="accent1"/>
+          </a:fillRef>
+          <a:effectRef idx="0">
+            <a:schemeClr val="accent1"/>
+          </a:effectRef>
+          <a:fontRef idx="minor">
+            <a:schemeClr val="lt1"/>
+          </a:fontRef>
+        </p:style>
+        <p:txBody>
+          <a:bodyPr rtlCol="0" anchor="ctr"/>
+          <a:lstStyle/>
+          <a:p>
+            <a:pPr algn="ctr"/>
+            <a:endParaRPr lang="es-419"/>
+          </a:p>
+        </p:txBody>
+      </p:sp>
+      <p:sp>
+        <p:nvSpPr>
+          <p:cNvPr id="119" name="Scroll: Vertical 118">
+            <a:extLst>
+              <a:ext uri="{FF2B5EF4-FFF2-40B4-BE49-F238E27FC236}">
+                <a16:creationId xmlns:a16="http://schemas.microsoft.com/office/drawing/2014/main" id="{C11E9EBE-D9BF-EFC3-9164-9B7643B0B792}"/>
+              </a:ext>
+            </a:extLst>
+          </p:cNvPr>
+          <p:cNvSpPr/>
+          <p:nvPr/>
+        </p:nvSpPr>
+        <p:spPr>
+          <a:xfrm>
+            <a:off x="6438180" y="2175964"/>
+            <a:ext cx="157980" cy="165253"/>
+          </a:xfrm>
+          <a:prstGeom prst="verticalScroll">
+            <a:avLst/>
+          </a:prstGeom>
+          <a:noFill/>
+        </p:spPr>
+        <p:style>
+          <a:lnRef idx="2">
+            <a:schemeClr val="accent1">
+              <a:shade val="50000"/>
+            </a:schemeClr>
+          </a:lnRef>
+          <a:fillRef idx="1">
+            <a:schemeClr val="accent1"/>
+          </a:fillRef>
+          <a:effectRef idx="0">
+            <a:schemeClr val="accent1"/>
+          </a:effectRef>
+          <a:fontRef idx="minor">
+            <a:schemeClr val="lt1"/>
+          </a:fontRef>
+        </p:style>
+        <p:txBody>
+          <a:bodyPr rtlCol="0" anchor="ctr"/>
+          <a:lstStyle/>
+          <a:p>
+            <a:pPr algn="ctr"/>
+            <a:endParaRPr lang="es-419"/>
+          </a:p>
+        </p:txBody>
+      </p:sp>
+      <p:sp>
+        <p:nvSpPr>
+          <p:cNvPr id="120" name="Scroll: Vertical 119">
+            <a:extLst>
+              <a:ext uri="{FF2B5EF4-FFF2-40B4-BE49-F238E27FC236}">
+                <a16:creationId xmlns:a16="http://schemas.microsoft.com/office/drawing/2014/main" id="{1D279F88-710F-F09F-033F-DA5D211CB19F}"/>
+              </a:ext>
+            </a:extLst>
+          </p:cNvPr>
+          <p:cNvSpPr/>
+          <p:nvPr/>
+        </p:nvSpPr>
+        <p:spPr>
+          <a:xfrm>
+            <a:off x="7257285" y="2175964"/>
+            <a:ext cx="157980" cy="165253"/>
+          </a:xfrm>
+          <a:prstGeom prst="verticalScroll">
+            <a:avLst/>
+          </a:prstGeom>
+          <a:noFill/>
+        </p:spPr>
+        <p:style>
+          <a:lnRef idx="2">
+            <a:schemeClr val="accent1">
+              <a:shade val="50000"/>
+            </a:schemeClr>
+          </a:lnRef>
+          <a:fillRef idx="1">
+            <a:schemeClr val="accent1"/>
+          </a:fillRef>
+          <a:effectRef idx="0">
+            <a:schemeClr val="accent1"/>
+          </a:effectRef>
+          <a:fontRef idx="minor">
+            <a:schemeClr val="lt1"/>
+          </a:fontRef>
+        </p:style>
+        <p:txBody>
+          <a:bodyPr rtlCol="0" anchor="ctr"/>
+          <a:lstStyle/>
+          <a:p>
+            <a:pPr algn="ctr"/>
+            <a:endParaRPr lang="es-419"/>
+          </a:p>
+        </p:txBody>
+      </p:sp>
+      <p:sp>
+        <p:nvSpPr>
+          <p:cNvPr id="121" name="Scroll: Vertical 120">
+            <a:extLst>
+              <a:ext uri="{FF2B5EF4-FFF2-40B4-BE49-F238E27FC236}">
+                <a16:creationId xmlns:a16="http://schemas.microsoft.com/office/drawing/2014/main" id="{C85974A9-A6E2-9874-0D01-14C9873F3F20}"/>
+              </a:ext>
+            </a:extLst>
+          </p:cNvPr>
+          <p:cNvSpPr/>
+          <p:nvPr/>
+        </p:nvSpPr>
+        <p:spPr>
+          <a:xfrm>
+            <a:off x="4917650" y="3141537"/>
+            <a:ext cx="157980" cy="165253"/>
+          </a:xfrm>
+          <a:prstGeom prst="verticalScroll">
+            <a:avLst/>
+          </a:prstGeom>
+          <a:noFill/>
+        </p:spPr>
+        <p:style>
+          <a:lnRef idx="2">
+            <a:schemeClr val="accent1">
+              <a:shade val="50000"/>
+            </a:schemeClr>
+          </a:lnRef>
+          <a:fillRef idx="1">
+            <a:schemeClr val="accent1"/>
+          </a:fillRef>
+          <a:effectRef idx="0">
+            <a:schemeClr val="accent1"/>
+          </a:effectRef>
+          <a:fontRef idx="minor">
+            <a:schemeClr val="lt1"/>
+          </a:fontRef>
+        </p:style>
+        <p:txBody>
+          <a:bodyPr rtlCol="0" anchor="ctr"/>
+          <a:lstStyle/>
+          <a:p>
+            <a:pPr algn="ctr"/>
+            <a:endParaRPr lang="es-419"/>
+          </a:p>
+        </p:txBody>
+      </p:sp>
+      <p:sp>
+        <p:nvSpPr>
+          <p:cNvPr id="122" name="Scroll: Vertical 121">
+            <a:extLst>
+              <a:ext uri="{FF2B5EF4-FFF2-40B4-BE49-F238E27FC236}">
+                <a16:creationId xmlns:a16="http://schemas.microsoft.com/office/drawing/2014/main" id="{9B864C76-1CEA-3FFB-0294-B14E95850F8A}"/>
+              </a:ext>
+            </a:extLst>
+          </p:cNvPr>
+          <p:cNvSpPr/>
+          <p:nvPr/>
+        </p:nvSpPr>
+        <p:spPr>
+          <a:xfrm>
+            <a:off x="5643046" y="3141537"/>
+            <a:ext cx="157980" cy="165253"/>
+          </a:xfrm>
+          <a:prstGeom prst="verticalScroll">
+            <a:avLst/>
+          </a:prstGeom>
+          <a:noFill/>
+        </p:spPr>
+        <p:style>
+          <a:lnRef idx="2">
+            <a:schemeClr val="accent1">
+              <a:shade val="50000"/>
+            </a:schemeClr>
+          </a:lnRef>
+          <a:fillRef idx="1">
+            <a:schemeClr val="accent1"/>
+          </a:fillRef>
+          <a:effectRef idx="0">
+            <a:schemeClr val="accent1"/>
+          </a:effectRef>
+          <a:fontRef idx="minor">
+            <a:schemeClr val="lt1"/>
+          </a:fontRef>
+        </p:style>
+        <p:txBody>
+          <a:bodyPr rtlCol="0" anchor="ctr"/>
+          <a:lstStyle/>
+          <a:p>
+            <a:pPr algn="ctr"/>
+            <a:endParaRPr lang="es-419"/>
+          </a:p>
+        </p:txBody>
+      </p:sp>
+      <p:sp>
+        <p:nvSpPr>
+          <p:cNvPr id="123" name="Scroll: Vertical 122">
+            <a:extLst>
+              <a:ext uri="{FF2B5EF4-FFF2-40B4-BE49-F238E27FC236}">
+                <a16:creationId xmlns:a16="http://schemas.microsoft.com/office/drawing/2014/main" id="{06E6252E-DDF1-4EC9-C3C3-47EB7AB134AC}"/>
+              </a:ext>
+            </a:extLst>
+          </p:cNvPr>
+          <p:cNvSpPr/>
+          <p:nvPr/>
+        </p:nvSpPr>
+        <p:spPr>
+          <a:xfrm>
+            <a:off x="6438180" y="3141537"/>
+            <a:ext cx="157980" cy="165253"/>
+          </a:xfrm>
+          <a:prstGeom prst="verticalScroll">
+            <a:avLst/>
+          </a:prstGeom>
+          <a:noFill/>
+        </p:spPr>
+        <p:style>
+          <a:lnRef idx="2">
+            <a:schemeClr val="accent1">
+              <a:shade val="50000"/>
+            </a:schemeClr>
+          </a:lnRef>
+          <a:fillRef idx="1">
+            <a:schemeClr val="accent1"/>
+          </a:fillRef>
+          <a:effectRef idx="0">
+            <a:schemeClr val="accent1"/>
+          </a:effectRef>
+          <a:fontRef idx="minor">
+            <a:schemeClr val="lt1"/>
+          </a:fontRef>
+        </p:style>
+        <p:txBody>
+          <a:bodyPr rtlCol="0" anchor="ctr"/>
+          <a:lstStyle/>
+          <a:p>
+            <a:pPr algn="ctr"/>
+            <a:endParaRPr lang="es-419"/>
+          </a:p>
+        </p:txBody>
+      </p:sp>
+      <p:sp>
+        <p:nvSpPr>
+          <p:cNvPr id="124" name="Scroll: Vertical 123">
+            <a:extLst>
+              <a:ext uri="{FF2B5EF4-FFF2-40B4-BE49-F238E27FC236}">
+                <a16:creationId xmlns:a16="http://schemas.microsoft.com/office/drawing/2014/main" id="{B03FF55B-BFFF-0457-1B36-A510430C1318}"/>
+              </a:ext>
+            </a:extLst>
+          </p:cNvPr>
+          <p:cNvSpPr/>
+          <p:nvPr/>
+        </p:nvSpPr>
+        <p:spPr>
+          <a:xfrm>
+            <a:off x="7257285" y="3141537"/>
+            <a:ext cx="157980" cy="165253"/>
+          </a:xfrm>
+          <a:prstGeom prst="verticalScroll">
+            <a:avLst/>
+          </a:prstGeom>
+          <a:noFill/>
+        </p:spPr>
+        <p:style>
+          <a:lnRef idx="2">
+            <a:schemeClr val="accent1">
+              <a:shade val="50000"/>
+            </a:schemeClr>
+          </a:lnRef>
+          <a:fillRef idx="1">
+            <a:schemeClr val="accent1"/>
+          </a:fillRef>
+          <a:effectRef idx="0">
+            <a:schemeClr val="accent1"/>
+          </a:effectRef>
+          <a:fontRef idx="minor">
+            <a:schemeClr val="lt1"/>
+          </a:fontRef>
+        </p:style>
+        <p:txBody>
+          <a:bodyPr rtlCol="0" anchor="ctr"/>
+          <a:lstStyle/>
+          <a:p>
+            <a:pPr algn="ctr"/>
+            <a:endParaRPr lang="es-419"/>
+          </a:p>
+        </p:txBody>
+      </p:sp>
+      <p:sp>
+        <p:nvSpPr>
+          <p:cNvPr id="125" name="Hexagon 124">
+            <a:extLst>
+              <a:ext uri="{FF2B5EF4-FFF2-40B4-BE49-F238E27FC236}">
+                <a16:creationId xmlns:a16="http://schemas.microsoft.com/office/drawing/2014/main" id="{21D0BAE7-D212-9FF4-3A58-6B2046563B65}"/>
+              </a:ext>
+            </a:extLst>
+          </p:cNvPr>
+          <p:cNvSpPr/>
+          <p:nvPr/>
+        </p:nvSpPr>
+        <p:spPr>
+          <a:xfrm>
+            <a:off x="8677997" y="1623523"/>
+            <a:ext cx="744921" cy="642173"/>
+          </a:xfrm>
+          <a:prstGeom prst="hexagon">
+            <a:avLst/>
+          </a:prstGeom>
+          <a:noFill/>
+        </p:spPr>
+        <p:style>
+          <a:lnRef idx="2">
+            <a:schemeClr val="accent1">
+              <a:shade val="50000"/>
+            </a:schemeClr>
+          </a:lnRef>
+          <a:fillRef idx="1">
+            <a:schemeClr val="accent1"/>
+          </a:fillRef>
+          <a:effectRef idx="0">
+            <a:schemeClr val="accent1"/>
+          </a:effectRef>
+          <a:fontRef idx="minor">
+            <a:schemeClr val="lt1"/>
+          </a:fontRef>
+        </p:style>
+        <p:txBody>
+          <a:bodyPr lIns="0" tIns="0" rIns="0" bIns="0" rtlCol="0" anchor="ctr"/>
+          <a:lstStyle/>
+          <a:p>
+            <a:pPr algn="ctr"/>
+            <a:r>
+              <a:rPr lang="es-419" sz="1100" dirty="0" err="1">
+                <a:solidFill>
+                  <a:sysClr val="windowText" lastClr="000000"/>
+                </a:solidFill>
+              </a:rPr>
+              <a:t>Service</a:t>
+            </a:r>
+            <a:r>
+              <a:rPr lang="es-419" sz="1100" dirty="0">
+                <a:solidFill>
+                  <a:sysClr val="windowText" lastClr="000000"/>
+                </a:solidFill>
+              </a:rPr>
+              <a:t> A</a:t>
+            </a:r>
+          </a:p>
+        </p:txBody>
+      </p:sp>
+      <p:sp>
+        <p:nvSpPr>
+          <p:cNvPr id="126" name="Hexagon 125">
+            <a:extLst>
+              <a:ext uri="{FF2B5EF4-FFF2-40B4-BE49-F238E27FC236}">
+                <a16:creationId xmlns:a16="http://schemas.microsoft.com/office/drawing/2014/main" id="{D9CF7C2C-7F20-C14E-784C-ABEA7BF9EA30}"/>
+              </a:ext>
+            </a:extLst>
+          </p:cNvPr>
+          <p:cNvSpPr/>
+          <p:nvPr/>
+        </p:nvSpPr>
+        <p:spPr>
+          <a:xfrm>
+            <a:off x="9458203" y="1623523"/>
+            <a:ext cx="744921" cy="642173"/>
+          </a:xfrm>
+          <a:prstGeom prst="hexagon">
+            <a:avLst/>
+          </a:prstGeom>
+          <a:noFill/>
+        </p:spPr>
+        <p:style>
+          <a:lnRef idx="2">
+            <a:schemeClr val="accent1">
+              <a:shade val="50000"/>
+            </a:schemeClr>
+          </a:lnRef>
+          <a:fillRef idx="1">
+            <a:schemeClr val="accent1"/>
+          </a:fillRef>
+          <a:effectRef idx="0">
+            <a:schemeClr val="accent1"/>
+          </a:effectRef>
+          <a:fontRef idx="minor">
+            <a:schemeClr val="lt1"/>
+          </a:fontRef>
+        </p:style>
+        <p:txBody>
+          <a:bodyPr lIns="0" tIns="0" rIns="0" bIns="0" rtlCol="0" anchor="ctr"/>
+          <a:lstStyle/>
+          <a:p>
+            <a:pPr algn="ctr"/>
+            <a:r>
+              <a:rPr lang="es-419" sz="1100" dirty="0" err="1">
+                <a:solidFill>
+                  <a:sysClr val="windowText" lastClr="000000"/>
+                </a:solidFill>
+              </a:rPr>
+              <a:t>Service</a:t>
+            </a:r>
+            <a:r>
+              <a:rPr lang="es-419" sz="1100" dirty="0">
+                <a:solidFill>
+                  <a:sysClr val="windowText" lastClr="000000"/>
+                </a:solidFill>
+              </a:rPr>
+              <a:t> B</a:t>
+            </a:r>
+          </a:p>
+        </p:txBody>
+      </p:sp>
+      <p:sp>
+        <p:nvSpPr>
+          <p:cNvPr id="127" name="Hexagon 126">
+            <a:extLst>
+              <a:ext uri="{FF2B5EF4-FFF2-40B4-BE49-F238E27FC236}">
+                <a16:creationId xmlns:a16="http://schemas.microsoft.com/office/drawing/2014/main" id="{386E54E2-9940-E594-1ABA-8677C8CF7DB8}"/>
+              </a:ext>
+            </a:extLst>
+          </p:cNvPr>
+          <p:cNvSpPr/>
+          <p:nvPr/>
+        </p:nvSpPr>
+        <p:spPr>
+          <a:xfrm>
+            <a:off x="10253337" y="1623523"/>
+            <a:ext cx="744921" cy="642173"/>
+          </a:xfrm>
+          <a:prstGeom prst="hexagon">
+            <a:avLst/>
+          </a:prstGeom>
+          <a:noFill/>
+        </p:spPr>
+        <p:style>
+          <a:lnRef idx="2">
+            <a:schemeClr val="accent1">
+              <a:shade val="50000"/>
+            </a:schemeClr>
+          </a:lnRef>
+          <a:fillRef idx="1">
+            <a:schemeClr val="accent1"/>
+          </a:fillRef>
+          <a:effectRef idx="0">
+            <a:schemeClr val="accent1"/>
+          </a:effectRef>
+          <a:fontRef idx="minor">
+            <a:schemeClr val="lt1"/>
+          </a:fontRef>
+        </p:style>
+        <p:txBody>
+          <a:bodyPr lIns="0" tIns="0" rIns="0" bIns="0" rtlCol="0" anchor="ctr"/>
+          <a:lstStyle/>
+          <a:p>
+            <a:pPr algn="ctr"/>
+            <a:r>
+              <a:rPr lang="es-419" sz="1100" dirty="0" err="1">
+                <a:solidFill>
+                  <a:sysClr val="windowText" lastClr="000000"/>
+                </a:solidFill>
+              </a:rPr>
+              <a:t>Service</a:t>
+            </a:r>
+            <a:r>
+              <a:rPr lang="es-419" sz="1100" dirty="0">
+                <a:solidFill>
+                  <a:sysClr val="windowText" lastClr="000000"/>
+                </a:solidFill>
+              </a:rPr>
+              <a:t>  C</a:t>
+            </a:r>
+          </a:p>
+        </p:txBody>
+      </p:sp>
+      <p:sp>
+        <p:nvSpPr>
+          <p:cNvPr id="128" name="Hexagon 127">
+            <a:extLst>
+              <a:ext uri="{FF2B5EF4-FFF2-40B4-BE49-F238E27FC236}">
+                <a16:creationId xmlns:a16="http://schemas.microsoft.com/office/drawing/2014/main" id="{0FDE5FCE-89C7-941C-F6C4-2146A9A36B8C}"/>
+              </a:ext>
+            </a:extLst>
+          </p:cNvPr>
+          <p:cNvSpPr/>
+          <p:nvPr/>
+        </p:nvSpPr>
+        <p:spPr>
+          <a:xfrm>
+            <a:off x="11037244" y="1623523"/>
+            <a:ext cx="744921" cy="642173"/>
+          </a:xfrm>
+          <a:prstGeom prst="hexagon">
+            <a:avLst/>
+          </a:prstGeom>
+          <a:noFill/>
+        </p:spPr>
+        <p:style>
+          <a:lnRef idx="2">
+            <a:schemeClr val="accent1">
+              <a:shade val="50000"/>
+            </a:schemeClr>
+          </a:lnRef>
+          <a:fillRef idx="1">
+            <a:schemeClr val="accent1"/>
+          </a:fillRef>
+          <a:effectRef idx="0">
+            <a:schemeClr val="accent1"/>
+          </a:effectRef>
+          <a:fontRef idx="minor">
+            <a:schemeClr val="lt1"/>
+          </a:fontRef>
+        </p:style>
+        <p:txBody>
+          <a:bodyPr lIns="0" tIns="0" rIns="0" bIns="0" rtlCol="0" anchor="ctr"/>
+          <a:lstStyle/>
+          <a:p>
+            <a:pPr algn="ctr"/>
+            <a:r>
+              <a:rPr lang="es-419" sz="1100" dirty="0" err="1">
+                <a:solidFill>
+                  <a:sysClr val="windowText" lastClr="000000"/>
+                </a:solidFill>
+              </a:rPr>
+              <a:t>Service</a:t>
+            </a:r>
+            <a:r>
+              <a:rPr lang="es-419" sz="1100" dirty="0">
+                <a:solidFill>
+                  <a:sysClr val="windowText" lastClr="000000"/>
+                </a:solidFill>
+              </a:rPr>
+              <a:t> D</a:t>
+            </a:r>
+          </a:p>
+        </p:txBody>
+      </p:sp>
+      <p:sp>
+        <p:nvSpPr>
+          <p:cNvPr id="129" name="Hexagon 128">
+            <a:extLst>
+              <a:ext uri="{FF2B5EF4-FFF2-40B4-BE49-F238E27FC236}">
+                <a16:creationId xmlns:a16="http://schemas.microsoft.com/office/drawing/2014/main" id="{BE085E97-4567-8361-5D6E-CB13FD34126D}"/>
+              </a:ext>
+            </a:extLst>
+          </p:cNvPr>
+          <p:cNvSpPr/>
+          <p:nvPr/>
+        </p:nvSpPr>
+        <p:spPr>
+          <a:xfrm>
+            <a:off x="8677997" y="2581991"/>
+            <a:ext cx="744921" cy="642173"/>
+          </a:xfrm>
+          <a:prstGeom prst="hexagon">
+            <a:avLst/>
+          </a:prstGeom>
+          <a:noFill/>
+        </p:spPr>
+        <p:style>
+          <a:lnRef idx="2">
+            <a:schemeClr val="accent1">
+              <a:shade val="50000"/>
+            </a:schemeClr>
+          </a:lnRef>
+          <a:fillRef idx="1">
+            <a:schemeClr val="accent1"/>
+          </a:fillRef>
+          <a:effectRef idx="0">
+            <a:schemeClr val="accent1"/>
+          </a:effectRef>
+          <a:fontRef idx="minor">
+            <a:schemeClr val="lt1"/>
+          </a:fontRef>
+        </p:style>
+        <p:txBody>
+          <a:bodyPr lIns="0" tIns="0" rIns="0" bIns="0" rtlCol="0" anchor="ctr"/>
+          <a:lstStyle/>
+          <a:p>
+            <a:pPr algn="ctr"/>
+            <a:r>
+              <a:rPr lang="es-419" sz="1100" dirty="0" err="1">
+                <a:solidFill>
+                  <a:sysClr val="windowText" lastClr="000000"/>
+                </a:solidFill>
+              </a:rPr>
+              <a:t>Service</a:t>
+            </a:r>
+            <a:r>
+              <a:rPr lang="es-419" sz="1100" dirty="0">
+                <a:solidFill>
+                  <a:sysClr val="windowText" lastClr="000000"/>
+                </a:solidFill>
+              </a:rPr>
+              <a:t> A’</a:t>
+            </a:r>
+          </a:p>
+        </p:txBody>
+      </p:sp>
+      <p:sp>
+        <p:nvSpPr>
+          <p:cNvPr id="130" name="Hexagon 129">
+            <a:extLst>
+              <a:ext uri="{FF2B5EF4-FFF2-40B4-BE49-F238E27FC236}">
+                <a16:creationId xmlns:a16="http://schemas.microsoft.com/office/drawing/2014/main" id="{42B8D05C-514A-B7EB-7F4B-5E5743B9880C}"/>
+              </a:ext>
+            </a:extLst>
+          </p:cNvPr>
+          <p:cNvSpPr/>
+          <p:nvPr/>
+        </p:nvSpPr>
+        <p:spPr>
+          <a:xfrm>
+            <a:off x="9458203" y="2581991"/>
+            <a:ext cx="744921" cy="642173"/>
+          </a:xfrm>
+          <a:prstGeom prst="hexagon">
+            <a:avLst/>
+          </a:prstGeom>
+          <a:noFill/>
+        </p:spPr>
+        <p:style>
+          <a:lnRef idx="2">
+            <a:schemeClr val="accent1">
+              <a:shade val="50000"/>
+            </a:schemeClr>
+          </a:lnRef>
+          <a:fillRef idx="1">
+            <a:schemeClr val="accent1"/>
+          </a:fillRef>
+          <a:effectRef idx="0">
+            <a:schemeClr val="accent1"/>
+          </a:effectRef>
+          <a:fontRef idx="minor">
+            <a:schemeClr val="lt1"/>
+          </a:fontRef>
+        </p:style>
+        <p:txBody>
+          <a:bodyPr lIns="0" tIns="0" rIns="0" bIns="0" rtlCol="0" anchor="ctr"/>
+          <a:lstStyle/>
+          <a:p>
+            <a:pPr algn="ctr"/>
+            <a:r>
+              <a:rPr lang="es-419" sz="1100" dirty="0" err="1">
+                <a:solidFill>
+                  <a:sysClr val="windowText" lastClr="000000"/>
+                </a:solidFill>
+              </a:rPr>
+              <a:t>Service</a:t>
+            </a:r>
+            <a:r>
+              <a:rPr lang="es-419" sz="1100" dirty="0">
+                <a:solidFill>
+                  <a:sysClr val="windowText" lastClr="000000"/>
+                </a:solidFill>
+              </a:rPr>
+              <a:t> B’</a:t>
+            </a:r>
+          </a:p>
+        </p:txBody>
+      </p:sp>
+      <p:sp>
+        <p:nvSpPr>
+          <p:cNvPr id="131" name="Hexagon 130">
+            <a:extLst>
+              <a:ext uri="{FF2B5EF4-FFF2-40B4-BE49-F238E27FC236}">
+                <a16:creationId xmlns:a16="http://schemas.microsoft.com/office/drawing/2014/main" id="{E2D40437-CA41-02A9-5BCE-CA79BADE1BD4}"/>
+              </a:ext>
+            </a:extLst>
+          </p:cNvPr>
+          <p:cNvSpPr/>
+          <p:nvPr/>
+        </p:nvSpPr>
+        <p:spPr>
+          <a:xfrm>
+            <a:off x="10253337" y="2581991"/>
+            <a:ext cx="744921" cy="642173"/>
+          </a:xfrm>
+          <a:prstGeom prst="hexagon">
+            <a:avLst/>
+          </a:prstGeom>
+          <a:noFill/>
+        </p:spPr>
+        <p:style>
+          <a:lnRef idx="2">
+            <a:schemeClr val="accent1">
+              <a:shade val="50000"/>
+            </a:schemeClr>
+          </a:lnRef>
+          <a:fillRef idx="1">
+            <a:schemeClr val="accent1"/>
+          </a:fillRef>
+          <a:effectRef idx="0">
+            <a:schemeClr val="accent1"/>
+          </a:effectRef>
+          <a:fontRef idx="minor">
+            <a:schemeClr val="lt1"/>
+          </a:fontRef>
+        </p:style>
+        <p:txBody>
+          <a:bodyPr lIns="0" tIns="0" rIns="0" bIns="0" rtlCol="0" anchor="ctr"/>
+          <a:lstStyle/>
+          <a:p>
+            <a:pPr algn="ctr"/>
+            <a:r>
+              <a:rPr lang="es-419" sz="1100" dirty="0" err="1">
+                <a:solidFill>
+                  <a:sysClr val="windowText" lastClr="000000"/>
+                </a:solidFill>
+              </a:rPr>
+              <a:t>Service</a:t>
+            </a:r>
+            <a:r>
+              <a:rPr lang="es-419" sz="1100" dirty="0">
+                <a:solidFill>
+                  <a:sysClr val="windowText" lastClr="000000"/>
+                </a:solidFill>
+              </a:rPr>
+              <a:t> C’</a:t>
+            </a:r>
+          </a:p>
+        </p:txBody>
+      </p:sp>
+      <p:sp>
+        <p:nvSpPr>
+          <p:cNvPr id="132" name="Hexagon 131">
+            <a:extLst>
+              <a:ext uri="{FF2B5EF4-FFF2-40B4-BE49-F238E27FC236}">
+                <a16:creationId xmlns:a16="http://schemas.microsoft.com/office/drawing/2014/main" id="{38490286-A525-B973-572E-5B119640E1A0}"/>
+              </a:ext>
+            </a:extLst>
+          </p:cNvPr>
+          <p:cNvSpPr/>
+          <p:nvPr/>
+        </p:nvSpPr>
+        <p:spPr>
+          <a:xfrm>
+            <a:off x="11037244" y="2581991"/>
+            <a:ext cx="744921" cy="642173"/>
+          </a:xfrm>
+          <a:prstGeom prst="hexagon">
+            <a:avLst/>
+          </a:prstGeom>
+          <a:noFill/>
+        </p:spPr>
+        <p:style>
+          <a:lnRef idx="2">
+            <a:schemeClr val="accent1">
+              <a:shade val="50000"/>
+            </a:schemeClr>
+          </a:lnRef>
+          <a:fillRef idx="1">
+            <a:schemeClr val="accent1"/>
+          </a:fillRef>
+          <a:effectRef idx="0">
+            <a:schemeClr val="accent1"/>
+          </a:effectRef>
+          <a:fontRef idx="minor">
+            <a:schemeClr val="lt1"/>
+          </a:fontRef>
+        </p:style>
+        <p:txBody>
+          <a:bodyPr lIns="0" tIns="0" rIns="0" bIns="0" rtlCol="0" anchor="ctr"/>
+          <a:lstStyle/>
+          <a:p>
+            <a:pPr algn="ctr"/>
+            <a:r>
+              <a:rPr lang="es-419" sz="1100" dirty="0" err="1">
+                <a:solidFill>
+                  <a:sysClr val="windowText" lastClr="000000"/>
+                </a:solidFill>
+              </a:rPr>
+              <a:t>Service</a:t>
+            </a:r>
+            <a:r>
+              <a:rPr lang="es-419" sz="1100" dirty="0">
+                <a:solidFill>
+                  <a:sysClr val="windowText" lastClr="000000"/>
+                </a:solidFill>
+              </a:rPr>
+              <a:t> D’</a:t>
+            </a:r>
+          </a:p>
+        </p:txBody>
+      </p:sp>
+      <p:sp>
+        <p:nvSpPr>
+          <p:cNvPr id="133" name="Scroll: Vertical 132">
+            <a:extLst>
+              <a:ext uri="{FF2B5EF4-FFF2-40B4-BE49-F238E27FC236}">
+                <a16:creationId xmlns:a16="http://schemas.microsoft.com/office/drawing/2014/main" id="{A85DDE68-D94A-31FC-A417-96E35D4F7164}"/>
+              </a:ext>
+            </a:extLst>
+          </p:cNvPr>
+          <p:cNvSpPr/>
+          <p:nvPr/>
+        </p:nvSpPr>
+        <p:spPr>
+          <a:xfrm>
+            <a:off x="8787617" y="2175964"/>
+            <a:ext cx="157980" cy="165253"/>
+          </a:xfrm>
+          <a:prstGeom prst="verticalScroll">
+            <a:avLst/>
+          </a:prstGeom>
+          <a:noFill/>
+        </p:spPr>
+        <p:style>
+          <a:lnRef idx="2">
+            <a:schemeClr val="accent1">
+              <a:shade val="50000"/>
+            </a:schemeClr>
+          </a:lnRef>
+          <a:fillRef idx="1">
+            <a:schemeClr val="accent1"/>
+          </a:fillRef>
+          <a:effectRef idx="0">
+            <a:schemeClr val="accent1"/>
+          </a:effectRef>
+          <a:fontRef idx="minor">
+            <a:schemeClr val="lt1"/>
+          </a:fontRef>
+        </p:style>
+        <p:txBody>
+          <a:bodyPr rtlCol="0" anchor="ctr"/>
+          <a:lstStyle/>
+          <a:p>
+            <a:pPr algn="ctr"/>
+            <a:endParaRPr lang="es-419"/>
+          </a:p>
+        </p:txBody>
+      </p:sp>
+      <p:sp>
+        <p:nvSpPr>
+          <p:cNvPr id="134" name="Scroll: Vertical 133">
+            <a:extLst>
+              <a:ext uri="{FF2B5EF4-FFF2-40B4-BE49-F238E27FC236}">
+                <a16:creationId xmlns:a16="http://schemas.microsoft.com/office/drawing/2014/main" id="{51F6BA2C-DF11-1F60-F567-091BA1CEC4E8}"/>
+              </a:ext>
+            </a:extLst>
+          </p:cNvPr>
+          <p:cNvSpPr/>
+          <p:nvPr/>
+        </p:nvSpPr>
+        <p:spPr>
+          <a:xfrm>
+            <a:off x="9513013" y="2175964"/>
+            <a:ext cx="157980" cy="165253"/>
+          </a:xfrm>
+          <a:prstGeom prst="verticalScroll">
+            <a:avLst/>
+          </a:prstGeom>
+          <a:noFill/>
+        </p:spPr>
+        <p:style>
+          <a:lnRef idx="2">
+            <a:schemeClr val="accent1">
+              <a:shade val="50000"/>
+            </a:schemeClr>
+          </a:lnRef>
+          <a:fillRef idx="1">
+            <a:schemeClr val="accent1"/>
+          </a:fillRef>
+          <a:effectRef idx="0">
+            <a:schemeClr val="accent1"/>
+          </a:effectRef>
+          <a:fontRef idx="minor">
+            <a:schemeClr val="lt1"/>
+          </a:fontRef>
+        </p:style>
+        <p:txBody>
+          <a:bodyPr rtlCol="0" anchor="ctr"/>
+          <a:lstStyle/>
+          <a:p>
+            <a:pPr algn="ctr"/>
+            <a:endParaRPr lang="es-419"/>
+          </a:p>
+        </p:txBody>
+      </p:sp>
+      <p:sp>
+        <p:nvSpPr>
+          <p:cNvPr id="135" name="Scroll: Vertical 134">
+            <a:extLst>
+              <a:ext uri="{FF2B5EF4-FFF2-40B4-BE49-F238E27FC236}">
+                <a16:creationId xmlns:a16="http://schemas.microsoft.com/office/drawing/2014/main" id="{347DA6A3-0505-5996-65B1-8089CE87F791}"/>
+              </a:ext>
+            </a:extLst>
+          </p:cNvPr>
+          <p:cNvSpPr/>
+          <p:nvPr/>
+        </p:nvSpPr>
+        <p:spPr>
+          <a:xfrm>
+            <a:off x="10308147" y="2175964"/>
+            <a:ext cx="157980" cy="165253"/>
+          </a:xfrm>
+          <a:prstGeom prst="verticalScroll">
+            <a:avLst/>
+          </a:prstGeom>
+          <a:noFill/>
+        </p:spPr>
+        <p:style>
+          <a:lnRef idx="2">
+            <a:schemeClr val="accent1">
+              <a:shade val="50000"/>
+            </a:schemeClr>
+          </a:lnRef>
+          <a:fillRef idx="1">
+            <a:schemeClr val="accent1"/>
+          </a:fillRef>
+          <a:effectRef idx="0">
+            <a:schemeClr val="accent1"/>
+          </a:effectRef>
+          <a:fontRef idx="minor">
+            <a:schemeClr val="lt1"/>
+          </a:fontRef>
+        </p:style>
+        <p:txBody>
+          <a:bodyPr rtlCol="0" anchor="ctr"/>
+          <a:lstStyle/>
+          <a:p>
+            <a:pPr algn="ctr"/>
+            <a:endParaRPr lang="es-419"/>
+          </a:p>
+        </p:txBody>
+      </p:sp>
+      <p:sp>
+        <p:nvSpPr>
+          <p:cNvPr id="136" name="Scroll: Vertical 135">
+            <a:extLst>
+              <a:ext uri="{FF2B5EF4-FFF2-40B4-BE49-F238E27FC236}">
+                <a16:creationId xmlns:a16="http://schemas.microsoft.com/office/drawing/2014/main" id="{EA03FF85-9E16-CBEB-0798-6BEA6EE256DB}"/>
+              </a:ext>
+            </a:extLst>
+          </p:cNvPr>
+          <p:cNvSpPr/>
+          <p:nvPr/>
+        </p:nvSpPr>
+        <p:spPr>
+          <a:xfrm>
+            <a:off x="11127252" y="2175964"/>
+            <a:ext cx="157980" cy="165253"/>
+          </a:xfrm>
+          <a:prstGeom prst="verticalScroll">
+            <a:avLst/>
+          </a:prstGeom>
+          <a:noFill/>
+        </p:spPr>
+        <p:style>
+          <a:lnRef idx="2">
+            <a:schemeClr val="accent1">
+              <a:shade val="50000"/>
+            </a:schemeClr>
+          </a:lnRef>
+          <a:fillRef idx="1">
+            <a:schemeClr val="accent1"/>
+          </a:fillRef>
+          <a:effectRef idx="0">
+            <a:schemeClr val="accent1"/>
+          </a:effectRef>
+          <a:fontRef idx="minor">
+            <a:schemeClr val="lt1"/>
+          </a:fontRef>
+        </p:style>
+        <p:txBody>
+          <a:bodyPr rtlCol="0" anchor="ctr"/>
+          <a:lstStyle/>
+          <a:p>
+            <a:pPr algn="ctr"/>
+            <a:endParaRPr lang="es-419"/>
+          </a:p>
+        </p:txBody>
+      </p:sp>
+      <p:sp>
+        <p:nvSpPr>
+          <p:cNvPr id="137" name="Scroll: Vertical 136">
+            <a:extLst>
+              <a:ext uri="{FF2B5EF4-FFF2-40B4-BE49-F238E27FC236}">
+                <a16:creationId xmlns:a16="http://schemas.microsoft.com/office/drawing/2014/main" id="{B2CEC9CE-57F9-E44C-1B87-F9BCD884CCC0}"/>
+              </a:ext>
+            </a:extLst>
+          </p:cNvPr>
+          <p:cNvSpPr/>
+          <p:nvPr/>
+        </p:nvSpPr>
+        <p:spPr>
+          <a:xfrm>
+            <a:off x="8787617" y="3141537"/>
+            <a:ext cx="157980" cy="165253"/>
+          </a:xfrm>
+          <a:prstGeom prst="verticalScroll">
+            <a:avLst/>
+          </a:prstGeom>
+          <a:noFill/>
+        </p:spPr>
+        <p:style>
+          <a:lnRef idx="2">
+            <a:schemeClr val="accent1">
+              <a:shade val="50000"/>
+            </a:schemeClr>
+          </a:lnRef>
+          <a:fillRef idx="1">
+            <a:schemeClr val="accent1"/>
+          </a:fillRef>
+          <a:effectRef idx="0">
+            <a:schemeClr val="accent1"/>
+          </a:effectRef>
+          <a:fontRef idx="minor">
+            <a:schemeClr val="lt1"/>
+          </a:fontRef>
+        </p:style>
+        <p:txBody>
+          <a:bodyPr rtlCol="0" anchor="ctr"/>
+          <a:lstStyle/>
+          <a:p>
+            <a:pPr algn="ctr"/>
+            <a:endParaRPr lang="es-419"/>
+          </a:p>
+        </p:txBody>
+      </p:sp>
+      <p:sp>
+        <p:nvSpPr>
+          <p:cNvPr id="138" name="Scroll: Vertical 137">
+            <a:extLst>
+              <a:ext uri="{FF2B5EF4-FFF2-40B4-BE49-F238E27FC236}">
+                <a16:creationId xmlns:a16="http://schemas.microsoft.com/office/drawing/2014/main" id="{0F647751-7B7F-3AAB-4FD0-B5720AAE412D}"/>
+              </a:ext>
+            </a:extLst>
+          </p:cNvPr>
+          <p:cNvSpPr/>
+          <p:nvPr/>
+        </p:nvSpPr>
+        <p:spPr>
+          <a:xfrm>
+            <a:off x="9513013" y="3141537"/>
+            <a:ext cx="157980" cy="165253"/>
+          </a:xfrm>
+          <a:prstGeom prst="verticalScroll">
+            <a:avLst/>
+          </a:prstGeom>
+          <a:noFill/>
+        </p:spPr>
+        <p:style>
+          <a:lnRef idx="2">
+            <a:schemeClr val="accent1">
+              <a:shade val="50000"/>
+            </a:schemeClr>
+          </a:lnRef>
+          <a:fillRef idx="1">
+            <a:schemeClr val="accent1"/>
+          </a:fillRef>
+          <a:effectRef idx="0">
+            <a:schemeClr val="accent1"/>
+          </a:effectRef>
+          <a:fontRef idx="minor">
+            <a:schemeClr val="lt1"/>
+          </a:fontRef>
+        </p:style>
+        <p:txBody>
+          <a:bodyPr rtlCol="0" anchor="ctr"/>
+          <a:lstStyle/>
+          <a:p>
+            <a:pPr algn="ctr"/>
+            <a:endParaRPr lang="es-419"/>
+          </a:p>
+        </p:txBody>
+      </p:sp>
+      <p:sp>
+        <p:nvSpPr>
+          <p:cNvPr id="139" name="Scroll: Vertical 138">
+            <a:extLst>
+              <a:ext uri="{FF2B5EF4-FFF2-40B4-BE49-F238E27FC236}">
+                <a16:creationId xmlns:a16="http://schemas.microsoft.com/office/drawing/2014/main" id="{71C54B85-8A0B-7CC8-927D-35EC712EB9C7}"/>
+              </a:ext>
+            </a:extLst>
+          </p:cNvPr>
+          <p:cNvSpPr/>
+          <p:nvPr/>
+        </p:nvSpPr>
+        <p:spPr>
+          <a:xfrm>
+            <a:off x="10308147" y="3141537"/>
+            <a:ext cx="157980" cy="165253"/>
+          </a:xfrm>
+          <a:prstGeom prst="verticalScroll">
+            <a:avLst/>
+          </a:prstGeom>
+          <a:noFill/>
+        </p:spPr>
+        <p:style>
+          <a:lnRef idx="2">
+            <a:schemeClr val="accent1">
+              <a:shade val="50000"/>
+            </a:schemeClr>
+          </a:lnRef>
+          <a:fillRef idx="1">
+            <a:schemeClr val="accent1"/>
+          </a:fillRef>
+          <a:effectRef idx="0">
+            <a:schemeClr val="accent1"/>
+          </a:effectRef>
+          <a:fontRef idx="minor">
+            <a:schemeClr val="lt1"/>
+          </a:fontRef>
+        </p:style>
+        <p:txBody>
+          <a:bodyPr rtlCol="0" anchor="ctr"/>
+          <a:lstStyle/>
+          <a:p>
+            <a:pPr algn="ctr"/>
+            <a:endParaRPr lang="es-419"/>
+          </a:p>
+        </p:txBody>
+      </p:sp>
+      <p:sp>
+        <p:nvSpPr>
+          <p:cNvPr id="140" name="Scroll: Vertical 139">
+            <a:extLst>
+              <a:ext uri="{FF2B5EF4-FFF2-40B4-BE49-F238E27FC236}">
+                <a16:creationId xmlns:a16="http://schemas.microsoft.com/office/drawing/2014/main" id="{6303044B-8E68-5ED3-A57D-6F21F83C9A13}"/>
+              </a:ext>
+            </a:extLst>
+          </p:cNvPr>
+          <p:cNvSpPr/>
+          <p:nvPr/>
+        </p:nvSpPr>
+        <p:spPr>
+          <a:xfrm>
+            <a:off x="11127252" y="3141537"/>
+            <a:ext cx="157980" cy="165253"/>
+          </a:xfrm>
+          <a:prstGeom prst="verticalScroll">
+            <a:avLst/>
+          </a:prstGeom>
+          <a:noFill/>
+        </p:spPr>
+        <p:style>
+          <a:lnRef idx="2">
+            <a:schemeClr val="accent1">
+              <a:shade val="50000"/>
+            </a:schemeClr>
+          </a:lnRef>
+          <a:fillRef idx="1">
+            <a:schemeClr val="accent1"/>
+          </a:fillRef>
+          <a:effectRef idx="0">
+            <a:schemeClr val="accent1"/>
+          </a:effectRef>
+          <a:fontRef idx="minor">
+            <a:schemeClr val="lt1"/>
+          </a:fontRef>
+        </p:style>
+        <p:txBody>
+          <a:bodyPr rtlCol="0" anchor="ctr"/>
+          <a:lstStyle/>
+          <a:p>
+            <a:pPr algn="ctr"/>
+            <a:endParaRPr lang="es-419"/>
+          </a:p>
+        </p:txBody>
+      </p:sp>
+      <p:sp>
+        <p:nvSpPr>
+          <p:cNvPr id="141" name="Scroll: Vertical 140">
+            <a:extLst>
+              <a:ext uri="{FF2B5EF4-FFF2-40B4-BE49-F238E27FC236}">
+                <a16:creationId xmlns:a16="http://schemas.microsoft.com/office/drawing/2014/main" id="{52A65958-CE20-A97C-01AD-541FD55ED865}"/>
+              </a:ext>
+            </a:extLst>
+          </p:cNvPr>
+          <p:cNvSpPr/>
+          <p:nvPr/>
+        </p:nvSpPr>
+        <p:spPr>
+          <a:xfrm>
+            <a:off x="3955605" y="5589598"/>
+            <a:ext cx="157980" cy="165253"/>
+          </a:xfrm>
+          <a:prstGeom prst="verticalScroll">
+            <a:avLst/>
+          </a:prstGeom>
+          <a:noFill/>
+        </p:spPr>
+        <p:style>
+          <a:lnRef idx="2">
+            <a:schemeClr val="accent1">
+              <a:shade val="50000"/>
+            </a:schemeClr>
+          </a:lnRef>
+          <a:fillRef idx="1">
+            <a:schemeClr val="accent1"/>
+          </a:fillRef>
+          <a:effectRef idx="0">
+            <a:schemeClr val="accent1"/>
+          </a:effectRef>
+          <a:fontRef idx="minor">
+            <a:schemeClr val="lt1"/>
+          </a:fontRef>
+        </p:style>
+        <p:txBody>
+          <a:bodyPr rtlCol="0" anchor="ctr"/>
+          <a:lstStyle/>
+          <a:p>
+            <a:pPr algn="ctr"/>
+            <a:endParaRPr lang="es-419"/>
+          </a:p>
+        </p:txBody>
+      </p:sp>
+      <p:sp>
+        <p:nvSpPr>
+          <p:cNvPr id="142" name="Scroll: Vertical 141">
+            <a:extLst>
+              <a:ext uri="{FF2B5EF4-FFF2-40B4-BE49-F238E27FC236}">
+                <a16:creationId xmlns:a16="http://schemas.microsoft.com/office/drawing/2014/main" id="{78D50716-41FD-C8D1-EA9A-9EE3540BD59C}"/>
+              </a:ext>
+            </a:extLst>
+          </p:cNvPr>
+          <p:cNvSpPr/>
+          <p:nvPr/>
+        </p:nvSpPr>
+        <p:spPr>
+          <a:xfrm>
+            <a:off x="4177365" y="5589598"/>
+            <a:ext cx="157980" cy="165253"/>
+          </a:xfrm>
+          <a:prstGeom prst="verticalScroll">
+            <a:avLst/>
+          </a:prstGeom>
+          <a:noFill/>
+        </p:spPr>
+        <p:style>
+          <a:lnRef idx="2">
+            <a:schemeClr val="accent1">
+              <a:shade val="50000"/>
+            </a:schemeClr>
+          </a:lnRef>
+          <a:fillRef idx="1">
+            <a:schemeClr val="accent1"/>
+          </a:fillRef>
+          <a:effectRef idx="0">
+            <a:schemeClr val="accent1"/>
+          </a:effectRef>
+          <a:fontRef idx="minor">
+            <a:schemeClr val="lt1"/>
+          </a:fontRef>
+        </p:style>
+        <p:txBody>
+          <a:bodyPr rtlCol="0" anchor="ctr"/>
+          <a:lstStyle/>
+          <a:p>
+            <a:pPr algn="ctr"/>
+            <a:endParaRPr lang="es-419"/>
+          </a:p>
+        </p:txBody>
+      </p:sp>
+      <p:sp>
+        <p:nvSpPr>
+          <p:cNvPr id="143" name="Scroll: Vertical 142">
+            <a:extLst>
+              <a:ext uri="{FF2B5EF4-FFF2-40B4-BE49-F238E27FC236}">
+                <a16:creationId xmlns:a16="http://schemas.microsoft.com/office/drawing/2014/main" id="{18EE5C40-4C3A-5FDA-642A-2800BDD6E057}"/>
+              </a:ext>
+            </a:extLst>
+          </p:cNvPr>
+          <p:cNvSpPr/>
+          <p:nvPr/>
+        </p:nvSpPr>
+        <p:spPr>
+          <a:xfrm>
+            <a:off x="4398588" y="5589598"/>
+            <a:ext cx="157980" cy="165253"/>
+          </a:xfrm>
+          <a:prstGeom prst="verticalScroll">
+            <a:avLst/>
+          </a:prstGeom>
+          <a:noFill/>
+        </p:spPr>
+        <p:style>
+          <a:lnRef idx="2">
+            <a:schemeClr val="accent1">
+              <a:shade val="50000"/>
+            </a:schemeClr>
+          </a:lnRef>
+          <a:fillRef idx="1">
+            <a:schemeClr val="accent1"/>
+          </a:fillRef>
+          <a:effectRef idx="0">
+            <a:schemeClr val="accent1"/>
+          </a:effectRef>
+          <a:fontRef idx="minor">
+            <a:schemeClr val="lt1"/>
+          </a:fontRef>
+        </p:style>
+        <p:txBody>
+          <a:bodyPr rtlCol="0" anchor="ctr"/>
+          <a:lstStyle/>
+          <a:p>
+            <a:pPr algn="ctr"/>
+            <a:endParaRPr lang="es-419"/>
+          </a:p>
+        </p:txBody>
+      </p:sp>
+      <p:sp>
+        <p:nvSpPr>
+          <p:cNvPr id="144" name="Scroll: Vertical 143">
+            <a:extLst>
+              <a:ext uri="{FF2B5EF4-FFF2-40B4-BE49-F238E27FC236}">
+                <a16:creationId xmlns:a16="http://schemas.microsoft.com/office/drawing/2014/main" id="{F118D3D3-4223-2450-CEEC-673ADB7C2681}"/>
+              </a:ext>
+            </a:extLst>
+          </p:cNvPr>
+          <p:cNvSpPr/>
+          <p:nvPr/>
+        </p:nvSpPr>
+        <p:spPr>
+          <a:xfrm>
+            <a:off x="4619811" y="5589598"/>
+            <a:ext cx="157980" cy="165253"/>
+          </a:xfrm>
+          <a:prstGeom prst="verticalScroll">
+            <a:avLst/>
+          </a:prstGeom>
+          <a:noFill/>
+        </p:spPr>
+        <p:style>
+          <a:lnRef idx="2">
+            <a:schemeClr val="accent1">
+              <a:shade val="50000"/>
+            </a:schemeClr>
+          </a:lnRef>
+          <a:fillRef idx="1">
+            <a:schemeClr val="accent1"/>
+          </a:fillRef>
+          <a:effectRef idx="0">
+            <a:schemeClr val="accent1"/>
+          </a:effectRef>
+          <a:fontRef idx="minor">
+            <a:schemeClr val="lt1"/>
+          </a:fontRef>
+        </p:style>
+        <p:txBody>
+          <a:bodyPr rtlCol="0" anchor="ctr"/>
+          <a:lstStyle/>
+          <a:p>
+            <a:pPr algn="ctr"/>
+            <a:endParaRPr lang="es-419"/>
+          </a:p>
+        </p:txBody>
+      </p:sp>
+      <p:sp>
+        <p:nvSpPr>
+          <p:cNvPr id="145" name="Scroll: Vertical 144">
+            <a:extLst>
+              <a:ext uri="{FF2B5EF4-FFF2-40B4-BE49-F238E27FC236}">
+                <a16:creationId xmlns:a16="http://schemas.microsoft.com/office/drawing/2014/main" id="{4AA0ECFD-49C3-ECBB-6F5A-FDB2068BA69E}"/>
+              </a:ext>
+            </a:extLst>
+          </p:cNvPr>
+          <p:cNvSpPr/>
+          <p:nvPr/>
+        </p:nvSpPr>
+        <p:spPr>
+          <a:xfrm>
+            <a:off x="4841034" y="5589598"/>
+            <a:ext cx="157980" cy="165253"/>
+          </a:xfrm>
+          <a:prstGeom prst="verticalScroll">
+            <a:avLst/>
+          </a:prstGeom>
+          <a:noFill/>
+        </p:spPr>
+        <p:style>
+          <a:lnRef idx="2">
+            <a:schemeClr val="accent1">
+              <a:shade val="50000"/>
+            </a:schemeClr>
+          </a:lnRef>
+          <a:fillRef idx="1">
+            <a:schemeClr val="accent1"/>
+          </a:fillRef>
+          <a:effectRef idx="0">
+            <a:schemeClr val="accent1"/>
+          </a:effectRef>
+          <a:fontRef idx="minor">
+            <a:schemeClr val="lt1"/>
+          </a:fontRef>
+        </p:style>
+        <p:txBody>
+          <a:bodyPr rtlCol="0" anchor="ctr"/>
+          <a:lstStyle/>
+          <a:p>
+            <a:pPr algn="ctr"/>
+            <a:endParaRPr lang="es-419"/>
+          </a:p>
+        </p:txBody>
+      </p:sp>
+      <p:sp>
+        <p:nvSpPr>
+          <p:cNvPr id="146" name="Scroll: Vertical 145">
+            <a:extLst>
+              <a:ext uri="{FF2B5EF4-FFF2-40B4-BE49-F238E27FC236}">
+                <a16:creationId xmlns:a16="http://schemas.microsoft.com/office/drawing/2014/main" id="{B51F6360-AB90-BCD0-29D6-4F27B23A5FED}"/>
+              </a:ext>
+            </a:extLst>
+          </p:cNvPr>
+          <p:cNvSpPr/>
+          <p:nvPr/>
+        </p:nvSpPr>
+        <p:spPr>
+          <a:xfrm>
+            <a:off x="5062794" y="5589598"/>
+            <a:ext cx="157980" cy="165253"/>
+          </a:xfrm>
+          <a:prstGeom prst="verticalScroll">
+            <a:avLst/>
+          </a:prstGeom>
+          <a:noFill/>
+        </p:spPr>
+        <p:style>
+          <a:lnRef idx="2">
+            <a:schemeClr val="accent1">
+              <a:shade val="50000"/>
+            </a:schemeClr>
+          </a:lnRef>
+          <a:fillRef idx="1">
+            <a:schemeClr val="accent1"/>
+          </a:fillRef>
+          <a:effectRef idx="0">
+            <a:schemeClr val="accent1"/>
+          </a:effectRef>
+          <a:fontRef idx="minor">
+            <a:schemeClr val="lt1"/>
+          </a:fontRef>
+        </p:style>
+        <p:txBody>
+          <a:bodyPr rtlCol="0" anchor="ctr"/>
+          <a:lstStyle/>
+          <a:p>
+            <a:pPr algn="ctr"/>
+            <a:endParaRPr lang="es-419"/>
+          </a:p>
+        </p:txBody>
+      </p:sp>
+      <p:sp>
+        <p:nvSpPr>
+          <p:cNvPr id="147" name="Scroll: Vertical 146">
+            <a:extLst>
+              <a:ext uri="{FF2B5EF4-FFF2-40B4-BE49-F238E27FC236}">
+                <a16:creationId xmlns:a16="http://schemas.microsoft.com/office/drawing/2014/main" id="{B4092BAA-8A01-8A8C-507B-7D5DD9A3BBCE}"/>
+              </a:ext>
+            </a:extLst>
+          </p:cNvPr>
+          <p:cNvSpPr/>
+          <p:nvPr/>
+        </p:nvSpPr>
+        <p:spPr>
+          <a:xfrm>
+            <a:off x="5284017" y="5589598"/>
+            <a:ext cx="157980" cy="165253"/>
+          </a:xfrm>
+          <a:prstGeom prst="verticalScroll">
+            <a:avLst/>
+          </a:prstGeom>
+          <a:noFill/>
+        </p:spPr>
+        <p:style>
+          <a:lnRef idx="2">
+            <a:schemeClr val="accent1">
+              <a:shade val="50000"/>
+            </a:schemeClr>
+          </a:lnRef>
+          <a:fillRef idx="1">
+            <a:schemeClr val="accent1"/>
+          </a:fillRef>
+          <a:effectRef idx="0">
+            <a:schemeClr val="accent1"/>
+          </a:effectRef>
+          <a:fontRef idx="minor">
+            <a:schemeClr val="lt1"/>
+          </a:fontRef>
+        </p:style>
+        <p:txBody>
+          <a:bodyPr rtlCol="0" anchor="ctr"/>
+          <a:lstStyle/>
+          <a:p>
+            <a:pPr algn="ctr"/>
+            <a:endParaRPr lang="es-419"/>
+          </a:p>
+        </p:txBody>
+      </p:sp>
+      <p:sp>
+        <p:nvSpPr>
+          <p:cNvPr id="148" name="Scroll: Vertical 147">
+            <a:extLst>
+              <a:ext uri="{FF2B5EF4-FFF2-40B4-BE49-F238E27FC236}">
+                <a16:creationId xmlns:a16="http://schemas.microsoft.com/office/drawing/2014/main" id="{5B6796A0-CAD2-E27B-751E-53F1AA52D2AD}"/>
+              </a:ext>
+            </a:extLst>
+          </p:cNvPr>
+          <p:cNvSpPr/>
+          <p:nvPr/>
+        </p:nvSpPr>
+        <p:spPr>
+          <a:xfrm>
+            <a:off x="5505240" y="5589598"/>
+            <a:ext cx="157980" cy="165253"/>
+          </a:xfrm>
+          <a:prstGeom prst="verticalScroll">
+            <a:avLst/>
+          </a:prstGeom>
+          <a:noFill/>
+        </p:spPr>
+        <p:style>
+          <a:lnRef idx="2">
+            <a:schemeClr val="accent1">
+              <a:shade val="50000"/>
+            </a:schemeClr>
+          </a:lnRef>
+          <a:fillRef idx="1">
+            <a:schemeClr val="accent1"/>
+          </a:fillRef>
+          <a:effectRef idx="0">
+            <a:schemeClr val="accent1"/>
+          </a:effectRef>
+          <a:fontRef idx="minor">
+            <a:schemeClr val="lt1"/>
+          </a:fontRef>
+        </p:style>
+        <p:txBody>
+          <a:bodyPr rtlCol="0" anchor="ctr"/>
+          <a:lstStyle/>
+          <a:p>
+            <a:pPr algn="ctr"/>
+            <a:endParaRPr lang="es-419"/>
+          </a:p>
+        </p:txBody>
+      </p:sp>
+      <p:sp>
+        <p:nvSpPr>
+          <p:cNvPr id="149" name="Rectangle: Rounded Corners 148">
+            <a:extLst>
+              <a:ext uri="{FF2B5EF4-FFF2-40B4-BE49-F238E27FC236}">
+                <a16:creationId xmlns:a16="http://schemas.microsoft.com/office/drawing/2014/main" id="{28B2F0D5-8B23-74F8-0056-2068250AAB8A}"/>
+              </a:ext>
+            </a:extLst>
+          </p:cNvPr>
+          <p:cNvSpPr/>
+          <p:nvPr/>
+        </p:nvSpPr>
+        <p:spPr>
+          <a:xfrm>
+            <a:off x="3620874" y="5399558"/>
+            <a:ext cx="5148554" cy="495759"/>
+          </a:xfrm>
+          <a:prstGeom prst="roundRect">
+            <a:avLst/>
+          </a:prstGeom>
+          <a:noFill/>
+        </p:spPr>
+        <p:style>
+          <a:lnRef idx="2">
+            <a:schemeClr val="accent1">
+              <a:shade val="50000"/>
+            </a:schemeClr>
+          </a:lnRef>
+          <a:fillRef idx="1">
+            <a:schemeClr val="accent1"/>
+          </a:fillRef>
+          <a:effectRef idx="0">
+            <a:schemeClr val="accent1"/>
+          </a:effectRef>
+          <a:fontRef idx="minor">
+            <a:schemeClr val="lt1"/>
+          </a:fontRef>
+        </p:style>
+        <p:txBody>
+          <a:bodyPr rtlCol="0" anchor="ctr"/>
+          <a:lstStyle/>
+          <a:p>
+            <a:pPr algn="ctr"/>
+            <a:endParaRPr lang="es-419"/>
+          </a:p>
+        </p:txBody>
+      </p:sp>
+      <p:sp>
+        <p:nvSpPr>
+          <p:cNvPr id="150" name="Scroll: Vertical 149">
+            <a:extLst>
+              <a:ext uri="{FF2B5EF4-FFF2-40B4-BE49-F238E27FC236}">
+                <a16:creationId xmlns:a16="http://schemas.microsoft.com/office/drawing/2014/main" id="{31F42F7B-427D-2AB3-FFDA-920BF4F93742}"/>
+              </a:ext>
+            </a:extLst>
+          </p:cNvPr>
+          <p:cNvSpPr/>
+          <p:nvPr/>
+        </p:nvSpPr>
+        <p:spPr>
+          <a:xfrm>
+            <a:off x="6672550" y="5589598"/>
+            <a:ext cx="157980" cy="165253"/>
+          </a:xfrm>
+          <a:prstGeom prst="verticalScroll">
+            <a:avLst/>
+          </a:prstGeom>
+          <a:noFill/>
+        </p:spPr>
+        <p:style>
+          <a:lnRef idx="2">
+            <a:schemeClr val="accent1">
+              <a:shade val="50000"/>
+            </a:schemeClr>
+          </a:lnRef>
+          <a:fillRef idx="1">
+            <a:schemeClr val="accent1"/>
+          </a:fillRef>
+          <a:effectRef idx="0">
+            <a:schemeClr val="accent1"/>
+          </a:effectRef>
+          <a:fontRef idx="minor">
+            <a:schemeClr val="lt1"/>
+          </a:fontRef>
+        </p:style>
+        <p:txBody>
+          <a:bodyPr rtlCol="0" anchor="ctr"/>
+          <a:lstStyle/>
+          <a:p>
+            <a:pPr algn="ctr"/>
+            <a:endParaRPr lang="es-419"/>
+          </a:p>
+        </p:txBody>
+      </p:sp>
+      <p:sp>
+        <p:nvSpPr>
+          <p:cNvPr id="151" name="Scroll: Vertical 150">
+            <a:extLst>
+              <a:ext uri="{FF2B5EF4-FFF2-40B4-BE49-F238E27FC236}">
+                <a16:creationId xmlns:a16="http://schemas.microsoft.com/office/drawing/2014/main" id="{D255D429-422B-4AB2-3AF8-B35BACF6534E}"/>
+              </a:ext>
+            </a:extLst>
+          </p:cNvPr>
+          <p:cNvSpPr/>
+          <p:nvPr/>
+        </p:nvSpPr>
+        <p:spPr>
+          <a:xfrm>
+            <a:off x="6894310" y="5589598"/>
+            <a:ext cx="157980" cy="165253"/>
+          </a:xfrm>
+          <a:prstGeom prst="verticalScroll">
+            <a:avLst/>
+          </a:prstGeom>
+          <a:noFill/>
+        </p:spPr>
+        <p:style>
+          <a:lnRef idx="2">
+            <a:schemeClr val="accent1">
+              <a:shade val="50000"/>
+            </a:schemeClr>
+          </a:lnRef>
+          <a:fillRef idx="1">
+            <a:schemeClr val="accent1"/>
+          </a:fillRef>
+          <a:effectRef idx="0">
+            <a:schemeClr val="accent1"/>
+          </a:effectRef>
+          <a:fontRef idx="minor">
+            <a:schemeClr val="lt1"/>
+          </a:fontRef>
+        </p:style>
+        <p:txBody>
+          <a:bodyPr rtlCol="0" anchor="ctr"/>
+          <a:lstStyle/>
+          <a:p>
+            <a:pPr algn="ctr"/>
+            <a:endParaRPr lang="es-419"/>
+          </a:p>
+        </p:txBody>
+      </p:sp>
+      <p:sp>
+        <p:nvSpPr>
+          <p:cNvPr id="152" name="Scroll: Vertical 151">
+            <a:extLst>
+              <a:ext uri="{FF2B5EF4-FFF2-40B4-BE49-F238E27FC236}">
+                <a16:creationId xmlns:a16="http://schemas.microsoft.com/office/drawing/2014/main" id="{0573FC67-6E18-FED2-A2F2-7E35C294AC41}"/>
+              </a:ext>
+            </a:extLst>
+          </p:cNvPr>
+          <p:cNvSpPr/>
+          <p:nvPr/>
+        </p:nvSpPr>
+        <p:spPr>
+          <a:xfrm>
+            <a:off x="7115533" y="5589598"/>
+            <a:ext cx="157980" cy="165253"/>
+          </a:xfrm>
+          <a:prstGeom prst="verticalScroll">
+            <a:avLst/>
+          </a:prstGeom>
+          <a:noFill/>
+        </p:spPr>
+        <p:style>
+          <a:lnRef idx="2">
+            <a:schemeClr val="accent1">
+              <a:shade val="50000"/>
+            </a:schemeClr>
+          </a:lnRef>
+          <a:fillRef idx="1">
+            <a:schemeClr val="accent1"/>
+          </a:fillRef>
+          <a:effectRef idx="0">
+            <a:schemeClr val="accent1"/>
+          </a:effectRef>
+          <a:fontRef idx="minor">
+            <a:schemeClr val="lt1"/>
+          </a:fontRef>
+        </p:style>
+        <p:txBody>
+          <a:bodyPr rtlCol="0" anchor="ctr"/>
+          <a:lstStyle/>
+          <a:p>
+            <a:pPr algn="ctr"/>
+            <a:endParaRPr lang="es-419"/>
+          </a:p>
+        </p:txBody>
+      </p:sp>
+      <p:sp>
+        <p:nvSpPr>
+          <p:cNvPr id="153" name="Scroll: Vertical 152">
+            <a:extLst>
+              <a:ext uri="{FF2B5EF4-FFF2-40B4-BE49-F238E27FC236}">
+                <a16:creationId xmlns:a16="http://schemas.microsoft.com/office/drawing/2014/main" id="{3B504943-13D1-25AA-D702-DE03EFD944D6}"/>
+              </a:ext>
+            </a:extLst>
+          </p:cNvPr>
+          <p:cNvSpPr/>
+          <p:nvPr/>
+        </p:nvSpPr>
+        <p:spPr>
+          <a:xfrm>
+            <a:off x="7336756" y="5589598"/>
+            <a:ext cx="157980" cy="165253"/>
+          </a:xfrm>
+          <a:prstGeom prst="verticalScroll">
+            <a:avLst/>
+          </a:prstGeom>
+          <a:noFill/>
+        </p:spPr>
+        <p:style>
+          <a:lnRef idx="2">
+            <a:schemeClr val="accent1">
+              <a:shade val="50000"/>
+            </a:schemeClr>
+          </a:lnRef>
+          <a:fillRef idx="1">
+            <a:schemeClr val="accent1"/>
+          </a:fillRef>
+          <a:effectRef idx="0">
+            <a:schemeClr val="accent1"/>
+          </a:effectRef>
+          <a:fontRef idx="minor">
+            <a:schemeClr val="lt1"/>
+          </a:fontRef>
+        </p:style>
+        <p:txBody>
+          <a:bodyPr rtlCol="0" anchor="ctr"/>
+          <a:lstStyle/>
+          <a:p>
+            <a:pPr algn="ctr"/>
+            <a:endParaRPr lang="es-419"/>
+          </a:p>
+        </p:txBody>
+      </p:sp>
+      <p:sp>
+        <p:nvSpPr>
+          <p:cNvPr id="154" name="Scroll: Vertical 153">
+            <a:extLst>
+              <a:ext uri="{FF2B5EF4-FFF2-40B4-BE49-F238E27FC236}">
+                <a16:creationId xmlns:a16="http://schemas.microsoft.com/office/drawing/2014/main" id="{E8920587-76F9-3CD6-E452-C041D6A7AD35}"/>
+              </a:ext>
+            </a:extLst>
+          </p:cNvPr>
+          <p:cNvSpPr/>
+          <p:nvPr/>
+        </p:nvSpPr>
+        <p:spPr>
+          <a:xfrm>
+            <a:off x="7557979" y="5589598"/>
+            <a:ext cx="157980" cy="165253"/>
+          </a:xfrm>
+          <a:prstGeom prst="verticalScroll">
+            <a:avLst/>
+          </a:prstGeom>
+          <a:noFill/>
+        </p:spPr>
+        <p:style>
+          <a:lnRef idx="2">
+            <a:schemeClr val="accent1">
+              <a:shade val="50000"/>
+            </a:schemeClr>
+          </a:lnRef>
+          <a:fillRef idx="1">
+            <a:schemeClr val="accent1"/>
+          </a:fillRef>
+          <a:effectRef idx="0">
+            <a:schemeClr val="accent1"/>
+          </a:effectRef>
+          <a:fontRef idx="minor">
+            <a:schemeClr val="lt1"/>
+          </a:fontRef>
+        </p:style>
+        <p:txBody>
+          <a:bodyPr rtlCol="0" anchor="ctr"/>
+          <a:lstStyle/>
+          <a:p>
+            <a:pPr algn="ctr"/>
+            <a:endParaRPr lang="es-419"/>
+          </a:p>
+        </p:txBody>
+      </p:sp>
+      <p:sp>
+        <p:nvSpPr>
+          <p:cNvPr id="155" name="Scroll: Vertical 154">
+            <a:extLst>
+              <a:ext uri="{FF2B5EF4-FFF2-40B4-BE49-F238E27FC236}">
+                <a16:creationId xmlns:a16="http://schemas.microsoft.com/office/drawing/2014/main" id="{A66E1EC6-B299-86B9-37D0-4E58A6C3B538}"/>
+              </a:ext>
+            </a:extLst>
+          </p:cNvPr>
+          <p:cNvSpPr/>
+          <p:nvPr/>
+        </p:nvSpPr>
+        <p:spPr>
+          <a:xfrm>
+            <a:off x="7779739" y="5589598"/>
+            <a:ext cx="157980" cy="165253"/>
+          </a:xfrm>
+          <a:prstGeom prst="verticalScroll">
+            <a:avLst/>
+          </a:prstGeom>
+          <a:noFill/>
+        </p:spPr>
+        <p:style>
+          <a:lnRef idx="2">
+            <a:schemeClr val="accent1">
+              <a:shade val="50000"/>
+            </a:schemeClr>
+          </a:lnRef>
+          <a:fillRef idx="1">
+            <a:schemeClr val="accent1"/>
+          </a:fillRef>
+          <a:effectRef idx="0">
+            <a:schemeClr val="accent1"/>
+          </a:effectRef>
+          <a:fontRef idx="minor">
+            <a:schemeClr val="lt1"/>
+          </a:fontRef>
+        </p:style>
+        <p:txBody>
+          <a:bodyPr rtlCol="0" anchor="ctr"/>
+          <a:lstStyle/>
+          <a:p>
+            <a:pPr algn="ctr"/>
+            <a:endParaRPr lang="es-419"/>
+          </a:p>
+        </p:txBody>
+      </p:sp>
+      <p:sp>
+        <p:nvSpPr>
+          <p:cNvPr id="156" name="Scroll: Vertical 155">
+            <a:extLst>
+              <a:ext uri="{FF2B5EF4-FFF2-40B4-BE49-F238E27FC236}">
+                <a16:creationId xmlns:a16="http://schemas.microsoft.com/office/drawing/2014/main" id="{2074AB49-8F4E-0643-3B34-9AA739BB682B}"/>
+              </a:ext>
+            </a:extLst>
+          </p:cNvPr>
+          <p:cNvSpPr/>
+          <p:nvPr/>
+        </p:nvSpPr>
+        <p:spPr>
+          <a:xfrm>
+            <a:off x="8000962" y="5589598"/>
+            <a:ext cx="157980" cy="165253"/>
+          </a:xfrm>
+          <a:prstGeom prst="verticalScroll">
+            <a:avLst/>
+          </a:prstGeom>
+          <a:noFill/>
+        </p:spPr>
+        <p:style>
+          <a:lnRef idx="2">
+            <a:schemeClr val="accent1">
+              <a:shade val="50000"/>
+            </a:schemeClr>
+          </a:lnRef>
+          <a:fillRef idx="1">
+            <a:schemeClr val="accent1"/>
+          </a:fillRef>
+          <a:effectRef idx="0">
+            <a:schemeClr val="accent1"/>
+          </a:effectRef>
+          <a:fontRef idx="minor">
+            <a:schemeClr val="lt1"/>
+          </a:fontRef>
+        </p:style>
+        <p:txBody>
+          <a:bodyPr rtlCol="0" anchor="ctr"/>
+          <a:lstStyle/>
+          <a:p>
+            <a:pPr algn="ctr"/>
+            <a:endParaRPr lang="es-419"/>
+          </a:p>
+        </p:txBody>
+      </p:sp>
+      <p:sp>
+        <p:nvSpPr>
+          <p:cNvPr id="157" name="Scroll: Vertical 156">
+            <a:extLst>
+              <a:ext uri="{FF2B5EF4-FFF2-40B4-BE49-F238E27FC236}">
+                <a16:creationId xmlns:a16="http://schemas.microsoft.com/office/drawing/2014/main" id="{EB4A203F-75D7-78CE-B703-D0A5EAF02608}"/>
+              </a:ext>
+            </a:extLst>
+          </p:cNvPr>
+          <p:cNvSpPr/>
+          <p:nvPr/>
+        </p:nvSpPr>
+        <p:spPr>
+          <a:xfrm>
+            <a:off x="8222185" y="5589598"/>
+            <a:ext cx="157980" cy="165253"/>
+          </a:xfrm>
+          <a:prstGeom prst="verticalScroll">
+            <a:avLst/>
+          </a:prstGeom>
+          <a:noFill/>
+        </p:spPr>
+        <p:style>
+          <a:lnRef idx="2">
+            <a:schemeClr val="accent1">
+              <a:shade val="50000"/>
+            </a:schemeClr>
+          </a:lnRef>
+          <a:fillRef idx="1">
+            <a:schemeClr val="accent1"/>
+          </a:fillRef>
+          <a:effectRef idx="0">
+            <a:schemeClr val="accent1"/>
+          </a:effectRef>
+          <a:fontRef idx="minor">
+            <a:schemeClr val="lt1"/>
+          </a:fontRef>
+        </p:style>
+        <p:txBody>
+          <a:bodyPr rtlCol="0" anchor="ctr"/>
+          <a:lstStyle/>
+          <a:p>
+            <a:pPr algn="ctr"/>
+            <a:endParaRPr lang="es-419">
+              <a:solidFill>
+                <a:schemeClr val="tx1"/>
+              </a:solidFill>
+            </a:endParaRPr>
+          </a:p>
+        </p:txBody>
+      </p:sp>
+      <p:cxnSp>
+        <p:nvCxnSpPr>
+          <p:cNvPr id="158" name="Straight Connector 157">
+            <a:extLst>
+              <a:ext uri="{FF2B5EF4-FFF2-40B4-BE49-F238E27FC236}">
+                <a16:creationId xmlns:a16="http://schemas.microsoft.com/office/drawing/2014/main" id="{17F2E140-F3DE-932A-33E9-16C6C88B752D}"/>
+              </a:ext>
+            </a:extLst>
+          </p:cNvPr>
+          <p:cNvCxnSpPr>
+            <a:stCxn id="149" idx="0"/>
+            <a:endCxn id="149" idx="2"/>
+          </p:cNvCxnSpPr>
+          <p:nvPr/>
+        </p:nvCxnSpPr>
+        <p:spPr>
+          <a:xfrm>
+            <a:off x="6195151" y="5399558"/>
+            <a:ext cx="0" cy="495759"/>
+          </a:xfrm>
+          <a:prstGeom prst="line">
+            <a:avLst/>
+          </a:prstGeom>
+        </p:spPr>
+        <p:style>
+          <a:lnRef idx="1">
+            <a:schemeClr val="accent1"/>
+          </a:lnRef>
+          <a:fillRef idx="0">
+            <a:schemeClr val="accent1"/>
+          </a:fillRef>
+          <a:effectRef idx="0">
+            <a:schemeClr val="accent1"/>
+          </a:effectRef>
+          <a:fontRef idx="minor">
+            <a:schemeClr val="tx1"/>
+          </a:fontRef>
+        </p:style>
+      </p:cxnSp>
+      <p:cxnSp>
+        <p:nvCxnSpPr>
+          <p:cNvPr id="159" name="Straight Arrow Connector 158">
+            <a:extLst>
+              <a:ext uri="{FF2B5EF4-FFF2-40B4-BE49-F238E27FC236}">
+                <a16:creationId xmlns:a16="http://schemas.microsoft.com/office/drawing/2014/main" id="{D78A2D54-9C78-8325-D7A0-6156993051D5}"/>
+              </a:ext>
+            </a:extLst>
+          </p:cNvPr>
+          <p:cNvCxnSpPr>
+            <a:cxnSpLocks/>
+          </p:cNvCxnSpPr>
+          <p:nvPr/>
+        </p:nvCxnSpPr>
+        <p:spPr>
+          <a:xfrm flipV="1">
+            <a:off x="7525932" y="3669909"/>
+            <a:ext cx="200330" cy="1675283"/>
+          </a:xfrm>
+          <a:prstGeom prst="straightConnector1">
+            <a:avLst/>
+          </a:prstGeom>
+          <a:ln>
+            <a:tailEnd type="triangle"/>
+          </a:ln>
+        </p:spPr>
+        <p:style>
+          <a:lnRef idx="1">
+            <a:schemeClr val="accent1"/>
+          </a:lnRef>
+          <a:fillRef idx="0">
+            <a:schemeClr val="accent1"/>
+          </a:fillRef>
+          <a:effectRef idx="0">
+            <a:schemeClr val="accent1"/>
+          </a:effectRef>
+          <a:fontRef idx="minor">
+            <a:schemeClr val="tx1"/>
+          </a:fontRef>
+        </p:style>
+      </p:cxnSp>
+      <p:cxnSp>
+        <p:nvCxnSpPr>
+          <p:cNvPr id="160" name="Straight Arrow Connector 159">
+            <a:extLst>
+              <a:ext uri="{FF2B5EF4-FFF2-40B4-BE49-F238E27FC236}">
+                <a16:creationId xmlns:a16="http://schemas.microsoft.com/office/drawing/2014/main" id="{7B4CAB45-6CD8-E773-1756-2B1D567F80B6}"/>
+              </a:ext>
+            </a:extLst>
+          </p:cNvPr>
+          <p:cNvCxnSpPr>
+            <a:cxnSpLocks/>
+          </p:cNvCxnSpPr>
+          <p:nvPr/>
+        </p:nvCxnSpPr>
+        <p:spPr>
+          <a:xfrm flipH="1" flipV="1">
+            <a:off x="3317850" y="3723833"/>
+            <a:ext cx="303024" cy="1923605"/>
+          </a:xfrm>
+          <a:prstGeom prst="straightConnector1">
+            <a:avLst/>
+          </a:prstGeom>
+          <a:ln>
+            <a:tailEnd type="triangle"/>
+          </a:ln>
+        </p:spPr>
+        <p:style>
+          <a:lnRef idx="1">
+            <a:schemeClr val="accent1"/>
+          </a:lnRef>
+          <a:fillRef idx="0">
+            <a:schemeClr val="accent1"/>
+          </a:fillRef>
+          <a:effectRef idx="0">
+            <a:schemeClr val="accent1"/>
+          </a:effectRef>
+          <a:fontRef idx="minor">
+            <a:schemeClr val="tx1"/>
+          </a:fontRef>
+        </p:style>
+      </p:cxnSp>
+      <p:cxnSp>
+        <p:nvCxnSpPr>
+          <p:cNvPr id="161" name="Straight Arrow Connector 160">
+            <a:extLst>
+              <a:ext uri="{FF2B5EF4-FFF2-40B4-BE49-F238E27FC236}">
+                <a16:creationId xmlns:a16="http://schemas.microsoft.com/office/drawing/2014/main" id="{0A3A4D98-4F32-F339-8287-F7499453500F}"/>
+              </a:ext>
+            </a:extLst>
+          </p:cNvPr>
+          <p:cNvCxnSpPr>
+            <a:cxnSpLocks/>
+          </p:cNvCxnSpPr>
+          <p:nvPr/>
+        </p:nvCxnSpPr>
+        <p:spPr>
+          <a:xfrm flipH="1" flipV="1">
+            <a:off x="5392408" y="3224164"/>
+            <a:ext cx="1622740" cy="2175394"/>
+          </a:xfrm>
+          <a:prstGeom prst="straightConnector1">
+            <a:avLst/>
+          </a:prstGeom>
+          <a:ln>
+            <a:tailEnd type="triangle"/>
+          </a:ln>
+        </p:spPr>
+        <p:style>
+          <a:lnRef idx="1">
+            <a:schemeClr val="accent1"/>
+          </a:lnRef>
+          <a:fillRef idx="0">
+            <a:schemeClr val="accent1"/>
+          </a:fillRef>
+          <a:effectRef idx="0">
+            <a:schemeClr val="accent1"/>
+          </a:effectRef>
+          <a:fontRef idx="minor">
+            <a:schemeClr val="tx1"/>
+          </a:fontRef>
+        </p:style>
+      </p:cxnSp>
+      <p:cxnSp>
+        <p:nvCxnSpPr>
+          <p:cNvPr id="162" name="Straight Arrow Connector 161">
+            <a:extLst>
+              <a:ext uri="{FF2B5EF4-FFF2-40B4-BE49-F238E27FC236}">
+                <a16:creationId xmlns:a16="http://schemas.microsoft.com/office/drawing/2014/main" id="{C55F6917-6983-2BAB-CE31-E1D42C050731}"/>
+              </a:ext>
+            </a:extLst>
+          </p:cNvPr>
+          <p:cNvCxnSpPr>
+            <a:cxnSpLocks/>
+          </p:cNvCxnSpPr>
+          <p:nvPr/>
+        </p:nvCxnSpPr>
+        <p:spPr>
+          <a:xfrm flipH="1" flipV="1">
+            <a:off x="6172614" y="3224164"/>
+            <a:ext cx="852942" cy="2175394"/>
+          </a:xfrm>
+          <a:prstGeom prst="straightConnector1">
+            <a:avLst/>
+          </a:prstGeom>
+          <a:ln>
+            <a:tailEnd type="triangle"/>
+          </a:ln>
+        </p:spPr>
+        <p:style>
+          <a:lnRef idx="1">
+            <a:schemeClr val="accent1"/>
+          </a:lnRef>
+          <a:fillRef idx="0">
+            <a:schemeClr val="accent1"/>
+          </a:fillRef>
+          <a:effectRef idx="0">
+            <a:schemeClr val="accent1"/>
+          </a:effectRef>
+          <a:fontRef idx="minor">
+            <a:schemeClr val="tx1"/>
+          </a:fontRef>
+        </p:style>
+      </p:cxnSp>
+      <p:cxnSp>
+        <p:nvCxnSpPr>
+          <p:cNvPr id="163" name="Straight Arrow Connector 162">
+            <a:extLst>
+              <a:ext uri="{FF2B5EF4-FFF2-40B4-BE49-F238E27FC236}">
+                <a16:creationId xmlns:a16="http://schemas.microsoft.com/office/drawing/2014/main" id="{8F160417-5FF4-6C6C-2A51-D68318AD5506}"/>
+              </a:ext>
+            </a:extLst>
+          </p:cNvPr>
+          <p:cNvCxnSpPr>
+            <a:cxnSpLocks/>
+          </p:cNvCxnSpPr>
+          <p:nvPr/>
+        </p:nvCxnSpPr>
+        <p:spPr>
+          <a:xfrm flipH="1" flipV="1">
+            <a:off x="6967748" y="3224164"/>
+            <a:ext cx="76578" cy="2165973"/>
+          </a:xfrm>
+          <a:prstGeom prst="straightConnector1">
+            <a:avLst/>
+          </a:prstGeom>
+          <a:ln>
+            <a:tailEnd type="triangle"/>
+          </a:ln>
+        </p:spPr>
+        <p:style>
+          <a:lnRef idx="1">
+            <a:schemeClr val="accent1"/>
+          </a:lnRef>
+          <a:fillRef idx="0">
+            <a:schemeClr val="accent1"/>
+          </a:fillRef>
+          <a:effectRef idx="0">
+            <a:schemeClr val="accent1"/>
+          </a:effectRef>
+          <a:fontRef idx="minor">
+            <a:schemeClr val="tx1"/>
+          </a:fontRef>
+        </p:style>
+      </p:cxnSp>
+      <p:cxnSp>
+        <p:nvCxnSpPr>
+          <p:cNvPr id="164" name="Straight Arrow Connector 163">
+            <a:extLst>
+              <a:ext uri="{FF2B5EF4-FFF2-40B4-BE49-F238E27FC236}">
+                <a16:creationId xmlns:a16="http://schemas.microsoft.com/office/drawing/2014/main" id="{891B8D70-3E8F-2FAE-B0C4-7F75D09D16C2}"/>
+              </a:ext>
+            </a:extLst>
+          </p:cNvPr>
+          <p:cNvCxnSpPr>
+            <a:cxnSpLocks/>
+          </p:cNvCxnSpPr>
+          <p:nvPr/>
+        </p:nvCxnSpPr>
+        <p:spPr>
+          <a:xfrm>
+            <a:off x="3828125" y="2903078"/>
+            <a:ext cx="1682678" cy="2546054"/>
+          </a:xfrm>
+          <a:prstGeom prst="straightConnector1">
+            <a:avLst/>
+          </a:prstGeom>
+          <a:ln>
+            <a:tailEnd type="triangle"/>
+          </a:ln>
+        </p:spPr>
+        <p:style>
+          <a:lnRef idx="1">
+            <a:schemeClr val="accent1"/>
+          </a:lnRef>
+          <a:fillRef idx="0">
+            <a:schemeClr val="accent1"/>
+          </a:fillRef>
+          <a:effectRef idx="0">
+            <a:schemeClr val="accent1"/>
+          </a:effectRef>
+          <a:fontRef idx="minor">
+            <a:schemeClr val="tx1"/>
+          </a:fontRef>
+        </p:style>
+      </p:cxnSp>
+      <p:cxnSp>
+        <p:nvCxnSpPr>
+          <p:cNvPr id="165" name="Straight Arrow Connector 164">
+            <a:extLst>
+              <a:ext uri="{FF2B5EF4-FFF2-40B4-BE49-F238E27FC236}">
+                <a16:creationId xmlns:a16="http://schemas.microsoft.com/office/drawing/2014/main" id="{F6B07176-4B33-1BD9-D5E9-B62E9C94AC74}"/>
+              </a:ext>
+            </a:extLst>
+          </p:cNvPr>
+          <p:cNvCxnSpPr>
+            <a:cxnSpLocks/>
+          </p:cNvCxnSpPr>
+          <p:nvPr/>
+        </p:nvCxnSpPr>
+        <p:spPr>
+          <a:xfrm>
+            <a:off x="2877073" y="3224164"/>
+            <a:ext cx="2552717" cy="2184815"/>
+          </a:xfrm>
+          <a:prstGeom prst="straightConnector1">
+            <a:avLst/>
+          </a:prstGeom>
+          <a:ln>
+            <a:tailEnd type="triangle"/>
+          </a:ln>
+        </p:spPr>
+        <p:style>
+          <a:lnRef idx="1">
+            <a:schemeClr val="accent1"/>
+          </a:lnRef>
+          <a:fillRef idx="0">
+            <a:schemeClr val="accent1"/>
+          </a:fillRef>
+          <a:effectRef idx="0">
+            <a:schemeClr val="accent1"/>
+          </a:effectRef>
+          <a:fontRef idx="minor">
+            <a:schemeClr val="tx1"/>
+          </a:fontRef>
+        </p:style>
+      </p:cxnSp>
+      <p:cxnSp>
+        <p:nvCxnSpPr>
+          <p:cNvPr id="166" name="Straight Arrow Connector 165">
+            <a:extLst>
+              <a:ext uri="{FF2B5EF4-FFF2-40B4-BE49-F238E27FC236}">
+                <a16:creationId xmlns:a16="http://schemas.microsoft.com/office/drawing/2014/main" id="{0F213512-F1AC-6BD0-4614-40B041A97A49}"/>
+              </a:ext>
+            </a:extLst>
+          </p:cNvPr>
+          <p:cNvCxnSpPr>
+            <a:cxnSpLocks/>
+          </p:cNvCxnSpPr>
+          <p:nvPr/>
+        </p:nvCxnSpPr>
+        <p:spPr>
+          <a:xfrm>
+            <a:off x="3828125" y="1944610"/>
+            <a:ext cx="1753794" cy="3454948"/>
+          </a:xfrm>
+          <a:prstGeom prst="straightConnector1">
+            <a:avLst/>
+          </a:prstGeom>
+          <a:ln>
+            <a:tailEnd type="triangle"/>
+          </a:ln>
+        </p:spPr>
+        <p:style>
+          <a:lnRef idx="1">
+            <a:schemeClr val="accent1"/>
+          </a:lnRef>
+          <a:fillRef idx="0">
+            <a:schemeClr val="accent1"/>
+          </a:fillRef>
+          <a:effectRef idx="0">
+            <a:schemeClr val="accent1"/>
+          </a:effectRef>
+          <a:fontRef idx="minor">
+            <a:schemeClr val="tx1"/>
+          </a:fontRef>
+        </p:style>
+      </p:cxnSp>
+      <p:cxnSp>
+        <p:nvCxnSpPr>
+          <p:cNvPr id="167" name="Straight Arrow Connector 166">
+            <a:extLst>
+              <a:ext uri="{FF2B5EF4-FFF2-40B4-BE49-F238E27FC236}">
+                <a16:creationId xmlns:a16="http://schemas.microsoft.com/office/drawing/2014/main" id="{2DD96BF3-E1C3-92D5-169E-C7E2E3196F41}"/>
+              </a:ext>
+            </a:extLst>
+          </p:cNvPr>
+          <p:cNvCxnSpPr>
+            <a:cxnSpLocks/>
+          </p:cNvCxnSpPr>
+          <p:nvPr/>
+        </p:nvCxnSpPr>
+        <p:spPr>
+          <a:xfrm flipV="1">
+            <a:off x="8769428" y="3660488"/>
+            <a:ext cx="1397053" cy="1986950"/>
+          </a:xfrm>
+          <a:prstGeom prst="straightConnector1">
+            <a:avLst/>
+          </a:prstGeom>
+          <a:ln>
+            <a:tailEnd type="triangle"/>
+          </a:ln>
+        </p:spPr>
+        <p:style>
+          <a:lnRef idx="1">
+            <a:schemeClr val="accent1"/>
+          </a:lnRef>
+          <a:fillRef idx="0">
+            <a:schemeClr val="accent1"/>
+          </a:fillRef>
+          <a:effectRef idx="0">
+            <a:schemeClr val="accent1"/>
+          </a:effectRef>
+          <a:fontRef idx="minor">
+            <a:schemeClr val="tx1"/>
+          </a:fontRef>
+        </p:style>
+      </p:cxnSp>
+      <p:cxnSp>
+        <p:nvCxnSpPr>
+          <p:cNvPr id="168" name="Connector: Curved 167">
+            <a:extLst>
+              <a:ext uri="{FF2B5EF4-FFF2-40B4-BE49-F238E27FC236}">
+                <a16:creationId xmlns:a16="http://schemas.microsoft.com/office/drawing/2014/main" id="{5DEA06A9-6B50-2E4F-9C8F-5D9B52B17665}"/>
+              </a:ext>
+            </a:extLst>
+          </p:cNvPr>
+          <p:cNvCxnSpPr>
+            <a:cxnSpLocks/>
+          </p:cNvCxnSpPr>
+          <p:nvPr/>
+        </p:nvCxnSpPr>
+        <p:spPr>
+          <a:xfrm rot="16200000" flipH="1">
+            <a:off x="1922052" y="3948616"/>
+            <a:ext cx="1986950" cy="1410693"/>
+          </a:xfrm>
+          <a:prstGeom prst="curvedConnector2">
+            <a:avLst/>
+          </a:prstGeom>
+          <a:ln>
+            <a:tailEnd type="triangle"/>
+          </a:ln>
+        </p:spPr>
+        <p:style>
+          <a:lnRef idx="1">
+            <a:schemeClr val="accent1"/>
+          </a:lnRef>
+          <a:fillRef idx="0">
+            <a:schemeClr val="accent1"/>
+          </a:fillRef>
+          <a:effectRef idx="0">
+            <a:schemeClr val="accent1"/>
+          </a:effectRef>
+          <a:fontRef idx="minor">
+            <a:schemeClr val="tx1"/>
+          </a:fontRef>
+        </p:style>
+      </p:cxnSp>
+      <p:sp>
+        <p:nvSpPr>
+          <p:cNvPr id="169" name="TextBox 168">
+            <a:extLst>
+              <a:ext uri="{FF2B5EF4-FFF2-40B4-BE49-F238E27FC236}">
+                <a16:creationId xmlns:a16="http://schemas.microsoft.com/office/drawing/2014/main" id="{306BAB3C-94C0-3CE8-AD2F-A7B796482AEB}"/>
+              </a:ext>
+            </a:extLst>
+          </p:cNvPr>
+          <p:cNvSpPr txBox="1"/>
+          <p:nvPr/>
+        </p:nvSpPr>
+        <p:spPr>
+          <a:xfrm>
+            <a:off x="7846857" y="3829953"/>
+            <a:ext cx="700833" cy="369332"/>
+          </a:xfrm>
+          <a:prstGeom prst="rect">
+            <a:avLst/>
+          </a:prstGeom>
+          <a:noFill/>
+        </p:spPr>
+        <p:txBody>
+          <a:bodyPr wrap="none" rtlCol="0">
+            <a:spAutoFit/>
+          </a:bodyPr>
+          <a:lstStyle/>
+          <a:p>
+            <a:r>
+              <a:rPr lang="es-419" dirty="0"/>
+              <a:t>PUSH</a:t>
+            </a:r>
+          </a:p>
+        </p:txBody>
+      </p:sp>
+      <p:sp>
+        <p:nvSpPr>
+          <p:cNvPr id="170" name="TextBox 169">
+            <a:extLst>
+              <a:ext uri="{FF2B5EF4-FFF2-40B4-BE49-F238E27FC236}">
+                <a16:creationId xmlns:a16="http://schemas.microsoft.com/office/drawing/2014/main" id="{F4F15D5E-1819-8B2D-ECA0-E8D98CF55FEA}"/>
+              </a:ext>
+            </a:extLst>
+          </p:cNvPr>
+          <p:cNvSpPr txBox="1"/>
+          <p:nvPr/>
+        </p:nvSpPr>
+        <p:spPr>
+          <a:xfrm>
+            <a:off x="3854199" y="3827916"/>
+            <a:ext cx="646331" cy="369332"/>
+          </a:xfrm>
+          <a:prstGeom prst="rect">
+            <a:avLst/>
+          </a:prstGeom>
+          <a:noFill/>
+        </p:spPr>
+        <p:txBody>
+          <a:bodyPr wrap="none" rtlCol="0">
+            <a:spAutoFit/>
+          </a:bodyPr>
+          <a:lstStyle/>
+          <a:p>
+            <a:r>
+              <a:rPr lang="es-419" dirty="0"/>
+              <a:t>PULL</a:t>
+            </a:r>
+          </a:p>
+        </p:txBody>
+      </p:sp>
+      <p:sp>
+        <p:nvSpPr>
+          <p:cNvPr id="171" name="TextBox 170">
+            <a:extLst>
+              <a:ext uri="{FF2B5EF4-FFF2-40B4-BE49-F238E27FC236}">
+                <a16:creationId xmlns:a16="http://schemas.microsoft.com/office/drawing/2014/main" id="{AD5F6796-E846-9A40-3386-8BE86FDBC2FB}"/>
+              </a:ext>
+            </a:extLst>
+          </p:cNvPr>
+          <p:cNvSpPr txBox="1"/>
+          <p:nvPr/>
+        </p:nvSpPr>
+        <p:spPr>
+          <a:xfrm>
+            <a:off x="5167550" y="5959104"/>
+            <a:ext cx="2115964" cy="369332"/>
+          </a:xfrm>
+          <a:prstGeom prst="rect">
+            <a:avLst/>
+          </a:prstGeom>
+          <a:noFill/>
+        </p:spPr>
+        <p:txBody>
+          <a:bodyPr wrap="none" rtlCol="0">
+            <a:spAutoFit/>
+          </a:bodyPr>
+          <a:lstStyle/>
+          <a:p>
+            <a:r>
+              <a:rPr lang="es-419" dirty="0" err="1"/>
+              <a:t>Configuration</a:t>
+            </a:r>
+            <a:r>
+              <a:rPr lang="es-419" dirty="0"/>
+              <a:t> Server</a:t>
+            </a:r>
+          </a:p>
+        </p:txBody>
+      </p:sp>
+      <p:sp>
+        <p:nvSpPr>
+          <p:cNvPr id="172" name="Rectangle: Rounded Corners 171">
+            <a:extLst>
+              <a:ext uri="{FF2B5EF4-FFF2-40B4-BE49-F238E27FC236}">
+                <a16:creationId xmlns:a16="http://schemas.microsoft.com/office/drawing/2014/main" id="{E0CF6E0B-4D88-CB04-9914-3A4DD9F59227}"/>
+              </a:ext>
+            </a:extLst>
+          </p:cNvPr>
+          <p:cNvSpPr/>
+          <p:nvPr/>
+        </p:nvSpPr>
+        <p:spPr>
+          <a:xfrm>
+            <a:off x="5556383" y="6297578"/>
+            <a:ext cx="1233443" cy="278306"/>
+          </a:xfrm>
+          <a:prstGeom prst="roundRect">
+            <a:avLst/>
+          </a:prstGeom>
+          <a:noFill/>
+        </p:spPr>
+        <p:style>
+          <a:lnRef idx="2">
+            <a:schemeClr val="accent1">
+              <a:shade val="50000"/>
+            </a:schemeClr>
+          </a:lnRef>
+          <a:fillRef idx="1">
+            <a:schemeClr val="accent1"/>
+          </a:fillRef>
+          <a:effectRef idx="0">
+            <a:schemeClr val="accent1"/>
+          </a:effectRef>
+          <a:fontRef idx="minor">
+            <a:schemeClr val="lt1"/>
+          </a:fontRef>
+        </p:style>
+        <p:txBody>
+          <a:bodyPr rtlCol="0" anchor="ctr"/>
+          <a:lstStyle/>
+          <a:p>
+            <a:pPr algn="ctr"/>
+            <a:r>
+              <a:rPr lang="es-419" sz="1000" dirty="0" err="1">
+                <a:solidFill>
+                  <a:sysClr val="windowText" lastClr="000000"/>
+                </a:solidFill>
+              </a:rPr>
+              <a:t>Config</a:t>
+            </a:r>
+            <a:r>
+              <a:rPr lang="es-419" sz="1000" dirty="0">
+                <a:solidFill>
+                  <a:sysClr val="windowText" lastClr="000000"/>
+                </a:solidFill>
+              </a:rPr>
+              <a:t> Server</a:t>
+            </a:r>
+          </a:p>
+        </p:txBody>
+      </p:sp>
+      <p:pic>
+        <p:nvPicPr>
+          <p:cNvPr id="173" name="Picture 2" descr="Padlock - Free security icons">
+            <a:extLst>
+              <a:ext uri="{FF2B5EF4-FFF2-40B4-BE49-F238E27FC236}">
+                <a16:creationId xmlns:a16="http://schemas.microsoft.com/office/drawing/2014/main" id="{E417AC8B-207F-417D-027A-BB326A3EE436}"/>
+              </a:ext>
+            </a:extLst>
+          </p:cNvPr>
+          <p:cNvPicPr>
+            <a:picLocks noChangeAspect="1" noChangeArrowheads="1"/>
+          </p:cNvPicPr>
+          <p:nvPr/>
+        </p:nvPicPr>
+        <p:blipFill>
+          <a:blip r:embed="rId2">
+            <a:extLst>
+              <a:ext uri="{28A0092B-C50C-407E-A947-70E740481C1C}">
+                <a14:useLocalDpi xmlns:a14="http://schemas.microsoft.com/office/drawing/2010/main" val="0"/>
+              </a:ext>
+            </a:extLst>
+          </a:blip>
+          <a:srcRect/>
+          <a:stretch>
+            <a:fillRect/>
+          </a:stretch>
+        </p:blipFill>
+        <p:spPr bwMode="auto">
+          <a:xfrm flipH="1">
+            <a:off x="8046018" y="5950530"/>
+            <a:ext cx="255157" cy="255157"/>
+          </a:xfrm>
+          <a:prstGeom prst="rect">
+            <a:avLst/>
+          </a:prstGeom>
+          <a:noFill/>
+          <a:extLst>
+            <a:ext uri="{909E8E84-426E-40DD-AFC4-6F175D3DCCD1}">
+              <a14:hiddenFill xmlns:a14="http://schemas.microsoft.com/office/drawing/2010/main">
+                <a:solidFill>
+                  <a:srgbClr val="FFFFFF"/>
+                </a:solidFill>
+              </a14:hiddenFill>
+            </a:ext>
+          </a:extLst>
+        </p:spPr>
+      </p:pic>
+      <p:pic>
+        <p:nvPicPr>
+          <p:cNvPr id="174" name="Picture 12" descr="Version Icons &amp; Symbols">
+            <a:extLst>
+              <a:ext uri="{FF2B5EF4-FFF2-40B4-BE49-F238E27FC236}">
+                <a16:creationId xmlns:a16="http://schemas.microsoft.com/office/drawing/2014/main" id="{94B846C4-3712-2DC7-22A3-DB52E2D3A32A}"/>
+              </a:ext>
+            </a:extLst>
+          </p:cNvPr>
+          <p:cNvPicPr>
+            <a:picLocks noChangeAspect="1" noChangeArrowheads="1"/>
+          </p:cNvPicPr>
+          <p:nvPr/>
+        </p:nvPicPr>
+        <p:blipFill>
+          <a:blip r:embed="rId3">
+            <a:extLst>
+              <a:ext uri="{28A0092B-C50C-407E-A947-70E740481C1C}">
+                <a14:useLocalDpi xmlns:a14="http://schemas.microsoft.com/office/drawing/2010/main" val="0"/>
+              </a:ext>
+            </a:extLst>
+          </a:blip>
+          <a:srcRect/>
+          <a:stretch>
+            <a:fillRect/>
+          </a:stretch>
+        </p:blipFill>
+        <p:spPr bwMode="auto">
+          <a:xfrm>
+            <a:off x="8402025" y="5963858"/>
+            <a:ext cx="255156" cy="255156"/>
+          </a:xfrm>
+          <a:prstGeom prst="rect">
+            <a:avLst/>
+          </a:prstGeom>
+          <a:noFill/>
+          <a:extLst>
+            <a:ext uri="{909E8E84-426E-40DD-AFC4-6F175D3DCCD1}">
+              <a14:hiddenFill xmlns:a14="http://schemas.microsoft.com/office/drawing/2010/main">
+                <a:solidFill>
+                  <a:srgbClr val="FFFFFF"/>
+                </a:solidFill>
+              </a14:hiddenFill>
+            </a:ext>
+          </a:extLst>
+        </p:spPr>
+      </p:pic>
+      <p:pic>
+        <p:nvPicPr>
+          <p:cNvPr id="175" name="Picture 4" descr="Encryption - Free computer icons">
+            <a:extLst>
+              <a:ext uri="{FF2B5EF4-FFF2-40B4-BE49-F238E27FC236}">
+                <a16:creationId xmlns:a16="http://schemas.microsoft.com/office/drawing/2014/main" id="{E098099C-8507-2D9E-ED7C-386FCE561310}"/>
+              </a:ext>
+            </a:extLst>
+          </p:cNvPr>
+          <p:cNvPicPr>
+            <a:picLocks noChangeAspect="1" noChangeArrowheads="1"/>
+          </p:cNvPicPr>
+          <p:nvPr/>
+        </p:nvPicPr>
+        <p:blipFill>
+          <a:blip r:embed="rId4">
+            <a:extLst>
+              <a:ext uri="{28A0092B-C50C-407E-A947-70E740481C1C}">
+                <a14:useLocalDpi xmlns:a14="http://schemas.microsoft.com/office/drawing/2010/main" val="0"/>
+              </a:ext>
+            </a:extLst>
+          </a:blip>
+          <a:srcRect/>
+          <a:stretch>
+            <a:fillRect/>
+          </a:stretch>
+        </p:blipFill>
+        <p:spPr bwMode="auto">
+          <a:xfrm>
+            <a:off x="9685414" y="4409250"/>
+            <a:ext cx="196599" cy="196599"/>
+          </a:xfrm>
+          <a:prstGeom prst="rect">
+            <a:avLst/>
+          </a:prstGeom>
+          <a:noFill/>
+          <a:extLst>
+            <a:ext uri="{909E8E84-426E-40DD-AFC4-6F175D3DCCD1}">
+              <a14:hiddenFill xmlns:a14="http://schemas.microsoft.com/office/drawing/2010/main">
+                <a:solidFill>
+                  <a:srgbClr val="FFFFFF"/>
+                </a:solidFill>
+              </a14:hiddenFill>
+            </a:ext>
+          </a:extLst>
+        </p:spPr>
+      </p:pic>
+      <p:pic>
+        <p:nvPicPr>
+          <p:cNvPr id="176" name="Picture 4" descr="Encryption - Free computer icons">
+            <a:extLst>
+              <a:ext uri="{FF2B5EF4-FFF2-40B4-BE49-F238E27FC236}">
+                <a16:creationId xmlns:a16="http://schemas.microsoft.com/office/drawing/2014/main" id="{E616B524-85A9-1E30-E298-9245C54936C1}"/>
+              </a:ext>
+            </a:extLst>
+          </p:cNvPr>
+          <p:cNvPicPr>
+            <a:picLocks noChangeAspect="1" noChangeArrowheads="1"/>
+          </p:cNvPicPr>
+          <p:nvPr/>
+        </p:nvPicPr>
+        <p:blipFill>
+          <a:blip r:embed="rId4">
+            <a:extLst>
+              <a:ext uri="{28A0092B-C50C-407E-A947-70E740481C1C}">
+                <a14:useLocalDpi xmlns:a14="http://schemas.microsoft.com/office/drawing/2010/main" val="0"/>
+              </a:ext>
+            </a:extLst>
+          </a:blip>
+          <a:srcRect/>
+          <a:stretch>
+            <a:fillRect/>
+          </a:stretch>
+        </p:blipFill>
+        <p:spPr bwMode="auto">
+          <a:xfrm>
+            <a:off x="7650258" y="4409250"/>
+            <a:ext cx="196599" cy="196599"/>
+          </a:xfrm>
+          <a:prstGeom prst="rect">
+            <a:avLst/>
+          </a:prstGeom>
+          <a:noFill/>
+          <a:extLst>
+            <a:ext uri="{909E8E84-426E-40DD-AFC4-6F175D3DCCD1}">
+              <a14:hiddenFill xmlns:a14="http://schemas.microsoft.com/office/drawing/2010/main">
+                <a:solidFill>
+                  <a:srgbClr val="FFFFFF"/>
+                </a:solidFill>
+              </a14:hiddenFill>
+            </a:ext>
+          </a:extLst>
+        </p:spPr>
+      </p:pic>
+      <p:pic>
+        <p:nvPicPr>
+          <p:cNvPr id="177" name="Picture 4" descr="Encryption - Free computer icons">
+            <a:extLst>
+              <a:ext uri="{FF2B5EF4-FFF2-40B4-BE49-F238E27FC236}">
+                <a16:creationId xmlns:a16="http://schemas.microsoft.com/office/drawing/2014/main" id="{89900D07-6736-05A5-C328-CD4068DF2695}"/>
+              </a:ext>
+            </a:extLst>
+          </p:cNvPr>
+          <p:cNvPicPr>
+            <a:picLocks noChangeAspect="1" noChangeArrowheads="1"/>
+          </p:cNvPicPr>
+          <p:nvPr/>
+        </p:nvPicPr>
+        <p:blipFill>
+          <a:blip r:embed="rId4">
+            <a:extLst>
+              <a:ext uri="{28A0092B-C50C-407E-A947-70E740481C1C}">
+                <a14:useLocalDpi xmlns:a14="http://schemas.microsoft.com/office/drawing/2010/main" val="0"/>
+              </a:ext>
+            </a:extLst>
+          </a:blip>
+          <a:srcRect/>
+          <a:stretch>
+            <a:fillRect/>
+          </a:stretch>
+        </p:blipFill>
+        <p:spPr bwMode="auto">
+          <a:xfrm>
+            <a:off x="3220922" y="4409250"/>
+            <a:ext cx="196599" cy="196599"/>
+          </a:xfrm>
+          <a:prstGeom prst="rect">
+            <a:avLst/>
+          </a:prstGeom>
+          <a:noFill/>
+          <a:extLst>
+            <a:ext uri="{909E8E84-426E-40DD-AFC4-6F175D3DCCD1}">
+              <a14:hiddenFill xmlns:a14="http://schemas.microsoft.com/office/drawing/2010/main">
+                <a:solidFill>
+                  <a:srgbClr val="FFFFFF"/>
+                </a:solidFill>
+              </a14:hiddenFill>
+            </a:ext>
+          </a:extLst>
+        </p:spPr>
+      </p:pic>
+      <p:sp>
+        <p:nvSpPr>
+          <p:cNvPr id="178" name="Cylinder 177">
+            <a:extLst>
+              <a:ext uri="{FF2B5EF4-FFF2-40B4-BE49-F238E27FC236}">
+                <a16:creationId xmlns:a16="http://schemas.microsoft.com/office/drawing/2014/main" id="{9D866456-B0B9-5A9A-DCA8-BCFB5F51C007}"/>
+              </a:ext>
+            </a:extLst>
+          </p:cNvPr>
+          <p:cNvSpPr/>
+          <p:nvPr/>
+        </p:nvSpPr>
+        <p:spPr>
+          <a:xfrm>
+            <a:off x="9244725" y="5449132"/>
+            <a:ext cx="720839" cy="751902"/>
+          </a:xfrm>
+          <a:prstGeom prst="can">
+            <a:avLst/>
+          </a:prstGeom>
+          <a:noFill/>
+        </p:spPr>
+        <p:style>
+          <a:lnRef idx="2">
+            <a:schemeClr val="accent1">
+              <a:shade val="50000"/>
+            </a:schemeClr>
+          </a:lnRef>
+          <a:fillRef idx="1">
+            <a:schemeClr val="accent1"/>
+          </a:fillRef>
+          <a:effectRef idx="0">
+            <a:schemeClr val="accent1"/>
+          </a:effectRef>
+          <a:fontRef idx="minor">
+            <a:schemeClr val="lt1"/>
+          </a:fontRef>
+        </p:style>
+        <p:txBody>
+          <a:bodyPr rtlCol="0" anchor="ctr"/>
+          <a:lstStyle/>
+          <a:p>
+            <a:pPr algn="ctr"/>
+            <a:r>
+              <a:rPr lang="es-419" dirty="0">
+                <a:solidFill>
+                  <a:schemeClr val="tx1"/>
+                </a:solidFill>
+              </a:rPr>
+              <a:t>Git</a:t>
+            </a:r>
+          </a:p>
+        </p:txBody>
+      </p:sp>
+      <p:sp>
+        <p:nvSpPr>
+          <p:cNvPr id="179" name="Cylinder 178">
+            <a:extLst>
+              <a:ext uri="{FF2B5EF4-FFF2-40B4-BE49-F238E27FC236}">
+                <a16:creationId xmlns:a16="http://schemas.microsoft.com/office/drawing/2014/main" id="{0352E0BA-DF9A-4FAC-F3C1-66E89456E6A7}"/>
+              </a:ext>
+            </a:extLst>
+          </p:cNvPr>
+          <p:cNvSpPr/>
+          <p:nvPr/>
+        </p:nvSpPr>
+        <p:spPr>
+          <a:xfrm>
+            <a:off x="10173464" y="5449132"/>
+            <a:ext cx="720839" cy="751902"/>
+          </a:xfrm>
+          <a:prstGeom prst="can">
+            <a:avLst/>
+          </a:prstGeom>
+          <a:noFill/>
+        </p:spPr>
+        <p:style>
+          <a:lnRef idx="2">
+            <a:schemeClr val="accent1">
+              <a:shade val="50000"/>
+            </a:schemeClr>
+          </a:lnRef>
+          <a:fillRef idx="1">
+            <a:schemeClr val="accent1"/>
+          </a:fillRef>
+          <a:effectRef idx="0">
+            <a:schemeClr val="accent1"/>
+          </a:effectRef>
+          <a:fontRef idx="minor">
+            <a:schemeClr val="lt1"/>
+          </a:fontRef>
+        </p:style>
+        <p:txBody>
+          <a:bodyPr rtlCol="0" anchor="ctr"/>
+          <a:lstStyle/>
+          <a:p>
+            <a:pPr algn="ctr"/>
+            <a:r>
+              <a:rPr lang="es-419" dirty="0">
+                <a:solidFill>
+                  <a:schemeClr val="tx1"/>
+                </a:solidFill>
+              </a:rPr>
+              <a:t>SVN</a:t>
+            </a:r>
+          </a:p>
+        </p:txBody>
+      </p:sp>
+      <p:sp>
+        <p:nvSpPr>
+          <p:cNvPr id="180" name="Cylinder 179">
+            <a:extLst>
+              <a:ext uri="{FF2B5EF4-FFF2-40B4-BE49-F238E27FC236}">
+                <a16:creationId xmlns:a16="http://schemas.microsoft.com/office/drawing/2014/main" id="{6D879E5A-CD08-9A3C-035A-B33C3E0CECD6}"/>
+              </a:ext>
+            </a:extLst>
+          </p:cNvPr>
+          <p:cNvSpPr/>
+          <p:nvPr/>
+        </p:nvSpPr>
+        <p:spPr>
+          <a:xfrm>
+            <a:off x="11098162" y="5449132"/>
+            <a:ext cx="720839" cy="751902"/>
+          </a:xfrm>
+          <a:prstGeom prst="can">
+            <a:avLst/>
+          </a:prstGeom>
+          <a:noFill/>
+        </p:spPr>
+        <p:style>
+          <a:lnRef idx="2">
+            <a:schemeClr val="accent1">
+              <a:shade val="50000"/>
+            </a:schemeClr>
+          </a:lnRef>
+          <a:fillRef idx="1">
+            <a:schemeClr val="accent1"/>
+          </a:fillRef>
+          <a:effectRef idx="0">
+            <a:schemeClr val="accent1"/>
+          </a:effectRef>
+          <a:fontRef idx="minor">
+            <a:schemeClr val="lt1"/>
+          </a:fontRef>
+        </p:style>
+        <p:txBody>
+          <a:bodyPr rtlCol="0" anchor="ctr"/>
+          <a:lstStyle/>
+          <a:p>
+            <a:pPr algn="ctr"/>
+            <a:r>
+              <a:rPr lang="es-419" dirty="0">
+                <a:solidFill>
+                  <a:schemeClr val="tx1"/>
+                </a:solidFill>
+              </a:rPr>
+              <a:t>FILE</a:t>
+            </a:r>
+          </a:p>
+        </p:txBody>
+      </p:sp>
+      <p:cxnSp>
+        <p:nvCxnSpPr>
+          <p:cNvPr id="181" name="Straight Arrow Connector 180">
+            <a:extLst>
+              <a:ext uri="{FF2B5EF4-FFF2-40B4-BE49-F238E27FC236}">
+                <a16:creationId xmlns:a16="http://schemas.microsoft.com/office/drawing/2014/main" id="{9EB9EE5D-03D4-3499-941B-4B2B435402C9}"/>
+              </a:ext>
+            </a:extLst>
+          </p:cNvPr>
+          <p:cNvCxnSpPr/>
+          <p:nvPr/>
+        </p:nvCxnSpPr>
+        <p:spPr>
+          <a:xfrm>
+            <a:off x="8769428" y="5647438"/>
+            <a:ext cx="475297" cy="177645"/>
+          </a:xfrm>
+          <a:prstGeom prst="straightConnector1">
+            <a:avLst/>
+          </a:prstGeom>
+          <a:ln>
+            <a:tailEnd type="triangle"/>
+          </a:ln>
+        </p:spPr>
+        <p:style>
+          <a:lnRef idx="1">
+            <a:schemeClr val="accent1"/>
+          </a:lnRef>
+          <a:fillRef idx="0">
+            <a:schemeClr val="accent1"/>
+          </a:fillRef>
+          <a:effectRef idx="0">
+            <a:schemeClr val="accent1"/>
+          </a:effectRef>
+          <a:fontRef idx="minor">
+            <a:schemeClr val="tx1"/>
+          </a:fontRef>
+        </p:style>
+      </p:cxnSp>
+      <p:sp>
+        <p:nvSpPr>
+          <p:cNvPr id="182" name="TextBox 181">
+            <a:extLst>
+              <a:ext uri="{FF2B5EF4-FFF2-40B4-BE49-F238E27FC236}">
+                <a16:creationId xmlns:a16="http://schemas.microsoft.com/office/drawing/2014/main" id="{27EE5F80-9CCD-9526-5B12-8488E9C08682}"/>
+              </a:ext>
+            </a:extLst>
+          </p:cNvPr>
+          <p:cNvSpPr txBox="1"/>
+          <p:nvPr/>
+        </p:nvSpPr>
+        <p:spPr>
+          <a:xfrm>
+            <a:off x="558165" y="5959104"/>
+            <a:ext cx="939681" cy="369332"/>
+          </a:xfrm>
+          <a:prstGeom prst="rect">
+            <a:avLst/>
+          </a:prstGeom>
+          <a:noFill/>
+        </p:spPr>
+        <p:txBody>
+          <a:bodyPr wrap="none" rtlCol="0">
+            <a:spAutoFit/>
+          </a:bodyPr>
+          <a:lstStyle/>
+          <a:p>
+            <a:r>
+              <a:rPr lang="es-419" dirty="0"/>
+              <a:t>NETFLIX</a:t>
+            </a:r>
+          </a:p>
+        </p:txBody>
+      </p:sp>
+      <p:sp>
+        <p:nvSpPr>
+          <p:cNvPr id="183" name="Rectangle: Rounded Corners 182">
+            <a:extLst>
+              <a:ext uri="{FF2B5EF4-FFF2-40B4-BE49-F238E27FC236}">
+                <a16:creationId xmlns:a16="http://schemas.microsoft.com/office/drawing/2014/main" id="{0B5B15F5-BD83-51A7-43C4-D5BE470953CA}"/>
+              </a:ext>
+            </a:extLst>
+          </p:cNvPr>
+          <p:cNvSpPr/>
+          <p:nvPr/>
+        </p:nvSpPr>
+        <p:spPr>
+          <a:xfrm>
+            <a:off x="5932054" y="2119019"/>
+            <a:ext cx="379756" cy="272932"/>
+          </a:xfrm>
+          <a:prstGeom prst="roundRect">
+            <a:avLst/>
+          </a:prstGeom>
+          <a:solidFill>
+            <a:schemeClr val="bg1"/>
+          </a:solidFill>
+        </p:spPr>
+        <p:style>
+          <a:lnRef idx="2">
+            <a:schemeClr val="accent1">
+              <a:shade val="50000"/>
+            </a:schemeClr>
+          </a:lnRef>
+          <a:fillRef idx="1">
+            <a:schemeClr val="accent1"/>
+          </a:fillRef>
+          <a:effectRef idx="0">
+            <a:schemeClr val="accent1"/>
+          </a:effectRef>
+          <a:fontRef idx="minor">
+            <a:schemeClr val="lt1"/>
+          </a:fontRef>
+        </p:style>
+        <p:txBody>
+          <a:bodyPr lIns="0" tIns="0" rIns="0" bIns="0" rtlCol="0" anchor="ctr"/>
+          <a:lstStyle/>
+          <a:p>
+            <a:pPr algn="ctr"/>
+            <a:r>
+              <a:rPr lang="es-419" sz="800" dirty="0" err="1">
+                <a:solidFill>
+                  <a:sysClr val="windowText" lastClr="000000"/>
+                </a:solidFill>
+              </a:rPr>
+              <a:t>Config</a:t>
+            </a:r>
+            <a:r>
+              <a:rPr lang="es-419" sz="800" dirty="0">
+                <a:solidFill>
+                  <a:sysClr val="windowText" lastClr="000000"/>
+                </a:solidFill>
+              </a:rPr>
+              <a:t> Client</a:t>
+            </a:r>
+          </a:p>
+        </p:txBody>
+      </p:sp>
+      <p:sp>
+        <p:nvSpPr>
+          <p:cNvPr id="184" name="Rectangle: Rounded Corners 183">
+            <a:extLst>
+              <a:ext uri="{FF2B5EF4-FFF2-40B4-BE49-F238E27FC236}">
+                <a16:creationId xmlns:a16="http://schemas.microsoft.com/office/drawing/2014/main" id="{AE5F3C9A-DEEB-53D6-EF03-97262F6F1AA4}"/>
+              </a:ext>
+            </a:extLst>
+          </p:cNvPr>
+          <p:cNvSpPr/>
+          <p:nvPr/>
+        </p:nvSpPr>
+        <p:spPr>
+          <a:xfrm>
+            <a:off x="6789826" y="2119019"/>
+            <a:ext cx="379756" cy="272932"/>
+          </a:xfrm>
+          <a:prstGeom prst="roundRect">
+            <a:avLst/>
+          </a:prstGeom>
+          <a:solidFill>
+            <a:schemeClr val="bg1"/>
+          </a:solidFill>
+        </p:spPr>
+        <p:style>
+          <a:lnRef idx="2">
+            <a:schemeClr val="accent1">
+              <a:shade val="50000"/>
+            </a:schemeClr>
+          </a:lnRef>
+          <a:fillRef idx="1">
+            <a:schemeClr val="accent1"/>
+          </a:fillRef>
+          <a:effectRef idx="0">
+            <a:schemeClr val="accent1"/>
+          </a:effectRef>
+          <a:fontRef idx="minor">
+            <a:schemeClr val="lt1"/>
+          </a:fontRef>
+        </p:style>
+        <p:txBody>
+          <a:bodyPr lIns="0" tIns="0" rIns="0" bIns="0" rtlCol="0" anchor="ctr"/>
+          <a:lstStyle/>
+          <a:p>
+            <a:pPr algn="ctr"/>
+            <a:r>
+              <a:rPr lang="es-419" sz="800" dirty="0" err="1">
+                <a:solidFill>
+                  <a:sysClr val="windowText" lastClr="000000"/>
+                </a:solidFill>
+              </a:rPr>
+              <a:t>Config</a:t>
+            </a:r>
+            <a:r>
+              <a:rPr lang="es-419" sz="800" dirty="0">
+                <a:solidFill>
+                  <a:sysClr val="windowText" lastClr="000000"/>
+                </a:solidFill>
+              </a:rPr>
+              <a:t> Client</a:t>
+            </a:r>
+          </a:p>
+        </p:txBody>
+      </p:sp>
+      <p:sp>
+        <p:nvSpPr>
+          <p:cNvPr id="185" name="Rectangle: Rounded Corners 184">
+            <a:extLst>
+              <a:ext uri="{FF2B5EF4-FFF2-40B4-BE49-F238E27FC236}">
+                <a16:creationId xmlns:a16="http://schemas.microsoft.com/office/drawing/2014/main" id="{F548A890-6F58-66D9-2C0D-8173C31E1D81}"/>
+              </a:ext>
+            </a:extLst>
+          </p:cNvPr>
+          <p:cNvSpPr/>
+          <p:nvPr/>
+        </p:nvSpPr>
+        <p:spPr>
+          <a:xfrm>
+            <a:off x="9070930" y="2119019"/>
+            <a:ext cx="379756" cy="272932"/>
+          </a:xfrm>
+          <a:prstGeom prst="roundRect">
+            <a:avLst/>
+          </a:prstGeom>
+          <a:solidFill>
+            <a:schemeClr val="bg1"/>
+          </a:solidFill>
+        </p:spPr>
+        <p:style>
+          <a:lnRef idx="2">
+            <a:schemeClr val="accent1">
+              <a:shade val="50000"/>
+            </a:schemeClr>
+          </a:lnRef>
+          <a:fillRef idx="1">
+            <a:schemeClr val="accent1"/>
+          </a:fillRef>
+          <a:effectRef idx="0">
+            <a:schemeClr val="accent1"/>
+          </a:effectRef>
+          <a:fontRef idx="minor">
+            <a:schemeClr val="lt1"/>
+          </a:fontRef>
+        </p:style>
+        <p:txBody>
+          <a:bodyPr lIns="0" tIns="0" rIns="0" bIns="0" rtlCol="0" anchor="ctr"/>
+          <a:lstStyle/>
+          <a:p>
+            <a:pPr algn="ctr"/>
+            <a:r>
+              <a:rPr lang="es-419" sz="800" dirty="0" err="1">
+                <a:solidFill>
+                  <a:sysClr val="windowText" lastClr="000000"/>
+                </a:solidFill>
+              </a:rPr>
+              <a:t>Config</a:t>
+            </a:r>
+            <a:r>
+              <a:rPr lang="es-419" sz="800" dirty="0">
+                <a:solidFill>
+                  <a:sysClr val="windowText" lastClr="000000"/>
+                </a:solidFill>
+              </a:rPr>
+              <a:t> Client</a:t>
+            </a:r>
+          </a:p>
+        </p:txBody>
+      </p:sp>
+      <p:sp>
+        <p:nvSpPr>
+          <p:cNvPr id="186" name="Rectangle: Rounded Corners 185">
+            <a:extLst>
+              <a:ext uri="{FF2B5EF4-FFF2-40B4-BE49-F238E27FC236}">
+                <a16:creationId xmlns:a16="http://schemas.microsoft.com/office/drawing/2014/main" id="{E8D22ED1-9A64-14E2-2E0A-61B3B293892B}"/>
+              </a:ext>
+            </a:extLst>
+          </p:cNvPr>
+          <p:cNvSpPr/>
+          <p:nvPr/>
+        </p:nvSpPr>
+        <p:spPr>
+          <a:xfrm>
+            <a:off x="9875880" y="2119019"/>
+            <a:ext cx="379756" cy="272932"/>
+          </a:xfrm>
+          <a:prstGeom prst="roundRect">
+            <a:avLst/>
+          </a:prstGeom>
+          <a:solidFill>
+            <a:schemeClr val="bg1"/>
+          </a:solidFill>
+        </p:spPr>
+        <p:style>
+          <a:lnRef idx="2">
+            <a:schemeClr val="accent1">
+              <a:shade val="50000"/>
+            </a:schemeClr>
+          </a:lnRef>
+          <a:fillRef idx="1">
+            <a:schemeClr val="accent1"/>
+          </a:fillRef>
+          <a:effectRef idx="0">
+            <a:schemeClr val="accent1"/>
+          </a:effectRef>
+          <a:fontRef idx="minor">
+            <a:schemeClr val="lt1"/>
+          </a:fontRef>
+        </p:style>
+        <p:txBody>
+          <a:bodyPr lIns="0" tIns="0" rIns="0" bIns="0" rtlCol="0" anchor="ctr"/>
+          <a:lstStyle/>
+          <a:p>
+            <a:pPr algn="ctr"/>
+            <a:r>
+              <a:rPr lang="es-419" sz="800" dirty="0" err="1">
+                <a:solidFill>
+                  <a:sysClr val="windowText" lastClr="000000"/>
+                </a:solidFill>
+              </a:rPr>
+              <a:t>Config</a:t>
+            </a:r>
+            <a:r>
+              <a:rPr lang="es-419" sz="800" dirty="0">
+                <a:solidFill>
+                  <a:sysClr val="windowText" lastClr="000000"/>
+                </a:solidFill>
+              </a:rPr>
+              <a:t> Client</a:t>
+            </a:r>
+          </a:p>
+        </p:txBody>
+      </p:sp>
+      <p:sp>
+        <p:nvSpPr>
+          <p:cNvPr id="187" name="Rectangle: Rounded Corners 186">
+            <a:extLst>
+              <a:ext uri="{FF2B5EF4-FFF2-40B4-BE49-F238E27FC236}">
+                <a16:creationId xmlns:a16="http://schemas.microsoft.com/office/drawing/2014/main" id="{363B2F7C-864E-AE5B-8F70-A9F27992689A}"/>
+              </a:ext>
+            </a:extLst>
+          </p:cNvPr>
+          <p:cNvSpPr/>
+          <p:nvPr/>
+        </p:nvSpPr>
+        <p:spPr>
+          <a:xfrm>
+            <a:off x="3485141" y="2119019"/>
+            <a:ext cx="379756" cy="272932"/>
+          </a:xfrm>
+          <a:prstGeom prst="roundRect">
+            <a:avLst/>
+          </a:prstGeom>
+          <a:solidFill>
+            <a:schemeClr val="bg1"/>
+          </a:solidFill>
+        </p:spPr>
+        <p:style>
+          <a:lnRef idx="2">
+            <a:schemeClr val="accent1">
+              <a:shade val="50000"/>
+            </a:schemeClr>
+          </a:lnRef>
+          <a:fillRef idx="1">
+            <a:schemeClr val="accent1"/>
+          </a:fillRef>
+          <a:effectRef idx="0">
+            <a:schemeClr val="accent1"/>
+          </a:effectRef>
+          <a:fontRef idx="minor">
+            <a:schemeClr val="lt1"/>
+          </a:fontRef>
+        </p:style>
+        <p:txBody>
+          <a:bodyPr lIns="0" tIns="0" rIns="0" bIns="0" rtlCol="0" anchor="ctr"/>
+          <a:lstStyle/>
+          <a:p>
+            <a:pPr algn="ctr"/>
+            <a:r>
+              <a:rPr lang="es-419" sz="800" dirty="0" err="1">
+                <a:solidFill>
+                  <a:sysClr val="windowText" lastClr="000000"/>
+                </a:solidFill>
+              </a:rPr>
+              <a:t>Config</a:t>
+            </a:r>
+            <a:r>
+              <a:rPr lang="es-419" sz="800" dirty="0">
+                <a:solidFill>
+                  <a:sysClr val="windowText" lastClr="000000"/>
+                </a:solidFill>
+              </a:rPr>
+              <a:t> Client</a:t>
+            </a:r>
+          </a:p>
+        </p:txBody>
+      </p:sp>
+      <p:sp>
+        <p:nvSpPr>
+          <p:cNvPr id="188" name="Rectangle: Rounded Corners 187">
+            <a:extLst>
+              <a:ext uri="{FF2B5EF4-FFF2-40B4-BE49-F238E27FC236}">
+                <a16:creationId xmlns:a16="http://schemas.microsoft.com/office/drawing/2014/main" id="{EDB4D1C6-0EFA-3370-D3DB-A2DA95BB00CE}"/>
+              </a:ext>
+            </a:extLst>
+          </p:cNvPr>
+          <p:cNvSpPr/>
+          <p:nvPr/>
+        </p:nvSpPr>
+        <p:spPr>
+          <a:xfrm>
+            <a:off x="2559699" y="2119019"/>
+            <a:ext cx="379756" cy="272932"/>
+          </a:xfrm>
+          <a:prstGeom prst="roundRect">
+            <a:avLst/>
+          </a:prstGeom>
+          <a:solidFill>
+            <a:schemeClr val="bg1"/>
+          </a:solidFill>
+        </p:spPr>
+        <p:style>
+          <a:lnRef idx="2">
+            <a:schemeClr val="accent1">
+              <a:shade val="50000"/>
+            </a:schemeClr>
+          </a:lnRef>
+          <a:fillRef idx="1">
+            <a:schemeClr val="accent1"/>
+          </a:fillRef>
+          <a:effectRef idx="0">
+            <a:schemeClr val="accent1"/>
+          </a:effectRef>
+          <a:fontRef idx="minor">
+            <a:schemeClr val="lt1"/>
+          </a:fontRef>
+        </p:style>
+        <p:txBody>
+          <a:bodyPr lIns="0" tIns="0" rIns="0" bIns="0" rtlCol="0" anchor="ctr"/>
+          <a:lstStyle/>
+          <a:p>
+            <a:pPr algn="ctr"/>
+            <a:r>
+              <a:rPr lang="es-419" sz="800" dirty="0" err="1">
+                <a:solidFill>
+                  <a:sysClr val="windowText" lastClr="000000"/>
+                </a:solidFill>
+              </a:rPr>
+              <a:t>Config</a:t>
+            </a:r>
+            <a:r>
+              <a:rPr lang="es-419" sz="800" dirty="0">
+                <a:solidFill>
+                  <a:sysClr val="windowText" lastClr="000000"/>
+                </a:solidFill>
+              </a:rPr>
+              <a:t> Client</a:t>
+            </a:r>
+          </a:p>
+        </p:txBody>
+      </p:sp>
+    </p:spTree>
+    <p:extLst>
+      <p:ext uri="{BB962C8B-B14F-4D97-AF65-F5344CB8AC3E}">
+        <p14:creationId xmlns:p14="http://schemas.microsoft.com/office/powerpoint/2010/main" val="700808741"/>
       </p:ext>
     </p:extLst>
   </p:cSld>
